--- a/er.pptx
+++ b/er.pptx
@@ -1,20 +1,20 @@
 
 <file path=ppt/presentation.xml><?xml version="1.0" encoding="utf-8"?>
-<p:presentation xmlns:a="http://schemas.openxmlformats.org/drawingml/2006/main" xmlns:r="http://schemas.openxmlformats.org/officeDocument/2006/relationships" xmlns:p="http://schemas.openxmlformats.org/presentationml/2006/main" saveSubsetFonts="1" autoCompressPictures="0">
+<p:presentation xmlns:a="http://schemas.openxmlformats.org/drawingml/2006/main" xmlns:r="http://schemas.openxmlformats.org/officeDocument/2006/relationships" xmlns:p="http://schemas.openxmlformats.org/presentationml/2006/main" saveSubsetFonts="1">
   <p:sldMasterIdLst>
-    <p:sldMasterId id="2147483660" r:id="rId1"/>
+    <p:sldMasterId id="2147483648" r:id="rId1"/>
   </p:sldMasterIdLst>
   <p:sldIdLst>
-    <p:sldId id="256" r:id="rId2"/>
+    <p:sldId id="257" r:id="rId2"/>
   </p:sldIdLst>
-  <p:sldSz cx="9144000" cy="5143500" type="screen16x9"/>
+  <p:sldSz cx="12192000" cy="6858000"/>
   <p:notesSz cx="6858000" cy="9144000"/>
   <p:defaultTextStyle>
     <a:defPPr>
       <a:defRPr lang="en-US"/>
     </a:defPPr>
-    <a:lvl1pPr marL="0" algn="l" defTabSz="685800" rtl="0" eaLnBrk="1" latinLnBrk="0" hangingPunct="1">
-      <a:defRPr sz="1350" kern="1200">
+    <a:lvl1pPr marL="0" algn="l" defTabSz="914400" rtl="0" eaLnBrk="1" latinLnBrk="0" hangingPunct="1">
+      <a:defRPr sz="1800" kern="1200">
         <a:solidFill>
           <a:schemeClr val="tx1"/>
         </a:solidFill>
@@ -23,8 +23,8 @@
         <a:cs typeface="+mn-cs"/>
       </a:defRPr>
     </a:lvl1pPr>
-    <a:lvl2pPr marL="342900" algn="l" defTabSz="685800" rtl="0" eaLnBrk="1" latinLnBrk="0" hangingPunct="1">
-      <a:defRPr sz="1350" kern="1200">
+    <a:lvl2pPr marL="457200" algn="l" defTabSz="914400" rtl="0" eaLnBrk="1" latinLnBrk="0" hangingPunct="1">
+      <a:defRPr sz="1800" kern="1200">
         <a:solidFill>
           <a:schemeClr val="tx1"/>
         </a:solidFill>
@@ -33,8 +33,8 @@
         <a:cs typeface="+mn-cs"/>
       </a:defRPr>
     </a:lvl2pPr>
-    <a:lvl3pPr marL="685800" algn="l" defTabSz="685800" rtl="0" eaLnBrk="1" latinLnBrk="0" hangingPunct="1">
-      <a:defRPr sz="1350" kern="1200">
+    <a:lvl3pPr marL="914400" algn="l" defTabSz="914400" rtl="0" eaLnBrk="1" latinLnBrk="0" hangingPunct="1">
+      <a:defRPr sz="1800" kern="1200">
         <a:solidFill>
           <a:schemeClr val="tx1"/>
         </a:solidFill>
@@ -43,8 +43,8 @@
         <a:cs typeface="+mn-cs"/>
       </a:defRPr>
     </a:lvl3pPr>
-    <a:lvl4pPr marL="1028700" algn="l" defTabSz="685800" rtl="0" eaLnBrk="1" latinLnBrk="0" hangingPunct="1">
-      <a:defRPr sz="1350" kern="1200">
+    <a:lvl4pPr marL="1371600" algn="l" defTabSz="914400" rtl="0" eaLnBrk="1" latinLnBrk="0" hangingPunct="1">
+      <a:defRPr sz="1800" kern="1200">
         <a:solidFill>
           <a:schemeClr val="tx1"/>
         </a:solidFill>
@@ -53,8 +53,8 @@
         <a:cs typeface="+mn-cs"/>
       </a:defRPr>
     </a:lvl4pPr>
-    <a:lvl5pPr marL="1371600" algn="l" defTabSz="685800" rtl="0" eaLnBrk="1" latinLnBrk="0" hangingPunct="1">
-      <a:defRPr sz="1350" kern="1200">
+    <a:lvl5pPr marL="1828800" algn="l" defTabSz="914400" rtl="0" eaLnBrk="1" latinLnBrk="0" hangingPunct="1">
+      <a:defRPr sz="1800" kern="1200">
         <a:solidFill>
           <a:schemeClr val="tx1"/>
         </a:solidFill>
@@ -63,8 +63,8 @@
         <a:cs typeface="+mn-cs"/>
       </a:defRPr>
     </a:lvl5pPr>
-    <a:lvl6pPr marL="1714500" algn="l" defTabSz="685800" rtl="0" eaLnBrk="1" latinLnBrk="0" hangingPunct="1">
-      <a:defRPr sz="1350" kern="1200">
+    <a:lvl6pPr marL="2286000" algn="l" defTabSz="914400" rtl="0" eaLnBrk="1" latinLnBrk="0" hangingPunct="1">
+      <a:defRPr sz="1800" kern="1200">
         <a:solidFill>
           <a:schemeClr val="tx1"/>
         </a:solidFill>
@@ -73,8 +73,8 @@
         <a:cs typeface="+mn-cs"/>
       </a:defRPr>
     </a:lvl6pPr>
-    <a:lvl7pPr marL="2057400" algn="l" defTabSz="685800" rtl="0" eaLnBrk="1" latinLnBrk="0" hangingPunct="1">
-      <a:defRPr sz="1350" kern="1200">
+    <a:lvl7pPr marL="2743200" algn="l" defTabSz="914400" rtl="0" eaLnBrk="1" latinLnBrk="0" hangingPunct="1">
+      <a:defRPr sz="1800" kern="1200">
         <a:solidFill>
           <a:schemeClr val="tx1"/>
         </a:solidFill>
@@ -83,8 +83,8 @@
         <a:cs typeface="+mn-cs"/>
       </a:defRPr>
     </a:lvl7pPr>
-    <a:lvl8pPr marL="2400300" algn="l" defTabSz="685800" rtl="0" eaLnBrk="1" latinLnBrk="0" hangingPunct="1">
-      <a:defRPr sz="1350" kern="1200">
+    <a:lvl8pPr marL="3200400" algn="l" defTabSz="914400" rtl="0" eaLnBrk="1" latinLnBrk="0" hangingPunct="1">
+      <a:defRPr sz="1800" kern="1200">
         <a:solidFill>
           <a:schemeClr val="tx1"/>
         </a:solidFill>
@@ -93,8 +93,8 @@
         <a:cs typeface="+mn-cs"/>
       </a:defRPr>
     </a:lvl8pPr>
-    <a:lvl9pPr marL="2743200" algn="l" defTabSz="685800" rtl="0" eaLnBrk="1" latinLnBrk="0" hangingPunct="1">
-      <a:defRPr sz="1350" kern="1200">
+    <a:lvl9pPr marL="3657600" algn="l" defTabSz="914400" rtl="0" eaLnBrk="1" latinLnBrk="0" hangingPunct="1">
+      <a:defRPr sz="1800" kern="1200">
         <a:solidFill>
           <a:schemeClr val="tx1"/>
         </a:solidFill>
@@ -104,7 +104,16 @@
       </a:defRPr>
     </a:lvl9pPr>
   </p:defaultTextStyle>
+  <p:extLst>
+    <p:ext uri="{EFAFB233-063F-42B5-8137-9DF3F51BA10A}">
+      <p15:sldGuideLst xmlns:p15="http://schemas.microsoft.com/office/powerpoint/2012/main"/>
+    </p:ext>
+  </p:extLst>
 </p:presentation>
+</file>
+
+<file path=ppt/revisionInfo.xml><?xml version="1.0" encoding="utf-8"?>
+<p1510:revInfo xmlns:a="http://schemas.openxmlformats.org/drawingml/2006/main" xmlns:r="http://schemas.openxmlformats.org/officeDocument/2006/relationships" xmlns:p1510="http://schemas.microsoft.com/office/powerpoint/2015/10/main"/>
 </file>
 
 <file path=ppt/slideLayouts/slideLayout1.xml><?xml version="1.0" encoding="utf-8"?>
@@ -126,7 +135,13 @@
       </p:grpSpPr>
       <p:sp>
         <p:nvSpPr>
-          <p:cNvPr id="2" name="Title 1"/>
+          <p:cNvPr id="2" name="Title 1">
+            <a:extLst>
+              <a:ext uri="{FF2B5EF4-FFF2-40B4-BE49-F238E27FC236}">
+                <a16:creationId xmlns:a16="http://schemas.microsoft.com/office/drawing/2014/main" id="{6C93C5E3-3F34-40A4-BDD8-9694FAD01902}"/>
+              </a:ext>
+            </a:extLst>
+          </p:cNvPr>
           <p:cNvSpPr>
             <a:spLocks noGrp="1"/>
           </p:cNvSpPr>
@@ -136,29 +151,34 @@
         </p:nvSpPr>
         <p:spPr>
           <a:xfrm>
-            <a:off x="1143000" y="841772"/>
-            <a:ext cx="6858000" cy="1790700"/>
+            <a:off x="1524000" y="1122363"/>
+            <a:ext cx="9144000" cy="2387600"/>
           </a:xfrm>
         </p:spPr>
         <p:txBody>
           <a:bodyPr anchor="b"/>
           <a:lstStyle>
             <a:lvl1pPr algn="ctr">
-              <a:defRPr sz="4500"/>
+              <a:defRPr sz="6000"/>
             </a:lvl1pPr>
           </a:lstStyle>
           <a:p>
             <a:r>
-              <a:rPr lang="en-US" smtClean="0"/>
+              <a:rPr lang="en-US"/>
               <a:t>Click to edit Master title style</a:t>
             </a:r>
-            <a:endParaRPr lang="en-US" dirty="0"/>
-          </a:p>
-        </p:txBody>
-      </p:sp>
-      <p:sp>
-        <p:nvSpPr>
-          <p:cNvPr id="3" name="Subtitle 2"/>
+          </a:p>
+        </p:txBody>
+      </p:sp>
+      <p:sp>
+        <p:nvSpPr>
+          <p:cNvPr id="3" name="Subtitle 2">
+            <a:extLst>
+              <a:ext uri="{FF2B5EF4-FFF2-40B4-BE49-F238E27FC236}">
+                <a16:creationId xmlns:a16="http://schemas.microsoft.com/office/drawing/2014/main" id="{692BD4FB-055D-4998-9F6D-B2E041EF43C7}"/>
+              </a:ext>
+            </a:extLst>
+          </p:cNvPr>
           <p:cNvSpPr>
             <a:spLocks noGrp="1"/>
           </p:cNvSpPr>
@@ -168,8 +188,8 @@
         </p:nvSpPr>
         <p:spPr>
           <a:xfrm>
-            <a:off x="1143000" y="2701528"/>
-            <a:ext cx="6858000" cy="1241822"/>
+            <a:off x="1524000" y="3602038"/>
+            <a:ext cx="9144000" cy="1655762"/>
           </a:xfrm>
         </p:spPr>
         <p:txBody>
@@ -177,68 +197,73 @@
           <a:lstStyle>
             <a:lvl1pPr marL="0" indent="0" algn="ctr">
               <a:buNone/>
+              <a:defRPr sz="2400"/>
+            </a:lvl1pPr>
+            <a:lvl2pPr marL="457200" indent="0" algn="ctr">
+              <a:buNone/>
+              <a:defRPr sz="2000"/>
+            </a:lvl2pPr>
+            <a:lvl3pPr marL="914400" indent="0" algn="ctr">
+              <a:buNone/>
               <a:defRPr sz="1800"/>
-            </a:lvl1pPr>
-            <a:lvl2pPr marL="342900" indent="0" algn="ctr">
-              <a:buNone/>
-              <a:defRPr sz="1500"/>
-            </a:lvl2pPr>
-            <a:lvl3pPr marL="685800" indent="0" algn="ctr">
-              <a:buNone/>
-              <a:defRPr sz="1350"/>
             </a:lvl3pPr>
-            <a:lvl4pPr marL="1028700" indent="0" algn="ctr">
-              <a:buNone/>
-              <a:defRPr sz="1200"/>
+            <a:lvl4pPr marL="1371600" indent="0" algn="ctr">
+              <a:buNone/>
+              <a:defRPr sz="1600"/>
             </a:lvl4pPr>
-            <a:lvl5pPr marL="1371600" indent="0" algn="ctr">
-              <a:buNone/>
-              <a:defRPr sz="1200"/>
+            <a:lvl5pPr marL="1828800" indent="0" algn="ctr">
+              <a:buNone/>
+              <a:defRPr sz="1600"/>
             </a:lvl5pPr>
-            <a:lvl6pPr marL="1714500" indent="0" algn="ctr">
-              <a:buNone/>
-              <a:defRPr sz="1200"/>
+            <a:lvl6pPr marL="2286000" indent="0" algn="ctr">
+              <a:buNone/>
+              <a:defRPr sz="1600"/>
             </a:lvl6pPr>
-            <a:lvl7pPr marL="2057400" indent="0" algn="ctr">
-              <a:buNone/>
-              <a:defRPr sz="1200"/>
+            <a:lvl7pPr marL="2743200" indent="0" algn="ctr">
+              <a:buNone/>
+              <a:defRPr sz="1600"/>
             </a:lvl7pPr>
-            <a:lvl8pPr marL="2400300" indent="0" algn="ctr">
-              <a:buNone/>
-              <a:defRPr sz="1200"/>
+            <a:lvl8pPr marL="3200400" indent="0" algn="ctr">
+              <a:buNone/>
+              <a:defRPr sz="1600"/>
             </a:lvl8pPr>
-            <a:lvl9pPr marL="2743200" indent="0" algn="ctr">
-              <a:buNone/>
-              <a:defRPr sz="1200"/>
+            <a:lvl9pPr marL="3657600" indent="0" algn="ctr">
+              <a:buNone/>
+              <a:defRPr sz="1600"/>
             </a:lvl9pPr>
           </a:lstStyle>
           <a:p>
             <a:r>
+              <a:rPr lang="en-US"/>
+              <a:t>Click to edit Master subtitle style</a:t>
+            </a:r>
+          </a:p>
+        </p:txBody>
+      </p:sp>
+      <p:sp>
+        <p:nvSpPr>
+          <p:cNvPr id="4" name="Date Placeholder 3">
+            <a:extLst>
+              <a:ext uri="{FF2B5EF4-FFF2-40B4-BE49-F238E27FC236}">
+                <a16:creationId xmlns:a16="http://schemas.microsoft.com/office/drawing/2014/main" id="{F21A41DC-7F06-4F0D-A894-6F58FE4F26E9}"/>
+              </a:ext>
+            </a:extLst>
+          </p:cNvPr>
+          <p:cNvSpPr>
+            <a:spLocks noGrp="1"/>
+          </p:cNvSpPr>
+          <p:nvPr>
+            <p:ph type="dt" sz="half" idx="10"/>
+          </p:nvPr>
+        </p:nvSpPr>
+        <p:spPr/>
+        <p:txBody>
+          <a:bodyPr/>
+          <a:lstStyle/>
+          <a:p>
+            <a:fld id="{2DE90497-CD8E-43F8-91E6-3FAD70B3C54F}" type="datetimeFigureOut">
               <a:rPr lang="en-US" smtClean="0"/>
-              <a:t>Click to edit Master subtitle style</a:t>
-            </a:r>
-            <a:endParaRPr lang="en-US" dirty="0"/>
-          </a:p>
-        </p:txBody>
-      </p:sp>
-      <p:sp>
-        <p:nvSpPr>
-          <p:cNvPr id="4" name="Date Placeholder 3"/>
-          <p:cNvSpPr>
-            <a:spLocks noGrp="1"/>
-          </p:cNvSpPr>
-          <p:nvPr>
-            <p:ph type="dt" sz="half" idx="10"/>
-          </p:nvPr>
-        </p:nvSpPr>
-        <p:spPr/>
-        <p:txBody>
-          <a:bodyPr/>
-          <a:lstStyle/>
-          <a:p>
-            <a:fld id="{902DD7BD-5F42-A94C-A331-9E17F7E7AD9D}" type="datetimeFigureOut">
-              <a:rPr lang="en-US" smtClean="0"/>
-              <a:t>2/23/18</a:t>
+              <a:t>2/23/2018</a:t>
             </a:fld>
             <a:endParaRPr lang="en-US"/>
           </a:p>
@@ -246,7 +271,13 @@
       </p:sp>
       <p:sp>
         <p:nvSpPr>
-          <p:cNvPr id="5" name="Footer Placeholder 4"/>
+          <p:cNvPr id="5" name="Footer Placeholder 4">
+            <a:extLst>
+              <a:ext uri="{FF2B5EF4-FFF2-40B4-BE49-F238E27FC236}">
+                <a16:creationId xmlns:a16="http://schemas.microsoft.com/office/drawing/2014/main" id="{F81881FD-1797-4ACC-A57F-CA443BBF783C}"/>
+              </a:ext>
+            </a:extLst>
+          </p:cNvPr>
           <p:cNvSpPr>
             <a:spLocks noGrp="1"/>
           </p:cNvSpPr>
@@ -265,7 +296,13 @@
       </p:sp>
       <p:sp>
         <p:nvSpPr>
-          <p:cNvPr id="6" name="Slide Number Placeholder 5"/>
+          <p:cNvPr id="6" name="Slide Number Placeholder 5">
+            <a:extLst>
+              <a:ext uri="{FF2B5EF4-FFF2-40B4-BE49-F238E27FC236}">
+                <a16:creationId xmlns:a16="http://schemas.microsoft.com/office/drawing/2014/main" id="{0EBE443A-E8EF-4CE3-A97D-95E72A60544A}"/>
+              </a:ext>
+            </a:extLst>
+          </p:cNvPr>
           <p:cNvSpPr>
             <a:spLocks noGrp="1"/>
           </p:cNvSpPr>
@@ -278,7 +315,7 @@
           <a:bodyPr/>
           <a:lstStyle/>
           <a:p>
-            <a:fld id="{5725059B-3A21-284D-AE2F-49D6616662D1}" type="slidenum">
+            <a:fld id="{9364A989-5472-48DC-A478-5EFAF045A946}" type="slidenum">
               <a:rPr lang="en-US" smtClean="0"/>
               <a:t>‹#›</a:t>
             </a:fld>
@@ -287,6 +324,11 @@
         </p:txBody>
       </p:sp>
     </p:spTree>
+    <p:extLst>
+      <p:ext uri="{BB962C8B-B14F-4D97-AF65-F5344CB8AC3E}">
+        <p14:creationId xmlns:p14="http://schemas.microsoft.com/office/powerpoint/2010/main" val="1243027862"/>
+      </p:ext>
+    </p:extLst>
   </p:cSld>
   <p:clrMapOvr>
     <a:masterClrMapping/>
@@ -313,7 +355,13 @@
       </p:grpSpPr>
       <p:sp>
         <p:nvSpPr>
-          <p:cNvPr id="2" name="Title 1"/>
+          <p:cNvPr id="2" name="Title 1">
+            <a:extLst>
+              <a:ext uri="{FF2B5EF4-FFF2-40B4-BE49-F238E27FC236}">
+                <a16:creationId xmlns:a16="http://schemas.microsoft.com/office/drawing/2014/main" id="{188362B1-F514-4B13-9C4E-646C15127130}"/>
+              </a:ext>
+            </a:extLst>
+          </p:cNvPr>
           <p:cNvSpPr>
             <a:spLocks noGrp="1"/>
           </p:cNvSpPr>
@@ -327,83 +375,93 @@
           <a:lstStyle/>
           <a:p>
             <a:r>
+              <a:rPr lang="en-US"/>
+              <a:t>Click to edit Master title style</a:t>
+            </a:r>
+          </a:p>
+        </p:txBody>
+      </p:sp>
+      <p:sp>
+        <p:nvSpPr>
+          <p:cNvPr id="3" name="Vertical Text Placeholder 2">
+            <a:extLst>
+              <a:ext uri="{FF2B5EF4-FFF2-40B4-BE49-F238E27FC236}">
+                <a16:creationId xmlns:a16="http://schemas.microsoft.com/office/drawing/2014/main" id="{7D01C5C5-C2CC-4630-8E61-5BECD4B8E6A3}"/>
+              </a:ext>
+            </a:extLst>
+          </p:cNvPr>
+          <p:cNvSpPr>
+            <a:spLocks noGrp="1"/>
+          </p:cNvSpPr>
+          <p:nvPr>
+            <p:ph type="body" orient="vert" idx="1"/>
+          </p:nvPr>
+        </p:nvSpPr>
+        <p:spPr/>
+        <p:txBody>
+          <a:bodyPr vert="eaVert"/>
+          <a:lstStyle/>
+          <a:p>
+            <a:pPr lvl="0"/>
+            <a:r>
+              <a:rPr lang="en-US"/>
+              <a:t>Edit Master text styles</a:t>
+            </a:r>
+          </a:p>
+          <a:p>
+            <a:pPr lvl="1"/>
+            <a:r>
+              <a:rPr lang="en-US"/>
+              <a:t>Second level</a:t>
+            </a:r>
+          </a:p>
+          <a:p>
+            <a:pPr lvl="2"/>
+            <a:r>
+              <a:rPr lang="en-US"/>
+              <a:t>Third level</a:t>
+            </a:r>
+          </a:p>
+          <a:p>
+            <a:pPr lvl="3"/>
+            <a:r>
+              <a:rPr lang="en-US"/>
+              <a:t>Fourth level</a:t>
+            </a:r>
+          </a:p>
+          <a:p>
+            <a:pPr lvl="4"/>
+            <a:r>
+              <a:rPr lang="en-US"/>
+              <a:t>Fifth level</a:t>
+            </a:r>
+          </a:p>
+        </p:txBody>
+      </p:sp>
+      <p:sp>
+        <p:nvSpPr>
+          <p:cNvPr id="4" name="Date Placeholder 3">
+            <a:extLst>
+              <a:ext uri="{FF2B5EF4-FFF2-40B4-BE49-F238E27FC236}">
+                <a16:creationId xmlns:a16="http://schemas.microsoft.com/office/drawing/2014/main" id="{9ABC7015-5C35-45C8-954F-930CA8C15929}"/>
+              </a:ext>
+            </a:extLst>
+          </p:cNvPr>
+          <p:cNvSpPr>
+            <a:spLocks noGrp="1"/>
+          </p:cNvSpPr>
+          <p:nvPr>
+            <p:ph type="dt" sz="half" idx="10"/>
+          </p:nvPr>
+        </p:nvSpPr>
+        <p:spPr/>
+        <p:txBody>
+          <a:bodyPr/>
+          <a:lstStyle/>
+          <a:p>
+            <a:fld id="{2DE90497-CD8E-43F8-91E6-3FAD70B3C54F}" type="datetimeFigureOut">
               <a:rPr lang="en-US" smtClean="0"/>
-              <a:t>Click to edit Master title style</a:t>
-            </a:r>
-            <a:endParaRPr lang="en-US" dirty="0"/>
-          </a:p>
-        </p:txBody>
-      </p:sp>
-      <p:sp>
-        <p:nvSpPr>
-          <p:cNvPr id="3" name="Vertical Text Placeholder 2"/>
-          <p:cNvSpPr>
-            <a:spLocks noGrp="1"/>
-          </p:cNvSpPr>
-          <p:nvPr>
-            <p:ph type="body" orient="vert" idx="1"/>
-          </p:nvPr>
-        </p:nvSpPr>
-        <p:spPr/>
-        <p:txBody>
-          <a:bodyPr vert="eaVert"/>
-          <a:lstStyle/>
-          <a:p>
-            <a:pPr lvl="0"/>
-            <a:r>
-              <a:rPr lang="en-US" smtClean="0"/>
-              <a:t>Click to edit Master text styles</a:t>
-            </a:r>
-          </a:p>
-          <a:p>
-            <a:pPr lvl="1"/>
-            <a:r>
-              <a:rPr lang="en-US" smtClean="0"/>
-              <a:t>Second level</a:t>
-            </a:r>
-          </a:p>
-          <a:p>
-            <a:pPr lvl="2"/>
-            <a:r>
-              <a:rPr lang="en-US" smtClean="0"/>
-              <a:t>Third level</a:t>
-            </a:r>
-          </a:p>
-          <a:p>
-            <a:pPr lvl="3"/>
-            <a:r>
-              <a:rPr lang="en-US" smtClean="0"/>
-              <a:t>Fourth level</a:t>
-            </a:r>
-          </a:p>
-          <a:p>
-            <a:pPr lvl="4"/>
-            <a:r>
-              <a:rPr lang="en-US" smtClean="0"/>
-              <a:t>Fifth level</a:t>
-            </a:r>
-            <a:endParaRPr lang="en-US" dirty="0"/>
-          </a:p>
-        </p:txBody>
-      </p:sp>
-      <p:sp>
-        <p:nvSpPr>
-          <p:cNvPr id="4" name="Date Placeholder 3"/>
-          <p:cNvSpPr>
-            <a:spLocks noGrp="1"/>
-          </p:cNvSpPr>
-          <p:nvPr>
-            <p:ph type="dt" sz="half" idx="10"/>
-          </p:nvPr>
-        </p:nvSpPr>
-        <p:spPr/>
-        <p:txBody>
-          <a:bodyPr/>
-          <a:lstStyle/>
-          <a:p>
-            <a:fld id="{902DD7BD-5F42-A94C-A331-9E17F7E7AD9D}" type="datetimeFigureOut">
-              <a:rPr lang="en-US" smtClean="0"/>
-              <a:t>2/23/18</a:t>
+              <a:t>2/23/2018</a:t>
             </a:fld>
             <a:endParaRPr lang="en-US"/>
           </a:p>
@@ -411,7 +469,13 @@
       </p:sp>
       <p:sp>
         <p:nvSpPr>
-          <p:cNvPr id="5" name="Footer Placeholder 4"/>
+          <p:cNvPr id="5" name="Footer Placeholder 4">
+            <a:extLst>
+              <a:ext uri="{FF2B5EF4-FFF2-40B4-BE49-F238E27FC236}">
+                <a16:creationId xmlns:a16="http://schemas.microsoft.com/office/drawing/2014/main" id="{87A211BD-F9E2-4137-8DEF-F5A0450CBD65}"/>
+              </a:ext>
+            </a:extLst>
+          </p:cNvPr>
           <p:cNvSpPr>
             <a:spLocks noGrp="1"/>
           </p:cNvSpPr>
@@ -430,7 +494,13 @@
       </p:sp>
       <p:sp>
         <p:nvSpPr>
-          <p:cNvPr id="6" name="Slide Number Placeholder 5"/>
+          <p:cNvPr id="6" name="Slide Number Placeholder 5">
+            <a:extLst>
+              <a:ext uri="{FF2B5EF4-FFF2-40B4-BE49-F238E27FC236}">
+                <a16:creationId xmlns:a16="http://schemas.microsoft.com/office/drawing/2014/main" id="{F764CF67-5ED9-4252-87FE-5C2DA9D8E99A}"/>
+              </a:ext>
+            </a:extLst>
+          </p:cNvPr>
           <p:cNvSpPr>
             <a:spLocks noGrp="1"/>
           </p:cNvSpPr>
@@ -443,7 +513,7 @@
           <a:bodyPr/>
           <a:lstStyle/>
           <a:p>
-            <a:fld id="{5725059B-3A21-284D-AE2F-49D6616662D1}" type="slidenum">
+            <a:fld id="{9364A989-5472-48DC-A478-5EFAF045A946}" type="slidenum">
               <a:rPr lang="en-US" smtClean="0"/>
               <a:t>‹#›</a:t>
             </a:fld>
@@ -452,6 +522,11 @@
         </p:txBody>
       </p:sp>
     </p:spTree>
+    <p:extLst>
+      <p:ext uri="{BB962C8B-B14F-4D97-AF65-F5344CB8AC3E}">
+        <p14:creationId xmlns:p14="http://schemas.microsoft.com/office/powerpoint/2010/main" val="2695704445"/>
+      </p:ext>
+    </p:extLst>
   </p:cSld>
   <p:clrMapOvr>
     <a:masterClrMapping/>
@@ -478,7 +553,13 @@
       </p:grpSpPr>
       <p:sp>
         <p:nvSpPr>
-          <p:cNvPr id="2" name="Vertical Title 1"/>
+          <p:cNvPr id="2" name="Vertical Title 1">
+            <a:extLst>
+              <a:ext uri="{FF2B5EF4-FFF2-40B4-BE49-F238E27FC236}">
+                <a16:creationId xmlns:a16="http://schemas.microsoft.com/office/drawing/2014/main" id="{1CA833FC-B72D-4EF2-A9A1-D550792E0620}"/>
+              </a:ext>
+            </a:extLst>
+          </p:cNvPr>
           <p:cNvSpPr>
             <a:spLocks noGrp="1"/>
           </p:cNvSpPr>
@@ -488,8 +569,8 @@
         </p:nvSpPr>
         <p:spPr>
           <a:xfrm>
-            <a:off x="6543675" y="273844"/>
-            <a:ext cx="1971675" cy="4358879"/>
+            <a:off x="8724900" y="365125"/>
+            <a:ext cx="2628900" cy="5811838"/>
           </a:xfrm>
         </p:spPr>
         <p:txBody>
@@ -497,16 +578,21 @@
           <a:lstStyle/>
           <a:p>
             <a:r>
-              <a:rPr lang="en-US" smtClean="0"/>
+              <a:rPr lang="en-US"/>
               <a:t>Click to edit Master title style</a:t>
             </a:r>
-            <a:endParaRPr lang="en-US" dirty="0"/>
-          </a:p>
-        </p:txBody>
-      </p:sp>
-      <p:sp>
-        <p:nvSpPr>
-          <p:cNvPr id="3" name="Vertical Text Placeholder 2"/>
+          </a:p>
+        </p:txBody>
+      </p:sp>
+      <p:sp>
+        <p:nvSpPr>
+          <p:cNvPr id="3" name="Vertical Text Placeholder 2">
+            <a:extLst>
+              <a:ext uri="{FF2B5EF4-FFF2-40B4-BE49-F238E27FC236}">
+                <a16:creationId xmlns:a16="http://schemas.microsoft.com/office/drawing/2014/main" id="{D71DE1D9-9E05-4430-BC00-F06157EF74FF}"/>
+              </a:ext>
+            </a:extLst>
+          </p:cNvPr>
           <p:cNvSpPr>
             <a:spLocks noGrp="1"/>
           </p:cNvSpPr>
@@ -516,8 +602,8 @@
         </p:nvSpPr>
         <p:spPr>
           <a:xfrm>
-            <a:off x="628650" y="273844"/>
-            <a:ext cx="5800725" cy="4358879"/>
+            <a:off x="838200" y="365125"/>
+            <a:ext cx="7734300" cy="5811838"/>
           </a:xfrm>
         </p:spPr>
         <p:txBody>
@@ -526,59 +612,64 @@
           <a:p>
             <a:pPr lvl="0"/>
             <a:r>
+              <a:rPr lang="en-US"/>
+              <a:t>Edit Master text styles</a:t>
+            </a:r>
+          </a:p>
+          <a:p>
+            <a:pPr lvl="1"/>
+            <a:r>
+              <a:rPr lang="en-US"/>
+              <a:t>Second level</a:t>
+            </a:r>
+          </a:p>
+          <a:p>
+            <a:pPr lvl="2"/>
+            <a:r>
+              <a:rPr lang="en-US"/>
+              <a:t>Third level</a:t>
+            </a:r>
+          </a:p>
+          <a:p>
+            <a:pPr lvl="3"/>
+            <a:r>
+              <a:rPr lang="en-US"/>
+              <a:t>Fourth level</a:t>
+            </a:r>
+          </a:p>
+          <a:p>
+            <a:pPr lvl="4"/>
+            <a:r>
+              <a:rPr lang="en-US"/>
+              <a:t>Fifth level</a:t>
+            </a:r>
+          </a:p>
+        </p:txBody>
+      </p:sp>
+      <p:sp>
+        <p:nvSpPr>
+          <p:cNvPr id="4" name="Date Placeholder 3">
+            <a:extLst>
+              <a:ext uri="{FF2B5EF4-FFF2-40B4-BE49-F238E27FC236}">
+                <a16:creationId xmlns:a16="http://schemas.microsoft.com/office/drawing/2014/main" id="{606793B3-E729-41B4-8303-134CDC367AF3}"/>
+              </a:ext>
+            </a:extLst>
+          </p:cNvPr>
+          <p:cNvSpPr>
+            <a:spLocks noGrp="1"/>
+          </p:cNvSpPr>
+          <p:nvPr>
+            <p:ph type="dt" sz="half" idx="10"/>
+          </p:nvPr>
+        </p:nvSpPr>
+        <p:spPr/>
+        <p:txBody>
+          <a:bodyPr/>
+          <a:lstStyle/>
+          <a:p>
+            <a:fld id="{2DE90497-CD8E-43F8-91E6-3FAD70B3C54F}" type="datetimeFigureOut">
               <a:rPr lang="en-US" smtClean="0"/>
-              <a:t>Click to edit Master text styles</a:t>
-            </a:r>
-          </a:p>
-          <a:p>
-            <a:pPr lvl="1"/>
-            <a:r>
-              <a:rPr lang="en-US" smtClean="0"/>
-              <a:t>Second level</a:t>
-            </a:r>
-          </a:p>
-          <a:p>
-            <a:pPr lvl="2"/>
-            <a:r>
-              <a:rPr lang="en-US" smtClean="0"/>
-              <a:t>Third level</a:t>
-            </a:r>
-          </a:p>
-          <a:p>
-            <a:pPr lvl="3"/>
-            <a:r>
-              <a:rPr lang="en-US" smtClean="0"/>
-              <a:t>Fourth level</a:t>
-            </a:r>
-          </a:p>
-          <a:p>
-            <a:pPr lvl="4"/>
-            <a:r>
-              <a:rPr lang="en-US" smtClean="0"/>
-              <a:t>Fifth level</a:t>
-            </a:r>
-            <a:endParaRPr lang="en-US" dirty="0"/>
-          </a:p>
-        </p:txBody>
-      </p:sp>
-      <p:sp>
-        <p:nvSpPr>
-          <p:cNvPr id="4" name="Date Placeholder 3"/>
-          <p:cNvSpPr>
-            <a:spLocks noGrp="1"/>
-          </p:cNvSpPr>
-          <p:nvPr>
-            <p:ph type="dt" sz="half" idx="10"/>
-          </p:nvPr>
-        </p:nvSpPr>
-        <p:spPr/>
-        <p:txBody>
-          <a:bodyPr/>
-          <a:lstStyle/>
-          <a:p>
-            <a:fld id="{902DD7BD-5F42-A94C-A331-9E17F7E7AD9D}" type="datetimeFigureOut">
-              <a:rPr lang="en-US" smtClean="0"/>
-              <a:t>2/23/18</a:t>
+              <a:t>2/23/2018</a:t>
             </a:fld>
             <a:endParaRPr lang="en-US"/>
           </a:p>
@@ -586,7 +677,13 @@
       </p:sp>
       <p:sp>
         <p:nvSpPr>
-          <p:cNvPr id="5" name="Footer Placeholder 4"/>
+          <p:cNvPr id="5" name="Footer Placeholder 4">
+            <a:extLst>
+              <a:ext uri="{FF2B5EF4-FFF2-40B4-BE49-F238E27FC236}">
+                <a16:creationId xmlns:a16="http://schemas.microsoft.com/office/drawing/2014/main" id="{174A5BEE-459E-433E-967F-5C24C8D8F719}"/>
+              </a:ext>
+            </a:extLst>
+          </p:cNvPr>
           <p:cNvSpPr>
             <a:spLocks noGrp="1"/>
           </p:cNvSpPr>
@@ -605,7 +702,13 @@
       </p:sp>
       <p:sp>
         <p:nvSpPr>
-          <p:cNvPr id="6" name="Slide Number Placeholder 5"/>
+          <p:cNvPr id="6" name="Slide Number Placeholder 5">
+            <a:extLst>
+              <a:ext uri="{FF2B5EF4-FFF2-40B4-BE49-F238E27FC236}">
+                <a16:creationId xmlns:a16="http://schemas.microsoft.com/office/drawing/2014/main" id="{CD32F458-6B73-4C4B-B582-8C1FA378D58F}"/>
+              </a:ext>
+            </a:extLst>
+          </p:cNvPr>
           <p:cNvSpPr>
             <a:spLocks noGrp="1"/>
           </p:cNvSpPr>
@@ -618,7 +721,7 @@
           <a:bodyPr/>
           <a:lstStyle/>
           <a:p>
-            <a:fld id="{5725059B-3A21-284D-AE2F-49D6616662D1}" type="slidenum">
+            <a:fld id="{9364A989-5472-48DC-A478-5EFAF045A946}" type="slidenum">
               <a:rPr lang="en-US" smtClean="0"/>
               <a:t>‹#›</a:t>
             </a:fld>
@@ -627,6 +730,11 @@
         </p:txBody>
       </p:sp>
     </p:spTree>
+    <p:extLst>
+      <p:ext uri="{BB962C8B-B14F-4D97-AF65-F5344CB8AC3E}">
+        <p14:creationId xmlns:p14="http://schemas.microsoft.com/office/powerpoint/2010/main" val="1131206208"/>
+      </p:ext>
+    </p:extLst>
   </p:cSld>
   <p:clrMapOvr>
     <a:masterClrMapping/>
@@ -653,7 +761,13 @@
       </p:grpSpPr>
       <p:sp>
         <p:nvSpPr>
-          <p:cNvPr id="2" name="Title 1"/>
+          <p:cNvPr id="2" name="Title 1">
+            <a:extLst>
+              <a:ext uri="{FF2B5EF4-FFF2-40B4-BE49-F238E27FC236}">
+                <a16:creationId xmlns:a16="http://schemas.microsoft.com/office/drawing/2014/main" id="{2584E875-5B1E-4DA0-A688-2AD65D4FDBE6}"/>
+              </a:ext>
+            </a:extLst>
+          </p:cNvPr>
           <p:cNvSpPr>
             <a:spLocks noGrp="1"/>
           </p:cNvSpPr>
@@ -667,83 +781,93 @@
           <a:lstStyle/>
           <a:p>
             <a:r>
+              <a:rPr lang="en-US"/>
+              <a:t>Click to edit Master title style</a:t>
+            </a:r>
+          </a:p>
+        </p:txBody>
+      </p:sp>
+      <p:sp>
+        <p:nvSpPr>
+          <p:cNvPr id="3" name="Content Placeholder 2">
+            <a:extLst>
+              <a:ext uri="{FF2B5EF4-FFF2-40B4-BE49-F238E27FC236}">
+                <a16:creationId xmlns:a16="http://schemas.microsoft.com/office/drawing/2014/main" id="{9CAB447E-3A0A-41C1-8418-8F0D9D55449C}"/>
+              </a:ext>
+            </a:extLst>
+          </p:cNvPr>
+          <p:cNvSpPr>
+            <a:spLocks noGrp="1"/>
+          </p:cNvSpPr>
+          <p:nvPr>
+            <p:ph idx="1"/>
+          </p:nvPr>
+        </p:nvSpPr>
+        <p:spPr/>
+        <p:txBody>
+          <a:bodyPr/>
+          <a:lstStyle/>
+          <a:p>
+            <a:pPr lvl="0"/>
+            <a:r>
+              <a:rPr lang="en-US"/>
+              <a:t>Edit Master text styles</a:t>
+            </a:r>
+          </a:p>
+          <a:p>
+            <a:pPr lvl="1"/>
+            <a:r>
+              <a:rPr lang="en-US"/>
+              <a:t>Second level</a:t>
+            </a:r>
+          </a:p>
+          <a:p>
+            <a:pPr lvl="2"/>
+            <a:r>
+              <a:rPr lang="en-US"/>
+              <a:t>Third level</a:t>
+            </a:r>
+          </a:p>
+          <a:p>
+            <a:pPr lvl="3"/>
+            <a:r>
+              <a:rPr lang="en-US"/>
+              <a:t>Fourth level</a:t>
+            </a:r>
+          </a:p>
+          <a:p>
+            <a:pPr lvl="4"/>
+            <a:r>
+              <a:rPr lang="en-US"/>
+              <a:t>Fifth level</a:t>
+            </a:r>
+          </a:p>
+        </p:txBody>
+      </p:sp>
+      <p:sp>
+        <p:nvSpPr>
+          <p:cNvPr id="4" name="Date Placeholder 3">
+            <a:extLst>
+              <a:ext uri="{FF2B5EF4-FFF2-40B4-BE49-F238E27FC236}">
+                <a16:creationId xmlns:a16="http://schemas.microsoft.com/office/drawing/2014/main" id="{BC1BB11B-C201-4EA7-A58A-14A46BDAC586}"/>
+              </a:ext>
+            </a:extLst>
+          </p:cNvPr>
+          <p:cNvSpPr>
+            <a:spLocks noGrp="1"/>
+          </p:cNvSpPr>
+          <p:nvPr>
+            <p:ph type="dt" sz="half" idx="10"/>
+          </p:nvPr>
+        </p:nvSpPr>
+        <p:spPr/>
+        <p:txBody>
+          <a:bodyPr/>
+          <a:lstStyle/>
+          <a:p>
+            <a:fld id="{2DE90497-CD8E-43F8-91E6-3FAD70B3C54F}" type="datetimeFigureOut">
               <a:rPr lang="en-US" smtClean="0"/>
-              <a:t>Click to edit Master title style</a:t>
-            </a:r>
-            <a:endParaRPr lang="en-US" dirty="0"/>
-          </a:p>
-        </p:txBody>
-      </p:sp>
-      <p:sp>
-        <p:nvSpPr>
-          <p:cNvPr id="3" name="Content Placeholder 2"/>
-          <p:cNvSpPr>
-            <a:spLocks noGrp="1"/>
-          </p:cNvSpPr>
-          <p:nvPr>
-            <p:ph idx="1"/>
-          </p:nvPr>
-        </p:nvSpPr>
-        <p:spPr/>
-        <p:txBody>
-          <a:bodyPr/>
-          <a:lstStyle/>
-          <a:p>
-            <a:pPr lvl="0"/>
-            <a:r>
-              <a:rPr lang="en-US" smtClean="0"/>
-              <a:t>Click to edit Master text styles</a:t>
-            </a:r>
-          </a:p>
-          <a:p>
-            <a:pPr lvl="1"/>
-            <a:r>
-              <a:rPr lang="en-US" smtClean="0"/>
-              <a:t>Second level</a:t>
-            </a:r>
-          </a:p>
-          <a:p>
-            <a:pPr lvl="2"/>
-            <a:r>
-              <a:rPr lang="en-US" smtClean="0"/>
-              <a:t>Third level</a:t>
-            </a:r>
-          </a:p>
-          <a:p>
-            <a:pPr lvl="3"/>
-            <a:r>
-              <a:rPr lang="en-US" smtClean="0"/>
-              <a:t>Fourth level</a:t>
-            </a:r>
-          </a:p>
-          <a:p>
-            <a:pPr lvl="4"/>
-            <a:r>
-              <a:rPr lang="en-US" smtClean="0"/>
-              <a:t>Fifth level</a:t>
-            </a:r>
-            <a:endParaRPr lang="en-US" dirty="0"/>
-          </a:p>
-        </p:txBody>
-      </p:sp>
-      <p:sp>
-        <p:nvSpPr>
-          <p:cNvPr id="4" name="Date Placeholder 3"/>
-          <p:cNvSpPr>
-            <a:spLocks noGrp="1"/>
-          </p:cNvSpPr>
-          <p:nvPr>
-            <p:ph type="dt" sz="half" idx="10"/>
-          </p:nvPr>
-        </p:nvSpPr>
-        <p:spPr/>
-        <p:txBody>
-          <a:bodyPr/>
-          <a:lstStyle/>
-          <a:p>
-            <a:fld id="{902DD7BD-5F42-A94C-A331-9E17F7E7AD9D}" type="datetimeFigureOut">
-              <a:rPr lang="en-US" smtClean="0"/>
-              <a:t>2/23/18</a:t>
+              <a:t>2/23/2018</a:t>
             </a:fld>
             <a:endParaRPr lang="en-US"/>
           </a:p>
@@ -751,7 +875,13 @@
       </p:sp>
       <p:sp>
         <p:nvSpPr>
-          <p:cNvPr id="5" name="Footer Placeholder 4"/>
+          <p:cNvPr id="5" name="Footer Placeholder 4">
+            <a:extLst>
+              <a:ext uri="{FF2B5EF4-FFF2-40B4-BE49-F238E27FC236}">
+                <a16:creationId xmlns:a16="http://schemas.microsoft.com/office/drawing/2014/main" id="{21136757-BD00-48D8-83C8-FB82CEE420CB}"/>
+              </a:ext>
+            </a:extLst>
+          </p:cNvPr>
           <p:cNvSpPr>
             <a:spLocks noGrp="1"/>
           </p:cNvSpPr>
@@ -770,7 +900,13 @@
       </p:sp>
       <p:sp>
         <p:nvSpPr>
-          <p:cNvPr id="6" name="Slide Number Placeholder 5"/>
+          <p:cNvPr id="6" name="Slide Number Placeholder 5">
+            <a:extLst>
+              <a:ext uri="{FF2B5EF4-FFF2-40B4-BE49-F238E27FC236}">
+                <a16:creationId xmlns:a16="http://schemas.microsoft.com/office/drawing/2014/main" id="{899DEBA3-BFF3-40FF-B4A7-987E35E4F3E3}"/>
+              </a:ext>
+            </a:extLst>
+          </p:cNvPr>
           <p:cNvSpPr>
             <a:spLocks noGrp="1"/>
           </p:cNvSpPr>
@@ -783,7 +919,7 @@
           <a:bodyPr/>
           <a:lstStyle/>
           <a:p>
-            <a:fld id="{5725059B-3A21-284D-AE2F-49D6616662D1}" type="slidenum">
+            <a:fld id="{9364A989-5472-48DC-A478-5EFAF045A946}" type="slidenum">
               <a:rPr lang="en-US" smtClean="0"/>
               <a:t>‹#›</a:t>
             </a:fld>
@@ -792,6 +928,11 @@
         </p:txBody>
       </p:sp>
     </p:spTree>
+    <p:extLst>
+      <p:ext uri="{BB962C8B-B14F-4D97-AF65-F5344CB8AC3E}">
+        <p14:creationId xmlns:p14="http://schemas.microsoft.com/office/powerpoint/2010/main" val="558828011"/>
+      </p:ext>
+    </p:extLst>
   </p:cSld>
   <p:clrMapOvr>
     <a:masterClrMapping/>
@@ -818,7 +959,13 @@
       </p:grpSpPr>
       <p:sp>
         <p:nvSpPr>
-          <p:cNvPr id="2" name="Title 1"/>
+          <p:cNvPr id="2" name="Title 1">
+            <a:extLst>
+              <a:ext uri="{FF2B5EF4-FFF2-40B4-BE49-F238E27FC236}">
+                <a16:creationId xmlns:a16="http://schemas.microsoft.com/office/drawing/2014/main" id="{F467868D-3383-4538-822E-2FFE2144BAAE}"/>
+              </a:ext>
+            </a:extLst>
+          </p:cNvPr>
           <p:cNvSpPr>
             <a:spLocks noGrp="1"/>
           </p:cNvSpPr>
@@ -828,29 +975,34 @@
         </p:nvSpPr>
         <p:spPr>
           <a:xfrm>
-            <a:off x="623888" y="1282304"/>
-            <a:ext cx="7886700" cy="2139553"/>
+            <a:off x="831850" y="1709738"/>
+            <a:ext cx="10515600" cy="2852737"/>
           </a:xfrm>
         </p:spPr>
         <p:txBody>
           <a:bodyPr anchor="b"/>
           <a:lstStyle>
             <a:lvl1pPr>
-              <a:defRPr sz="4500"/>
+              <a:defRPr sz="6000"/>
             </a:lvl1pPr>
           </a:lstStyle>
           <a:p>
             <a:r>
-              <a:rPr lang="en-US" smtClean="0"/>
+              <a:rPr lang="en-US"/>
               <a:t>Click to edit Master title style</a:t>
             </a:r>
-            <a:endParaRPr lang="en-US" dirty="0"/>
-          </a:p>
-        </p:txBody>
-      </p:sp>
-      <p:sp>
-        <p:nvSpPr>
-          <p:cNvPr id="3" name="Text Placeholder 2"/>
+          </a:p>
+        </p:txBody>
+      </p:sp>
+      <p:sp>
+        <p:nvSpPr>
+          <p:cNvPr id="3" name="Text Placeholder 2">
+            <a:extLst>
+              <a:ext uri="{FF2B5EF4-FFF2-40B4-BE49-F238E27FC236}">
+                <a16:creationId xmlns:a16="http://schemas.microsoft.com/office/drawing/2014/main" id="{211E05B5-C492-4DB2-A07F-64DC8DC035B6}"/>
+              </a:ext>
+            </a:extLst>
+          </p:cNvPr>
           <p:cNvSpPr>
             <a:spLocks noGrp="1"/>
           </p:cNvSpPr>
@@ -860,14 +1012,34 @@
         </p:nvSpPr>
         <p:spPr>
           <a:xfrm>
-            <a:off x="623888" y="3442098"/>
-            <a:ext cx="7886700" cy="1125140"/>
+            <a:off x="831850" y="4589463"/>
+            <a:ext cx="10515600" cy="1500187"/>
           </a:xfrm>
         </p:spPr>
         <p:txBody>
           <a:bodyPr/>
           <a:lstStyle>
             <a:lvl1pPr marL="0" indent="0">
+              <a:buNone/>
+              <a:defRPr sz="2400">
+                <a:solidFill>
+                  <a:schemeClr val="tx1">
+                    <a:tint val="75000"/>
+                  </a:schemeClr>
+                </a:solidFill>
+              </a:defRPr>
+            </a:lvl1pPr>
+            <a:lvl2pPr marL="457200" indent="0">
+              <a:buNone/>
+              <a:defRPr sz="2000">
+                <a:solidFill>
+                  <a:schemeClr val="tx1">
+                    <a:tint val="75000"/>
+                  </a:schemeClr>
+                </a:solidFill>
+              </a:defRPr>
+            </a:lvl2pPr>
+            <a:lvl3pPr marL="914400" indent="0">
               <a:buNone/>
               <a:defRPr sz="1800">
                 <a:solidFill>
@@ -876,30 +1048,10 @@
                   </a:schemeClr>
                 </a:solidFill>
               </a:defRPr>
-            </a:lvl1pPr>
-            <a:lvl2pPr marL="342900" indent="0">
-              <a:buNone/>
-              <a:defRPr sz="1500">
-                <a:solidFill>
-                  <a:schemeClr val="tx1">
-                    <a:tint val="75000"/>
-                  </a:schemeClr>
-                </a:solidFill>
-              </a:defRPr>
-            </a:lvl2pPr>
-            <a:lvl3pPr marL="685800" indent="0">
-              <a:buNone/>
-              <a:defRPr sz="1350">
-                <a:solidFill>
-                  <a:schemeClr val="tx1">
-                    <a:tint val="75000"/>
-                  </a:schemeClr>
-                </a:solidFill>
-              </a:defRPr>
             </a:lvl3pPr>
-            <a:lvl4pPr marL="1028700" indent="0">
-              <a:buNone/>
-              <a:defRPr sz="1200">
+            <a:lvl4pPr marL="1371600" indent="0">
+              <a:buNone/>
+              <a:defRPr sz="1600">
                 <a:solidFill>
                   <a:schemeClr val="tx1">
                     <a:tint val="75000"/>
@@ -907,9 +1059,9 @@
                 </a:solidFill>
               </a:defRPr>
             </a:lvl4pPr>
-            <a:lvl5pPr marL="1371600" indent="0">
-              <a:buNone/>
-              <a:defRPr sz="1200">
+            <a:lvl5pPr marL="1828800" indent="0">
+              <a:buNone/>
+              <a:defRPr sz="1600">
                 <a:solidFill>
                   <a:schemeClr val="tx1">
                     <a:tint val="75000"/>
@@ -917,9 +1069,9 @@
                 </a:solidFill>
               </a:defRPr>
             </a:lvl5pPr>
-            <a:lvl6pPr marL="1714500" indent="0">
-              <a:buNone/>
-              <a:defRPr sz="1200">
+            <a:lvl6pPr marL="2286000" indent="0">
+              <a:buNone/>
+              <a:defRPr sz="1600">
                 <a:solidFill>
                   <a:schemeClr val="tx1">
                     <a:tint val="75000"/>
@@ -927,9 +1079,9 @@
                 </a:solidFill>
               </a:defRPr>
             </a:lvl6pPr>
-            <a:lvl7pPr marL="2057400" indent="0">
-              <a:buNone/>
-              <a:defRPr sz="1200">
+            <a:lvl7pPr marL="2743200" indent="0">
+              <a:buNone/>
+              <a:defRPr sz="1600">
                 <a:solidFill>
                   <a:schemeClr val="tx1">
                     <a:tint val="75000"/>
@@ -937,9 +1089,9 @@
                 </a:solidFill>
               </a:defRPr>
             </a:lvl7pPr>
-            <a:lvl8pPr marL="2400300" indent="0">
-              <a:buNone/>
-              <a:defRPr sz="1200">
+            <a:lvl8pPr marL="3200400" indent="0">
+              <a:buNone/>
+              <a:defRPr sz="1600">
                 <a:solidFill>
                   <a:schemeClr val="tx1">
                     <a:tint val="75000"/>
@@ -947,9 +1099,9 @@
                 </a:solidFill>
               </a:defRPr>
             </a:lvl8pPr>
-            <a:lvl9pPr marL="2743200" indent="0">
-              <a:buNone/>
-              <a:defRPr sz="1200">
+            <a:lvl9pPr marL="3657600" indent="0">
+              <a:buNone/>
+              <a:defRPr sz="1600">
                 <a:solidFill>
                   <a:schemeClr val="tx1">
                     <a:tint val="75000"/>
@@ -961,30 +1113,36 @@
           <a:p>
             <a:pPr lvl="0"/>
             <a:r>
+              <a:rPr lang="en-US"/>
+              <a:t>Edit Master text styles</a:t>
+            </a:r>
+          </a:p>
+        </p:txBody>
+      </p:sp>
+      <p:sp>
+        <p:nvSpPr>
+          <p:cNvPr id="4" name="Date Placeholder 3">
+            <a:extLst>
+              <a:ext uri="{FF2B5EF4-FFF2-40B4-BE49-F238E27FC236}">
+                <a16:creationId xmlns:a16="http://schemas.microsoft.com/office/drawing/2014/main" id="{99022B65-816D-4A10-B314-BA2699331E55}"/>
+              </a:ext>
+            </a:extLst>
+          </p:cNvPr>
+          <p:cNvSpPr>
+            <a:spLocks noGrp="1"/>
+          </p:cNvSpPr>
+          <p:nvPr>
+            <p:ph type="dt" sz="half" idx="10"/>
+          </p:nvPr>
+        </p:nvSpPr>
+        <p:spPr/>
+        <p:txBody>
+          <a:bodyPr/>
+          <a:lstStyle/>
+          <a:p>
+            <a:fld id="{2DE90497-CD8E-43F8-91E6-3FAD70B3C54F}" type="datetimeFigureOut">
               <a:rPr lang="en-US" smtClean="0"/>
-              <a:t>Click to edit Master text styles</a:t>
-            </a:r>
-          </a:p>
-        </p:txBody>
-      </p:sp>
-      <p:sp>
-        <p:nvSpPr>
-          <p:cNvPr id="4" name="Date Placeholder 3"/>
-          <p:cNvSpPr>
-            <a:spLocks noGrp="1"/>
-          </p:cNvSpPr>
-          <p:nvPr>
-            <p:ph type="dt" sz="half" idx="10"/>
-          </p:nvPr>
-        </p:nvSpPr>
-        <p:spPr/>
-        <p:txBody>
-          <a:bodyPr/>
-          <a:lstStyle/>
-          <a:p>
-            <a:fld id="{902DD7BD-5F42-A94C-A331-9E17F7E7AD9D}" type="datetimeFigureOut">
-              <a:rPr lang="en-US" smtClean="0"/>
-              <a:t>2/23/18</a:t>
+              <a:t>2/23/2018</a:t>
             </a:fld>
             <a:endParaRPr lang="en-US"/>
           </a:p>
@@ -992,7 +1150,13 @@
       </p:sp>
       <p:sp>
         <p:nvSpPr>
-          <p:cNvPr id="5" name="Footer Placeholder 4"/>
+          <p:cNvPr id="5" name="Footer Placeholder 4">
+            <a:extLst>
+              <a:ext uri="{FF2B5EF4-FFF2-40B4-BE49-F238E27FC236}">
+                <a16:creationId xmlns:a16="http://schemas.microsoft.com/office/drawing/2014/main" id="{698599E5-6D09-464C-B18B-FF6694C74F49}"/>
+              </a:ext>
+            </a:extLst>
+          </p:cNvPr>
           <p:cNvSpPr>
             <a:spLocks noGrp="1"/>
           </p:cNvSpPr>
@@ -1011,7 +1175,13 @@
       </p:sp>
       <p:sp>
         <p:nvSpPr>
-          <p:cNvPr id="6" name="Slide Number Placeholder 5"/>
+          <p:cNvPr id="6" name="Slide Number Placeholder 5">
+            <a:extLst>
+              <a:ext uri="{FF2B5EF4-FFF2-40B4-BE49-F238E27FC236}">
+                <a16:creationId xmlns:a16="http://schemas.microsoft.com/office/drawing/2014/main" id="{16FFFDE3-DC13-42C5-8D3F-3C262E546B7E}"/>
+              </a:ext>
+            </a:extLst>
+          </p:cNvPr>
           <p:cNvSpPr>
             <a:spLocks noGrp="1"/>
           </p:cNvSpPr>
@@ -1024,7 +1194,7 @@
           <a:bodyPr/>
           <a:lstStyle/>
           <a:p>
-            <a:fld id="{5725059B-3A21-284D-AE2F-49D6616662D1}" type="slidenum">
+            <a:fld id="{9364A989-5472-48DC-A478-5EFAF045A946}" type="slidenum">
               <a:rPr lang="en-US" smtClean="0"/>
               <a:t>‹#›</a:t>
             </a:fld>
@@ -1033,6 +1203,11 @@
         </p:txBody>
       </p:sp>
     </p:spTree>
+    <p:extLst>
+      <p:ext uri="{BB962C8B-B14F-4D97-AF65-F5344CB8AC3E}">
+        <p14:creationId xmlns:p14="http://schemas.microsoft.com/office/powerpoint/2010/main" val="2130453448"/>
+      </p:ext>
+    </p:extLst>
   </p:cSld>
   <p:clrMapOvr>
     <a:masterClrMapping/>
@@ -1059,7 +1234,13 @@
       </p:grpSpPr>
       <p:sp>
         <p:nvSpPr>
-          <p:cNvPr id="2" name="Title 1"/>
+          <p:cNvPr id="2" name="Title 1">
+            <a:extLst>
+              <a:ext uri="{FF2B5EF4-FFF2-40B4-BE49-F238E27FC236}">
+                <a16:creationId xmlns:a16="http://schemas.microsoft.com/office/drawing/2014/main" id="{69B25FB2-B339-4DE6-A976-F99A4D8A8F8A}"/>
+              </a:ext>
+            </a:extLst>
+          </p:cNvPr>
           <p:cNvSpPr>
             <a:spLocks noGrp="1"/>
           </p:cNvSpPr>
@@ -1073,16 +1254,21 @@
           <a:lstStyle/>
           <a:p>
             <a:r>
-              <a:rPr lang="en-US" smtClean="0"/>
+              <a:rPr lang="en-US"/>
               <a:t>Click to edit Master title style</a:t>
             </a:r>
-            <a:endParaRPr lang="en-US" dirty="0"/>
-          </a:p>
-        </p:txBody>
-      </p:sp>
-      <p:sp>
-        <p:nvSpPr>
-          <p:cNvPr id="3" name="Content Placeholder 2"/>
+          </a:p>
+        </p:txBody>
+      </p:sp>
+      <p:sp>
+        <p:nvSpPr>
+          <p:cNvPr id="3" name="Content Placeholder 2">
+            <a:extLst>
+              <a:ext uri="{FF2B5EF4-FFF2-40B4-BE49-F238E27FC236}">
+                <a16:creationId xmlns:a16="http://schemas.microsoft.com/office/drawing/2014/main" id="{70C7B1C3-1006-4AA6-A041-9E569B81D75C}"/>
+              </a:ext>
+            </a:extLst>
+          </p:cNvPr>
           <p:cNvSpPr>
             <a:spLocks noGrp="1"/>
           </p:cNvSpPr>
@@ -1092,8 +1278,8 @@
         </p:nvSpPr>
         <p:spPr>
           <a:xfrm>
-            <a:off x="628650" y="1369219"/>
-            <a:ext cx="3886200" cy="3263504"/>
+            <a:off x="838200" y="1825625"/>
+            <a:ext cx="5181600" cy="4351338"/>
           </a:xfrm>
         </p:spPr>
         <p:txBody>
@@ -1102,44 +1288,49 @@
           <a:p>
             <a:pPr lvl="0"/>
             <a:r>
-              <a:rPr lang="en-US" smtClean="0"/>
-              <a:t>Click to edit Master text styles</a:t>
+              <a:rPr lang="en-US"/>
+              <a:t>Edit Master text styles</a:t>
             </a:r>
           </a:p>
           <a:p>
             <a:pPr lvl="1"/>
             <a:r>
-              <a:rPr lang="en-US" smtClean="0"/>
+              <a:rPr lang="en-US"/>
               <a:t>Second level</a:t>
             </a:r>
           </a:p>
           <a:p>
             <a:pPr lvl="2"/>
             <a:r>
-              <a:rPr lang="en-US" smtClean="0"/>
+              <a:rPr lang="en-US"/>
               <a:t>Third level</a:t>
             </a:r>
           </a:p>
           <a:p>
             <a:pPr lvl="3"/>
             <a:r>
-              <a:rPr lang="en-US" smtClean="0"/>
+              <a:rPr lang="en-US"/>
               <a:t>Fourth level</a:t>
             </a:r>
           </a:p>
           <a:p>
             <a:pPr lvl="4"/>
             <a:r>
-              <a:rPr lang="en-US" smtClean="0"/>
+              <a:rPr lang="en-US"/>
               <a:t>Fifth level</a:t>
             </a:r>
-            <a:endParaRPr lang="en-US" dirty="0"/>
-          </a:p>
-        </p:txBody>
-      </p:sp>
-      <p:sp>
-        <p:nvSpPr>
-          <p:cNvPr id="4" name="Content Placeholder 3"/>
+          </a:p>
+        </p:txBody>
+      </p:sp>
+      <p:sp>
+        <p:nvSpPr>
+          <p:cNvPr id="4" name="Content Placeholder 3">
+            <a:extLst>
+              <a:ext uri="{FF2B5EF4-FFF2-40B4-BE49-F238E27FC236}">
+                <a16:creationId xmlns:a16="http://schemas.microsoft.com/office/drawing/2014/main" id="{59C9FE5A-6C04-4244-B238-21C5724A239F}"/>
+              </a:ext>
+            </a:extLst>
+          </p:cNvPr>
           <p:cNvSpPr>
             <a:spLocks noGrp="1"/>
           </p:cNvSpPr>
@@ -1149,8 +1340,8 @@
         </p:nvSpPr>
         <p:spPr>
           <a:xfrm>
-            <a:off x="4629150" y="1369219"/>
-            <a:ext cx="3886200" cy="3263504"/>
+            <a:off x="6172200" y="1825625"/>
+            <a:ext cx="5181600" cy="4351338"/>
           </a:xfrm>
         </p:spPr>
         <p:txBody>
@@ -1159,59 +1350,64 @@
           <a:p>
             <a:pPr lvl="0"/>
             <a:r>
+              <a:rPr lang="en-US"/>
+              <a:t>Edit Master text styles</a:t>
+            </a:r>
+          </a:p>
+          <a:p>
+            <a:pPr lvl="1"/>
+            <a:r>
+              <a:rPr lang="en-US"/>
+              <a:t>Second level</a:t>
+            </a:r>
+          </a:p>
+          <a:p>
+            <a:pPr lvl="2"/>
+            <a:r>
+              <a:rPr lang="en-US"/>
+              <a:t>Third level</a:t>
+            </a:r>
+          </a:p>
+          <a:p>
+            <a:pPr lvl="3"/>
+            <a:r>
+              <a:rPr lang="en-US"/>
+              <a:t>Fourth level</a:t>
+            </a:r>
+          </a:p>
+          <a:p>
+            <a:pPr lvl="4"/>
+            <a:r>
+              <a:rPr lang="en-US"/>
+              <a:t>Fifth level</a:t>
+            </a:r>
+          </a:p>
+        </p:txBody>
+      </p:sp>
+      <p:sp>
+        <p:nvSpPr>
+          <p:cNvPr id="5" name="Date Placeholder 4">
+            <a:extLst>
+              <a:ext uri="{FF2B5EF4-FFF2-40B4-BE49-F238E27FC236}">
+                <a16:creationId xmlns:a16="http://schemas.microsoft.com/office/drawing/2014/main" id="{B0411E9A-F05A-4179-8F37-E1B108EE0B93}"/>
+              </a:ext>
+            </a:extLst>
+          </p:cNvPr>
+          <p:cNvSpPr>
+            <a:spLocks noGrp="1"/>
+          </p:cNvSpPr>
+          <p:nvPr>
+            <p:ph type="dt" sz="half" idx="10"/>
+          </p:nvPr>
+        </p:nvSpPr>
+        <p:spPr/>
+        <p:txBody>
+          <a:bodyPr/>
+          <a:lstStyle/>
+          <a:p>
+            <a:fld id="{2DE90497-CD8E-43F8-91E6-3FAD70B3C54F}" type="datetimeFigureOut">
               <a:rPr lang="en-US" smtClean="0"/>
-              <a:t>Click to edit Master text styles</a:t>
-            </a:r>
-          </a:p>
-          <a:p>
-            <a:pPr lvl="1"/>
-            <a:r>
-              <a:rPr lang="en-US" smtClean="0"/>
-              <a:t>Second level</a:t>
-            </a:r>
-          </a:p>
-          <a:p>
-            <a:pPr lvl="2"/>
-            <a:r>
-              <a:rPr lang="en-US" smtClean="0"/>
-              <a:t>Third level</a:t>
-            </a:r>
-          </a:p>
-          <a:p>
-            <a:pPr lvl="3"/>
-            <a:r>
-              <a:rPr lang="en-US" smtClean="0"/>
-              <a:t>Fourth level</a:t>
-            </a:r>
-          </a:p>
-          <a:p>
-            <a:pPr lvl="4"/>
-            <a:r>
-              <a:rPr lang="en-US" smtClean="0"/>
-              <a:t>Fifth level</a:t>
-            </a:r>
-            <a:endParaRPr lang="en-US" dirty="0"/>
-          </a:p>
-        </p:txBody>
-      </p:sp>
-      <p:sp>
-        <p:nvSpPr>
-          <p:cNvPr id="5" name="Date Placeholder 4"/>
-          <p:cNvSpPr>
-            <a:spLocks noGrp="1"/>
-          </p:cNvSpPr>
-          <p:nvPr>
-            <p:ph type="dt" sz="half" idx="10"/>
-          </p:nvPr>
-        </p:nvSpPr>
-        <p:spPr/>
-        <p:txBody>
-          <a:bodyPr/>
-          <a:lstStyle/>
-          <a:p>
-            <a:fld id="{902DD7BD-5F42-A94C-A331-9E17F7E7AD9D}" type="datetimeFigureOut">
-              <a:rPr lang="en-US" smtClean="0"/>
-              <a:t>2/23/18</a:t>
+              <a:t>2/23/2018</a:t>
             </a:fld>
             <a:endParaRPr lang="en-US"/>
           </a:p>
@@ -1219,7 +1415,13 @@
       </p:sp>
       <p:sp>
         <p:nvSpPr>
-          <p:cNvPr id="6" name="Footer Placeholder 5"/>
+          <p:cNvPr id="6" name="Footer Placeholder 5">
+            <a:extLst>
+              <a:ext uri="{FF2B5EF4-FFF2-40B4-BE49-F238E27FC236}">
+                <a16:creationId xmlns:a16="http://schemas.microsoft.com/office/drawing/2014/main" id="{B6163E0B-3863-4CC7-8548-5E56DA62824A}"/>
+              </a:ext>
+            </a:extLst>
+          </p:cNvPr>
           <p:cNvSpPr>
             <a:spLocks noGrp="1"/>
           </p:cNvSpPr>
@@ -1238,7 +1440,13 @@
       </p:sp>
       <p:sp>
         <p:nvSpPr>
-          <p:cNvPr id="7" name="Slide Number Placeholder 6"/>
+          <p:cNvPr id="7" name="Slide Number Placeholder 6">
+            <a:extLst>
+              <a:ext uri="{FF2B5EF4-FFF2-40B4-BE49-F238E27FC236}">
+                <a16:creationId xmlns:a16="http://schemas.microsoft.com/office/drawing/2014/main" id="{90D21141-D823-477C-BC38-A1F9C5172FC2}"/>
+              </a:ext>
+            </a:extLst>
+          </p:cNvPr>
           <p:cNvSpPr>
             <a:spLocks noGrp="1"/>
           </p:cNvSpPr>
@@ -1251,7 +1459,7 @@
           <a:bodyPr/>
           <a:lstStyle/>
           <a:p>
-            <a:fld id="{5725059B-3A21-284D-AE2F-49D6616662D1}" type="slidenum">
+            <a:fld id="{9364A989-5472-48DC-A478-5EFAF045A946}" type="slidenum">
               <a:rPr lang="en-US" smtClean="0"/>
               <a:t>‹#›</a:t>
             </a:fld>
@@ -1260,6 +1468,11 @@
         </p:txBody>
       </p:sp>
     </p:spTree>
+    <p:extLst>
+      <p:ext uri="{BB962C8B-B14F-4D97-AF65-F5344CB8AC3E}">
+        <p14:creationId xmlns:p14="http://schemas.microsoft.com/office/powerpoint/2010/main" val="285713975"/>
+      </p:ext>
+    </p:extLst>
   </p:cSld>
   <p:clrMapOvr>
     <a:masterClrMapping/>
@@ -1286,7 +1499,13 @@
       </p:grpSpPr>
       <p:sp>
         <p:nvSpPr>
-          <p:cNvPr id="2" name="Title 1"/>
+          <p:cNvPr id="2" name="Title 1">
+            <a:extLst>
+              <a:ext uri="{FF2B5EF4-FFF2-40B4-BE49-F238E27FC236}">
+                <a16:creationId xmlns:a16="http://schemas.microsoft.com/office/drawing/2014/main" id="{FFDC6124-1559-41B8-B92B-93CEC41DAF7B}"/>
+              </a:ext>
+            </a:extLst>
+          </p:cNvPr>
           <p:cNvSpPr>
             <a:spLocks noGrp="1"/>
           </p:cNvSpPr>
@@ -1296,8 +1515,8 @@
         </p:nvSpPr>
         <p:spPr>
           <a:xfrm>
-            <a:off x="629841" y="273844"/>
-            <a:ext cx="7886700" cy="994172"/>
+            <a:off x="839788" y="365125"/>
+            <a:ext cx="10515600" cy="1325563"/>
           </a:xfrm>
         </p:spPr>
         <p:txBody>
@@ -1305,16 +1524,21 @@
           <a:lstStyle/>
           <a:p>
             <a:r>
-              <a:rPr lang="en-US" smtClean="0"/>
+              <a:rPr lang="en-US"/>
               <a:t>Click to edit Master title style</a:t>
             </a:r>
-            <a:endParaRPr lang="en-US" dirty="0"/>
-          </a:p>
-        </p:txBody>
-      </p:sp>
-      <p:sp>
-        <p:nvSpPr>
-          <p:cNvPr id="3" name="Text Placeholder 2"/>
+          </a:p>
+        </p:txBody>
+      </p:sp>
+      <p:sp>
+        <p:nvSpPr>
+          <p:cNvPr id="3" name="Text Placeholder 2">
+            <a:extLst>
+              <a:ext uri="{FF2B5EF4-FFF2-40B4-BE49-F238E27FC236}">
+                <a16:creationId xmlns:a16="http://schemas.microsoft.com/office/drawing/2014/main" id="{8B567FE8-6905-4695-8A00-0731C73505DB}"/>
+              </a:ext>
+            </a:extLst>
+          </p:cNvPr>
           <p:cNvSpPr>
             <a:spLocks noGrp="1"/>
           </p:cNvSpPr>
@@ -1324,8 +1548,8 @@
         </p:nvSpPr>
         <p:spPr>
           <a:xfrm>
-            <a:off x="629842" y="1260872"/>
-            <a:ext cx="3868340" cy="617934"/>
+            <a:off x="839788" y="1681163"/>
+            <a:ext cx="5157787" cy="823912"/>
           </a:xfrm>
         </p:spPr>
         <p:txBody>
@@ -1333,53 +1557,59 @@
           <a:lstStyle>
             <a:lvl1pPr marL="0" indent="0">
               <a:buNone/>
+              <a:defRPr sz="2400" b="1"/>
+            </a:lvl1pPr>
+            <a:lvl2pPr marL="457200" indent="0">
+              <a:buNone/>
+              <a:defRPr sz="2000" b="1"/>
+            </a:lvl2pPr>
+            <a:lvl3pPr marL="914400" indent="0">
+              <a:buNone/>
               <a:defRPr sz="1800" b="1"/>
-            </a:lvl1pPr>
-            <a:lvl2pPr marL="342900" indent="0">
-              <a:buNone/>
-              <a:defRPr sz="1500" b="1"/>
-            </a:lvl2pPr>
-            <a:lvl3pPr marL="685800" indent="0">
-              <a:buNone/>
-              <a:defRPr sz="1350" b="1"/>
             </a:lvl3pPr>
-            <a:lvl4pPr marL="1028700" indent="0">
-              <a:buNone/>
-              <a:defRPr sz="1200" b="1"/>
+            <a:lvl4pPr marL="1371600" indent="0">
+              <a:buNone/>
+              <a:defRPr sz="1600" b="1"/>
             </a:lvl4pPr>
-            <a:lvl5pPr marL="1371600" indent="0">
-              <a:buNone/>
-              <a:defRPr sz="1200" b="1"/>
+            <a:lvl5pPr marL="1828800" indent="0">
+              <a:buNone/>
+              <a:defRPr sz="1600" b="1"/>
             </a:lvl5pPr>
-            <a:lvl6pPr marL="1714500" indent="0">
-              <a:buNone/>
-              <a:defRPr sz="1200" b="1"/>
+            <a:lvl6pPr marL="2286000" indent="0">
+              <a:buNone/>
+              <a:defRPr sz="1600" b="1"/>
             </a:lvl6pPr>
-            <a:lvl7pPr marL="2057400" indent="0">
-              <a:buNone/>
-              <a:defRPr sz="1200" b="1"/>
+            <a:lvl7pPr marL="2743200" indent="0">
+              <a:buNone/>
+              <a:defRPr sz="1600" b="1"/>
             </a:lvl7pPr>
-            <a:lvl8pPr marL="2400300" indent="0">
-              <a:buNone/>
-              <a:defRPr sz="1200" b="1"/>
+            <a:lvl8pPr marL="3200400" indent="0">
+              <a:buNone/>
+              <a:defRPr sz="1600" b="1"/>
             </a:lvl8pPr>
-            <a:lvl9pPr marL="2743200" indent="0">
-              <a:buNone/>
-              <a:defRPr sz="1200" b="1"/>
+            <a:lvl9pPr marL="3657600" indent="0">
+              <a:buNone/>
+              <a:defRPr sz="1600" b="1"/>
             </a:lvl9pPr>
           </a:lstStyle>
           <a:p>
             <a:pPr lvl="0"/>
             <a:r>
-              <a:rPr lang="en-US" smtClean="0"/>
-              <a:t>Click to edit Master text styles</a:t>
-            </a:r>
-          </a:p>
-        </p:txBody>
-      </p:sp>
-      <p:sp>
-        <p:nvSpPr>
-          <p:cNvPr id="4" name="Content Placeholder 3"/>
+              <a:rPr lang="en-US"/>
+              <a:t>Edit Master text styles</a:t>
+            </a:r>
+          </a:p>
+        </p:txBody>
+      </p:sp>
+      <p:sp>
+        <p:nvSpPr>
+          <p:cNvPr id="4" name="Content Placeholder 3">
+            <a:extLst>
+              <a:ext uri="{FF2B5EF4-FFF2-40B4-BE49-F238E27FC236}">
+                <a16:creationId xmlns:a16="http://schemas.microsoft.com/office/drawing/2014/main" id="{DD20EFBA-8626-48CF-A2CB-2C6E575AFF32}"/>
+              </a:ext>
+            </a:extLst>
+          </p:cNvPr>
           <p:cNvSpPr>
             <a:spLocks noGrp="1"/>
           </p:cNvSpPr>
@@ -1389,8 +1619,8 @@
         </p:nvSpPr>
         <p:spPr>
           <a:xfrm>
-            <a:off x="629842" y="1878806"/>
-            <a:ext cx="3868340" cy="2763441"/>
+            <a:off x="839788" y="2505075"/>
+            <a:ext cx="5157787" cy="3684588"/>
           </a:xfrm>
         </p:spPr>
         <p:txBody>
@@ -1399,44 +1629,49 @@
           <a:p>
             <a:pPr lvl="0"/>
             <a:r>
-              <a:rPr lang="en-US" smtClean="0"/>
-              <a:t>Click to edit Master text styles</a:t>
+              <a:rPr lang="en-US"/>
+              <a:t>Edit Master text styles</a:t>
             </a:r>
           </a:p>
           <a:p>
             <a:pPr lvl="1"/>
             <a:r>
-              <a:rPr lang="en-US" smtClean="0"/>
+              <a:rPr lang="en-US"/>
               <a:t>Second level</a:t>
             </a:r>
           </a:p>
           <a:p>
             <a:pPr lvl="2"/>
             <a:r>
-              <a:rPr lang="en-US" smtClean="0"/>
+              <a:rPr lang="en-US"/>
               <a:t>Third level</a:t>
             </a:r>
           </a:p>
           <a:p>
             <a:pPr lvl="3"/>
             <a:r>
-              <a:rPr lang="en-US" smtClean="0"/>
+              <a:rPr lang="en-US"/>
               <a:t>Fourth level</a:t>
             </a:r>
           </a:p>
           <a:p>
             <a:pPr lvl="4"/>
             <a:r>
-              <a:rPr lang="en-US" smtClean="0"/>
+              <a:rPr lang="en-US"/>
               <a:t>Fifth level</a:t>
             </a:r>
-            <a:endParaRPr lang="en-US" dirty="0"/>
-          </a:p>
-        </p:txBody>
-      </p:sp>
-      <p:sp>
-        <p:nvSpPr>
-          <p:cNvPr id="5" name="Text Placeholder 4"/>
+          </a:p>
+        </p:txBody>
+      </p:sp>
+      <p:sp>
+        <p:nvSpPr>
+          <p:cNvPr id="5" name="Text Placeholder 4">
+            <a:extLst>
+              <a:ext uri="{FF2B5EF4-FFF2-40B4-BE49-F238E27FC236}">
+                <a16:creationId xmlns:a16="http://schemas.microsoft.com/office/drawing/2014/main" id="{35937018-EE7D-40E7-A7DE-A930DC2E7DDC}"/>
+              </a:ext>
+            </a:extLst>
+          </p:cNvPr>
           <p:cNvSpPr>
             <a:spLocks noGrp="1"/>
           </p:cNvSpPr>
@@ -1446,8 +1681,8 @@
         </p:nvSpPr>
         <p:spPr>
           <a:xfrm>
-            <a:off x="4629150" y="1260872"/>
-            <a:ext cx="3887391" cy="617934"/>
+            <a:off x="6172200" y="1681163"/>
+            <a:ext cx="5183188" cy="823912"/>
           </a:xfrm>
         </p:spPr>
         <p:txBody>
@@ -1455,53 +1690,59 @@
           <a:lstStyle>
             <a:lvl1pPr marL="0" indent="0">
               <a:buNone/>
+              <a:defRPr sz="2400" b="1"/>
+            </a:lvl1pPr>
+            <a:lvl2pPr marL="457200" indent="0">
+              <a:buNone/>
+              <a:defRPr sz="2000" b="1"/>
+            </a:lvl2pPr>
+            <a:lvl3pPr marL="914400" indent="0">
+              <a:buNone/>
               <a:defRPr sz="1800" b="1"/>
-            </a:lvl1pPr>
-            <a:lvl2pPr marL="342900" indent="0">
-              <a:buNone/>
-              <a:defRPr sz="1500" b="1"/>
-            </a:lvl2pPr>
-            <a:lvl3pPr marL="685800" indent="0">
-              <a:buNone/>
-              <a:defRPr sz="1350" b="1"/>
             </a:lvl3pPr>
-            <a:lvl4pPr marL="1028700" indent="0">
-              <a:buNone/>
-              <a:defRPr sz="1200" b="1"/>
+            <a:lvl4pPr marL="1371600" indent="0">
+              <a:buNone/>
+              <a:defRPr sz="1600" b="1"/>
             </a:lvl4pPr>
-            <a:lvl5pPr marL="1371600" indent="0">
-              <a:buNone/>
-              <a:defRPr sz="1200" b="1"/>
+            <a:lvl5pPr marL="1828800" indent="0">
+              <a:buNone/>
+              <a:defRPr sz="1600" b="1"/>
             </a:lvl5pPr>
-            <a:lvl6pPr marL="1714500" indent="0">
-              <a:buNone/>
-              <a:defRPr sz="1200" b="1"/>
+            <a:lvl6pPr marL="2286000" indent="0">
+              <a:buNone/>
+              <a:defRPr sz="1600" b="1"/>
             </a:lvl6pPr>
-            <a:lvl7pPr marL="2057400" indent="0">
-              <a:buNone/>
-              <a:defRPr sz="1200" b="1"/>
+            <a:lvl7pPr marL="2743200" indent="0">
+              <a:buNone/>
+              <a:defRPr sz="1600" b="1"/>
             </a:lvl7pPr>
-            <a:lvl8pPr marL="2400300" indent="0">
-              <a:buNone/>
-              <a:defRPr sz="1200" b="1"/>
+            <a:lvl8pPr marL="3200400" indent="0">
+              <a:buNone/>
+              <a:defRPr sz="1600" b="1"/>
             </a:lvl8pPr>
-            <a:lvl9pPr marL="2743200" indent="0">
-              <a:buNone/>
-              <a:defRPr sz="1200" b="1"/>
+            <a:lvl9pPr marL="3657600" indent="0">
+              <a:buNone/>
+              <a:defRPr sz="1600" b="1"/>
             </a:lvl9pPr>
           </a:lstStyle>
           <a:p>
             <a:pPr lvl="0"/>
             <a:r>
-              <a:rPr lang="en-US" smtClean="0"/>
-              <a:t>Click to edit Master text styles</a:t>
-            </a:r>
-          </a:p>
-        </p:txBody>
-      </p:sp>
-      <p:sp>
-        <p:nvSpPr>
-          <p:cNvPr id="6" name="Content Placeholder 5"/>
+              <a:rPr lang="en-US"/>
+              <a:t>Edit Master text styles</a:t>
+            </a:r>
+          </a:p>
+        </p:txBody>
+      </p:sp>
+      <p:sp>
+        <p:nvSpPr>
+          <p:cNvPr id="6" name="Content Placeholder 5">
+            <a:extLst>
+              <a:ext uri="{FF2B5EF4-FFF2-40B4-BE49-F238E27FC236}">
+                <a16:creationId xmlns:a16="http://schemas.microsoft.com/office/drawing/2014/main" id="{7FB7B870-59C1-4CA5-803B-04A841D23AF3}"/>
+              </a:ext>
+            </a:extLst>
+          </p:cNvPr>
           <p:cNvSpPr>
             <a:spLocks noGrp="1"/>
           </p:cNvSpPr>
@@ -1511,8 +1752,8 @@
         </p:nvSpPr>
         <p:spPr>
           <a:xfrm>
-            <a:off x="4629150" y="1878806"/>
-            <a:ext cx="3887391" cy="2763441"/>
+            <a:off x="6172200" y="2505075"/>
+            <a:ext cx="5183188" cy="3684588"/>
           </a:xfrm>
         </p:spPr>
         <p:txBody>
@@ -1521,59 +1762,64 @@
           <a:p>
             <a:pPr lvl="0"/>
             <a:r>
+              <a:rPr lang="en-US"/>
+              <a:t>Edit Master text styles</a:t>
+            </a:r>
+          </a:p>
+          <a:p>
+            <a:pPr lvl="1"/>
+            <a:r>
+              <a:rPr lang="en-US"/>
+              <a:t>Second level</a:t>
+            </a:r>
+          </a:p>
+          <a:p>
+            <a:pPr lvl="2"/>
+            <a:r>
+              <a:rPr lang="en-US"/>
+              <a:t>Third level</a:t>
+            </a:r>
+          </a:p>
+          <a:p>
+            <a:pPr lvl="3"/>
+            <a:r>
+              <a:rPr lang="en-US"/>
+              <a:t>Fourth level</a:t>
+            </a:r>
+          </a:p>
+          <a:p>
+            <a:pPr lvl="4"/>
+            <a:r>
+              <a:rPr lang="en-US"/>
+              <a:t>Fifth level</a:t>
+            </a:r>
+          </a:p>
+        </p:txBody>
+      </p:sp>
+      <p:sp>
+        <p:nvSpPr>
+          <p:cNvPr id="7" name="Date Placeholder 6">
+            <a:extLst>
+              <a:ext uri="{FF2B5EF4-FFF2-40B4-BE49-F238E27FC236}">
+                <a16:creationId xmlns:a16="http://schemas.microsoft.com/office/drawing/2014/main" id="{397D3E23-5B68-4067-A555-166431E42F20}"/>
+              </a:ext>
+            </a:extLst>
+          </p:cNvPr>
+          <p:cNvSpPr>
+            <a:spLocks noGrp="1"/>
+          </p:cNvSpPr>
+          <p:nvPr>
+            <p:ph type="dt" sz="half" idx="10"/>
+          </p:nvPr>
+        </p:nvSpPr>
+        <p:spPr/>
+        <p:txBody>
+          <a:bodyPr/>
+          <a:lstStyle/>
+          <a:p>
+            <a:fld id="{2DE90497-CD8E-43F8-91E6-3FAD70B3C54F}" type="datetimeFigureOut">
               <a:rPr lang="en-US" smtClean="0"/>
-              <a:t>Click to edit Master text styles</a:t>
-            </a:r>
-          </a:p>
-          <a:p>
-            <a:pPr lvl="1"/>
-            <a:r>
-              <a:rPr lang="en-US" smtClean="0"/>
-              <a:t>Second level</a:t>
-            </a:r>
-          </a:p>
-          <a:p>
-            <a:pPr lvl="2"/>
-            <a:r>
-              <a:rPr lang="en-US" smtClean="0"/>
-              <a:t>Third level</a:t>
-            </a:r>
-          </a:p>
-          <a:p>
-            <a:pPr lvl="3"/>
-            <a:r>
-              <a:rPr lang="en-US" smtClean="0"/>
-              <a:t>Fourth level</a:t>
-            </a:r>
-          </a:p>
-          <a:p>
-            <a:pPr lvl="4"/>
-            <a:r>
-              <a:rPr lang="en-US" smtClean="0"/>
-              <a:t>Fifth level</a:t>
-            </a:r>
-            <a:endParaRPr lang="en-US" dirty="0"/>
-          </a:p>
-        </p:txBody>
-      </p:sp>
-      <p:sp>
-        <p:nvSpPr>
-          <p:cNvPr id="7" name="Date Placeholder 6"/>
-          <p:cNvSpPr>
-            <a:spLocks noGrp="1"/>
-          </p:cNvSpPr>
-          <p:nvPr>
-            <p:ph type="dt" sz="half" idx="10"/>
-          </p:nvPr>
-        </p:nvSpPr>
-        <p:spPr/>
-        <p:txBody>
-          <a:bodyPr/>
-          <a:lstStyle/>
-          <a:p>
-            <a:fld id="{902DD7BD-5F42-A94C-A331-9E17F7E7AD9D}" type="datetimeFigureOut">
-              <a:rPr lang="en-US" smtClean="0"/>
-              <a:t>2/23/18</a:t>
+              <a:t>2/23/2018</a:t>
             </a:fld>
             <a:endParaRPr lang="en-US"/>
           </a:p>
@@ -1581,7 +1827,13 @@
       </p:sp>
       <p:sp>
         <p:nvSpPr>
-          <p:cNvPr id="8" name="Footer Placeholder 7"/>
+          <p:cNvPr id="8" name="Footer Placeholder 7">
+            <a:extLst>
+              <a:ext uri="{FF2B5EF4-FFF2-40B4-BE49-F238E27FC236}">
+                <a16:creationId xmlns:a16="http://schemas.microsoft.com/office/drawing/2014/main" id="{BD35ECA7-FD62-4DFF-9619-3D62E41AC11A}"/>
+              </a:ext>
+            </a:extLst>
+          </p:cNvPr>
           <p:cNvSpPr>
             <a:spLocks noGrp="1"/>
           </p:cNvSpPr>
@@ -1600,7 +1852,13 @@
       </p:sp>
       <p:sp>
         <p:nvSpPr>
-          <p:cNvPr id="9" name="Slide Number Placeholder 8"/>
+          <p:cNvPr id="9" name="Slide Number Placeholder 8">
+            <a:extLst>
+              <a:ext uri="{FF2B5EF4-FFF2-40B4-BE49-F238E27FC236}">
+                <a16:creationId xmlns:a16="http://schemas.microsoft.com/office/drawing/2014/main" id="{4F7DD8E5-37EC-4ECB-9A8C-18919E3CC0CA}"/>
+              </a:ext>
+            </a:extLst>
+          </p:cNvPr>
           <p:cNvSpPr>
             <a:spLocks noGrp="1"/>
           </p:cNvSpPr>
@@ -1613,7 +1871,7 @@
           <a:bodyPr/>
           <a:lstStyle/>
           <a:p>
-            <a:fld id="{5725059B-3A21-284D-AE2F-49D6616662D1}" type="slidenum">
+            <a:fld id="{9364A989-5472-48DC-A478-5EFAF045A946}" type="slidenum">
               <a:rPr lang="en-US" smtClean="0"/>
               <a:t>‹#›</a:t>
             </a:fld>
@@ -1622,6 +1880,11 @@
         </p:txBody>
       </p:sp>
     </p:spTree>
+    <p:extLst>
+      <p:ext uri="{BB962C8B-B14F-4D97-AF65-F5344CB8AC3E}">
+        <p14:creationId xmlns:p14="http://schemas.microsoft.com/office/powerpoint/2010/main" val="1730537190"/>
+      </p:ext>
+    </p:extLst>
   </p:cSld>
   <p:clrMapOvr>
     <a:masterClrMapping/>
@@ -1648,7 +1911,13 @@
       </p:grpSpPr>
       <p:sp>
         <p:nvSpPr>
-          <p:cNvPr id="2" name="Title 1"/>
+          <p:cNvPr id="2" name="Title 1">
+            <a:extLst>
+              <a:ext uri="{FF2B5EF4-FFF2-40B4-BE49-F238E27FC236}">
+                <a16:creationId xmlns:a16="http://schemas.microsoft.com/office/drawing/2014/main" id="{6A0050C6-78F5-460E-9B87-B6A4293E5817}"/>
+              </a:ext>
+            </a:extLst>
+          </p:cNvPr>
           <p:cNvSpPr>
             <a:spLocks noGrp="1"/>
           </p:cNvSpPr>
@@ -1662,31 +1931,36 @@
           <a:lstStyle/>
           <a:p>
             <a:r>
+              <a:rPr lang="en-US"/>
+              <a:t>Click to edit Master title style</a:t>
+            </a:r>
+          </a:p>
+        </p:txBody>
+      </p:sp>
+      <p:sp>
+        <p:nvSpPr>
+          <p:cNvPr id="3" name="Date Placeholder 2">
+            <a:extLst>
+              <a:ext uri="{FF2B5EF4-FFF2-40B4-BE49-F238E27FC236}">
+                <a16:creationId xmlns:a16="http://schemas.microsoft.com/office/drawing/2014/main" id="{1A3C7D38-E4CA-457E-8CFD-F2F0790B16D3}"/>
+              </a:ext>
+            </a:extLst>
+          </p:cNvPr>
+          <p:cNvSpPr>
+            <a:spLocks noGrp="1"/>
+          </p:cNvSpPr>
+          <p:nvPr>
+            <p:ph type="dt" sz="half" idx="10"/>
+          </p:nvPr>
+        </p:nvSpPr>
+        <p:spPr/>
+        <p:txBody>
+          <a:bodyPr/>
+          <a:lstStyle/>
+          <a:p>
+            <a:fld id="{2DE90497-CD8E-43F8-91E6-3FAD70B3C54F}" type="datetimeFigureOut">
               <a:rPr lang="en-US" smtClean="0"/>
-              <a:t>Click to edit Master title style</a:t>
-            </a:r>
-            <a:endParaRPr lang="en-US" dirty="0"/>
-          </a:p>
-        </p:txBody>
-      </p:sp>
-      <p:sp>
-        <p:nvSpPr>
-          <p:cNvPr id="3" name="Date Placeholder 2"/>
-          <p:cNvSpPr>
-            <a:spLocks noGrp="1"/>
-          </p:cNvSpPr>
-          <p:nvPr>
-            <p:ph type="dt" sz="half" idx="10"/>
-          </p:nvPr>
-        </p:nvSpPr>
-        <p:spPr/>
-        <p:txBody>
-          <a:bodyPr/>
-          <a:lstStyle/>
-          <a:p>
-            <a:fld id="{902DD7BD-5F42-A94C-A331-9E17F7E7AD9D}" type="datetimeFigureOut">
-              <a:rPr lang="en-US" smtClean="0"/>
-              <a:t>2/23/18</a:t>
+              <a:t>2/23/2018</a:t>
             </a:fld>
             <a:endParaRPr lang="en-US"/>
           </a:p>
@@ -1694,7 +1968,13 @@
       </p:sp>
       <p:sp>
         <p:nvSpPr>
-          <p:cNvPr id="4" name="Footer Placeholder 3"/>
+          <p:cNvPr id="4" name="Footer Placeholder 3">
+            <a:extLst>
+              <a:ext uri="{FF2B5EF4-FFF2-40B4-BE49-F238E27FC236}">
+                <a16:creationId xmlns:a16="http://schemas.microsoft.com/office/drawing/2014/main" id="{88B706F0-6BC9-4566-859D-6EE842E68E64}"/>
+              </a:ext>
+            </a:extLst>
+          </p:cNvPr>
           <p:cNvSpPr>
             <a:spLocks noGrp="1"/>
           </p:cNvSpPr>
@@ -1713,7 +1993,13 @@
       </p:sp>
       <p:sp>
         <p:nvSpPr>
-          <p:cNvPr id="5" name="Slide Number Placeholder 4"/>
+          <p:cNvPr id="5" name="Slide Number Placeholder 4">
+            <a:extLst>
+              <a:ext uri="{FF2B5EF4-FFF2-40B4-BE49-F238E27FC236}">
+                <a16:creationId xmlns:a16="http://schemas.microsoft.com/office/drawing/2014/main" id="{912DCEE2-C59A-459B-8F61-5B7718D8EEE8}"/>
+              </a:ext>
+            </a:extLst>
+          </p:cNvPr>
           <p:cNvSpPr>
             <a:spLocks noGrp="1"/>
           </p:cNvSpPr>
@@ -1726,7 +2012,7 @@
           <a:bodyPr/>
           <a:lstStyle/>
           <a:p>
-            <a:fld id="{5725059B-3A21-284D-AE2F-49D6616662D1}" type="slidenum">
+            <a:fld id="{9364A989-5472-48DC-A478-5EFAF045A946}" type="slidenum">
               <a:rPr lang="en-US" smtClean="0"/>
               <a:t>‹#›</a:t>
             </a:fld>
@@ -1735,6 +2021,11 @@
         </p:txBody>
       </p:sp>
     </p:spTree>
+    <p:extLst>
+      <p:ext uri="{BB962C8B-B14F-4D97-AF65-F5344CB8AC3E}">
+        <p14:creationId xmlns:p14="http://schemas.microsoft.com/office/powerpoint/2010/main" val="3801409858"/>
+      </p:ext>
+    </p:extLst>
   </p:cSld>
   <p:clrMapOvr>
     <a:masterClrMapping/>
@@ -1761,7 +2052,13 @@
       </p:grpSpPr>
       <p:sp>
         <p:nvSpPr>
-          <p:cNvPr id="2" name="Date Placeholder 1"/>
+          <p:cNvPr id="2" name="Date Placeholder 1">
+            <a:extLst>
+              <a:ext uri="{FF2B5EF4-FFF2-40B4-BE49-F238E27FC236}">
+                <a16:creationId xmlns:a16="http://schemas.microsoft.com/office/drawing/2014/main" id="{AE160151-8AA9-4539-9162-2BBF94DE1139}"/>
+              </a:ext>
+            </a:extLst>
+          </p:cNvPr>
           <p:cNvSpPr>
             <a:spLocks noGrp="1"/>
           </p:cNvSpPr>
@@ -1774,9 +2071,9 @@
           <a:bodyPr/>
           <a:lstStyle/>
           <a:p>
-            <a:fld id="{902DD7BD-5F42-A94C-A331-9E17F7E7AD9D}" type="datetimeFigureOut">
+            <a:fld id="{2DE90497-CD8E-43F8-91E6-3FAD70B3C54F}" type="datetimeFigureOut">
               <a:rPr lang="en-US" smtClean="0"/>
-              <a:t>2/23/18</a:t>
+              <a:t>2/23/2018</a:t>
             </a:fld>
             <a:endParaRPr lang="en-US"/>
           </a:p>
@@ -1784,7 +2081,13 @@
       </p:sp>
       <p:sp>
         <p:nvSpPr>
-          <p:cNvPr id="3" name="Footer Placeholder 2"/>
+          <p:cNvPr id="3" name="Footer Placeholder 2">
+            <a:extLst>
+              <a:ext uri="{FF2B5EF4-FFF2-40B4-BE49-F238E27FC236}">
+                <a16:creationId xmlns:a16="http://schemas.microsoft.com/office/drawing/2014/main" id="{F052DE4D-1796-4C00-A1C8-E060F6203258}"/>
+              </a:ext>
+            </a:extLst>
+          </p:cNvPr>
           <p:cNvSpPr>
             <a:spLocks noGrp="1"/>
           </p:cNvSpPr>
@@ -1803,7 +2106,13 @@
       </p:sp>
       <p:sp>
         <p:nvSpPr>
-          <p:cNvPr id="4" name="Slide Number Placeholder 3"/>
+          <p:cNvPr id="4" name="Slide Number Placeholder 3">
+            <a:extLst>
+              <a:ext uri="{FF2B5EF4-FFF2-40B4-BE49-F238E27FC236}">
+                <a16:creationId xmlns:a16="http://schemas.microsoft.com/office/drawing/2014/main" id="{A9581147-6276-4789-8EAF-BF506FC04ED1}"/>
+              </a:ext>
+            </a:extLst>
+          </p:cNvPr>
           <p:cNvSpPr>
             <a:spLocks noGrp="1"/>
           </p:cNvSpPr>
@@ -1816,7 +2125,7 @@
           <a:bodyPr/>
           <a:lstStyle/>
           <a:p>
-            <a:fld id="{5725059B-3A21-284D-AE2F-49D6616662D1}" type="slidenum">
+            <a:fld id="{9364A989-5472-48DC-A478-5EFAF045A946}" type="slidenum">
               <a:rPr lang="en-US" smtClean="0"/>
               <a:t>‹#›</a:t>
             </a:fld>
@@ -1825,6 +2134,11 @@
         </p:txBody>
       </p:sp>
     </p:spTree>
+    <p:extLst>
+      <p:ext uri="{BB962C8B-B14F-4D97-AF65-F5344CB8AC3E}">
+        <p14:creationId xmlns:p14="http://schemas.microsoft.com/office/powerpoint/2010/main" val="3431021564"/>
+      </p:ext>
+    </p:extLst>
   </p:cSld>
   <p:clrMapOvr>
     <a:masterClrMapping/>
@@ -1851,7 +2165,13 @@
       </p:grpSpPr>
       <p:sp>
         <p:nvSpPr>
-          <p:cNvPr id="2" name="Title 1"/>
+          <p:cNvPr id="2" name="Title 1">
+            <a:extLst>
+              <a:ext uri="{FF2B5EF4-FFF2-40B4-BE49-F238E27FC236}">
+                <a16:creationId xmlns:a16="http://schemas.microsoft.com/office/drawing/2014/main" id="{C67E0E2D-A77D-47DA-A37A-EE25828065BE}"/>
+              </a:ext>
+            </a:extLst>
+          </p:cNvPr>
           <p:cNvSpPr>
             <a:spLocks noGrp="1"/>
           </p:cNvSpPr>
@@ -1861,29 +2181,34 @@
         </p:nvSpPr>
         <p:spPr>
           <a:xfrm>
-            <a:off x="629841" y="342900"/>
-            <a:ext cx="2949178" cy="1200150"/>
+            <a:off x="839788" y="457200"/>
+            <a:ext cx="3932237" cy="1600200"/>
           </a:xfrm>
         </p:spPr>
         <p:txBody>
           <a:bodyPr anchor="b"/>
           <a:lstStyle>
             <a:lvl1pPr>
-              <a:defRPr sz="2400"/>
+              <a:defRPr sz="3200"/>
             </a:lvl1pPr>
           </a:lstStyle>
           <a:p>
             <a:r>
-              <a:rPr lang="en-US" smtClean="0"/>
+              <a:rPr lang="en-US"/>
               <a:t>Click to edit Master title style</a:t>
             </a:r>
-            <a:endParaRPr lang="en-US" dirty="0"/>
-          </a:p>
-        </p:txBody>
-      </p:sp>
-      <p:sp>
-        <p:nvSpPr>
-          <p:cNvPr id="3" name="Content Placeholder 2"/>
+          </a:p>
+        </p:txBody>
+      </p:sp>
+      <p:sp>
+        <p:nvSpPr>
+          <p:cNvPr id="3" name="Content Placeholder 2">
+            <a:extLst>
+              <a:ext uri="{FF2B5EF4-FFF2-40B4-BE49-F238E27FC236}">
+                <a16:creationId xmlns:a16="http://schemas.microsoft.com/office/drawing/2014/main" id="{C830C32B-1D53-4E99-ABD5-A7CF0B25D7A7}"/>
+              </a:ext>
+            </a:extLst>
+          </p:cNvPr>
           <p:cNvSpPr>
             <a:spLocks noGrp="1"/>
           </p:cNvSpPr>
@@ -1893,82 +2218,87 @@
         </p:nvSpPr>
         <p:spPr>
           <a:xfrm>
-            <a:off x="3887391" y="740569"/>
-            <a:ext cx="4629150" cy="3655219"/>
+            <a:off x="5183188" y="987425"/>
+            <a:ext cx="6172200" cy="4873625"/>
           </a:xfrm>
         </p:spPr>
         <p:txBody>
           <a:bodyPr/>
           <a:lstStyle>
             <a:lvl1pPr>
-              <a:defRPr sz="2400"/>
+              <a:defRPr sz="3200"/>
             </a:lvl1pPr>
             <a:lvl2pPr>
-              <a:defRPr sz="2100"/>
+              <a:defRPr sz="2800"/>
             </a:lvl2pPr>
             <a:lvl3pPr>
-              <a:defRPr sz="1800"/>
+              <a:defRPr sz="2400"/>
             </a:lvl3pPr>
             <a:lvl4pPr>
-              <a:defRPr sz="1500"/>
+              <a:defRPr sz="2000"/>
             </a:lvl4pPr>
             <a:lvl5pPr>
-              <a:defRPr sz="1500"/>
+              <a:defRPr sz="2000"/>
             </a:lvl5pPr>
             <a:lvl6pPr>
-              <a:defRPr sz="1500"/>
+              <a:defRPr sz="2000"/>
             </a:lvl6pPr>
             <a:lvl7pPr>
-              <a:defRPr sz="1500"/>
+              <a:defRPr sz="2000"/>
             </a:lvl7pPr>
             <a:lvl8pPr>
-              <a:defRPr sz="1500"/>
+              <a:defRPr sz="2000"/>
             </a:lvl8pPr>
             <a:lvl9pPr>
-              <a:defRPr sz="1500"/>
+              <a:defRPr sz="2000"/>
             </a:lvl9pPr>
           </a:lstStyle>
           <a:p>
             <a:pPr lvl="0"/>
             <a:r>
-              <a:rPr lang="en-US" smtClean="0"/>
-              <a:t>Click to edit Master text styles</a:t>
+              <a:rPr lang="en-US"/>
+              <a:t>Edit Master text styles</a:t>
             </a:r>
           </a:p>
           <a:p>
             <a:pPr lvl="1"/>
             <a:r>
-              <a:rPr lang="en-US" smtClean="0"/>
+              <a:rPr lang="en-US"/>
               <a:t>Second level</a:t>
             </a:r>
           </a:p>
           <a:p>
             <a:pPr lvl="2"/>
             <a:r>
-              <a:rPr lang="en-US" smtClean="0"/>
+              <a:rPr lang="en-US"/>
               <a:t>Third level</a:t>
             </a:r>
           </a:p>
           <a:p>
             <a:pPr lvl="3"/>
             <a:r>
-              <a:rPr lang="en-US" smtClean="0"/>
+              <a:rPr lang="en-US"/>
               <a:t>Fourth level</a:t>
             </a:r>
           </a:p>
           <a:p>
             <a:pPr lvl="4"/>
             <a:r>
-              <a:rPr lang="en-US" smtClean="0"/>
+              <a:rPr lang="en-US"/>
               <a:t>Fifth level</a:t>
             </a:r>
-            <a:endParaRPr lang="en-US" dirty="0"/>
-          </a:p>
-        </p:txBody>
-      </p:sp>
-      <p:sp>
-        <p:nvSpPr>
-          <p:cNvPr id="4" name="Text Placeholder 3"/>
+          </a:p>
+        </p:txBody>
+      </p:sp>
+      <p:sp>
+        <p:nvSpPr>
+          <p:cNvPr id="4" name="Text Placeholder 3">
+            <a:extLst>
+              <a:ext uri="{FF2B5EF4-FFF2-40B4-BE49-F238E27FC236}">
+                <a16:creationId xmlns:a16="http://schemas.microsoft.com/office/drawing/2014/main" id="{8A4CA7D5-290E-407A-9CFC-D74AED61B413}"/>
+              </a:ext>
+            </a:extLst>
+          </p:cNvPr>
           <p:cNvSpPr>
             <a:spLocks noGrp="1"/>
           </p:cNvSpPr>
@@ -1978,8 +2308,8 @@
         </p:nvSpPr>
         <p:spPr>
           <a:xfrm>
-            <a:off x="629841" y="1543050"/>
-            <a:ext cx="2949178" cy="2858691"/>
+            <a:off x="839788" y="2057400"/>
+            <a:ext cx="3932237" cy="3811588"/>
           </a:xfrm>
         </p:spPr>
         <p:txBody>
@@ -1987,68 +2317,74 @@
           <a:lstStyle>
             <a:lvl1pPr marL="0" indent="0">
               <a:buNone/>
+              <a:defRPr sz="1600"/>
+            </a:lvl1pPr>
+            <a:lvl2pPr marL="457200" indent="0">
+              <a:buNone/>
+              <a:defRPr sz="1400"/>
+            </a:lvl2pPr>
+            <a:lvl3pPr marL="914400" indent="0">
+              <a:buNone/>
               <a:defRPr sz="1200"/>
-            </a:lvl1pPr>
-            <a:lvl2pPr marL="342900" indent="0">
-              <a:buNone/>
-              <a:defRPr sz="1050"/>
-            </a:lvl2pPr>
-            <a:lvl3pPr marL="685800" indent="0">
-              <a:buNone/>
-              <a:defRPr sz="900"/>
             </a:lvl3pPr>
-            <a:lvl4pPr marL="1028700" indent="0">
-              <a:buNone/>
-              <a:defRPr sz="750"/>
+            <a:lvl4pPr marL="1371600" indent="0">
+              <a:buNone/>
+              <a:defRPr sz="1000"/>
             </a:lvl4pPr>
-            <a:lvl5pPr marL="1371600" indent="0">
-              <a:buNone/>
-              <a:defRPr sz="750"/>
+            <a:lvl5pPr marL="1828800" indent="0">
+              <a:buNone/>
+              <a:defRPr sz="1000"/>
             </a:lvl5pPr>
-            <a:lvl6pPr marL="1714500" indent="0">
-              <a:buNone/>
-              <a:defRPr sz="750"/>
+            <a:lvl6pPr marL="2286000" indent="0">
+              <a:buNone/>
+              <a:defRPr sz="1000"/>
             </a:lvl6pPr>
-            <a:lvl7pPr marL="2057400" indent="0">
-              <a:buNone/>
-              <a:defRPr sz="750"/>
+            <a:lvl7pPr marL="2743200" indent="0">
+              <a:buNone/>
+              <a:defRPr sz="1000"/>
             </a:lvl7pPr>
-            <a:lvl8pPr marL="2400300" indent="0">
-              <a:buNone/>
-              <a:defRPr sz="750"/>
+            <a:lvl8pPr marL="3200400" indent="0">
+              <a:buNone/>
+              <a:defRPr sz="1000"/>
             </a:lvl8pPr>
-            <a:lvl9pPr marL="2743200" indent="0">
-              <a:buNone/>
-              <a:defRPr sz="750"/>
+            <a:lvl9pPr marL="3657600" indent="0">
+              <a:buNone/>
+              <a:defRPr sz="1000"/>
             </a:lvl9pPr>
           </a:lstStyle>
           <a:p>
             <a:pPr lvl="0"/>
             <a:r>
+              <a:rPr lang="en-US"/>
+              <a:t>Edit Master text styles</a:t>
+            </a:r>
+          </a:p>
+        </p:txBody>
+      </p:sp>
+      <p:sp>
+        <p:nvSpPr>
+          <p:cNvPr id="5" name="Date Placeholder 4">
+            <a:extLst>
+              <a:ext uri="{FF2B5EF4-FFF2-40B4-BE49-F238E27FC236}">
+                <a16:creationId xmlns:a16="http://schemas.microsoft.com/office/drawing/2014/main" id="{76D69680-8B7A-43DA-9FCF-2BE3617B9BE6}"/>
+              </a:ext>
+            </a:extLst>
+          </p:cNvPr>
+          <p:cNvSpPr>
+            <a:spLocks noGrp="1"/>
+          </p:cNvSpPr>
+          <p:nvPr>
+            <p:ph type="dt" sz="half" idx="10"/>
+          </p:nvPr>
+        </p:nvSpPr>
+        <p:spPr/>
+        <p:txBody>
+          <a:bodyPr/>
+          <a:lstStyle/>
+          <a:p>
+            <a:fld id="{2DE90497-CD8E-43F8-91E6-3FAD70B3C54F}" type="datetimeFigureOut">
               <a:rPr lang="en-US" smtClean="0"/>
-              <a:t>Click to edit Master text styles</a:t>
-            </a:r>
-          </a:p>
-        </p:txBody>
-      </p:sp>
-      <p:sp>
-        <p:nvSpPr>
-          <p:cNvPr id="5" name="Date Placeholder 4"/>
-          <p:cNvSpPr>
-            <a:spLocks noGrp="1"/>
-          </p:cNvSpPr>
-          <p:nvPr>
-            <p:ph type="dt" sz="half" idx="10"/>
-          </p:nvPr>
-        </p:nvSpPr>
-        <p:spPr/>
-        <p:txBody>
-          <a:bodyPr/>
-          <a:lstStyle/>
-          <a:p>
-            <a:fld id="{902DD7BD-5F42-A94C-A331-9E17F7E7AD9D}" type="datetimeFigureOut">
-              <a:rPr lang="en-US" smtClean="0"/>
-              <a:t>2/23/18</a:t>
+              <a:t>2/23/2018</a:t>
             </a:fld>
             <a:endParaRPr lang="en-US"/>
           </a:p>
@@ -2056,7 +2392,13 @@
       </p:sp>
       <p:sp>
         <p:nvSpPr>
-          <p:cNvPr id="6" name="Footer Placeholder 5"/>
+          <p:cNvPr id="6" name="Footer Placeholder 5">
+            <a:extLst>
+              <a:ext uri="{FF2B5EF4-FFF2-40B4-BE49-F238E27FC236}">
+                <a16:creationId xmlns:a16="http://schemas.microsoft.com/office/drawing/2014/main" id="{67F29236-BBE2-497A-A342-7B12339C6756}"/>
+              </a:ext>
+            </a:extLst>
+          </p:cNvPr>
           <p:cNvSpPr>
             <a:spLocks noGrp="1"/>
           </p:cNvSpPr>
@@ -2075,7 +2417,13 @@
       </p:sp>
       <p:sp>
         <p:nvSpPr>
-          <p:cNvPr id="7" name="Slide Number Placeholder 6"/>
+          <p:cNvPr id="7" name="Slide Number Placeholder 6">
+            <a:extLst>
+              <a:ext uri="{FF2B5EF4-FFF2-40B4-BE49-F238E27FC236}">
+                <a16:creationId xmlns:a16="http://schemas.microsoft.com/office/drawing/2014/main" id="{87A83B41-F479-4D31-946B-5FC2B09491E4}"/>
+              </a:ext>
+            </a:extLst>
+          </p:cNvPr>
           <p:cNvSpPr>
             <a:spLocks noGrp="1"/>
           </p:cNvSpPr>
@@ -2088,7 +2436,7 @@
           <a:bodyPr/>
           <a:lstStyle/>
           <a:p>
-            <a:fld id="{5725059B-3A21-284D-AE2F-49D6616662D1}" type="slidenum">
+            <a:fld id="{9364A989-5472-48DC-A478-5EFAF045A946}" type="slidenum">
               <a:rPr lang="en-US" smtClean="0"/>
               <a:t>‹#›</a:t>
             </a:fld>
@@ -2097,6 +2445,11 @@
         </p:txBody>
       </p:sp>
     </p:spTree>
+    <p:extLst>
+      <p:ext uri="{BB962C8B-B14F-4D97-AF65-F5344CB8AC3E}">
+        <p14:creationId xmlns:p14="http://schemas.microsoft.com/office/powerpoint/2010/main" val="1278097198"/>
+      </p:ext>
+    </p:extLst>
   </p:cSld>
   <p:clrMapOvr>
     <a:masterClrMapping/>
@@ -2123,7 +2476,13 @@
       </p:grpSpPr>
       <p:sp>
         <p:nvSpPr>
-          <p:cNvPr id="2" name="Title 1"/>
+          <p:cNvPr id="2" name="Title 1">
+            <a:extLst>
+              <a:ext uri="{FF2B5EF4-FFF2-40B4-BE49-F238E27FC236}">
+                <a16:creationId xmlns:a16="http://schemas.microsoft.com/office/drawing/2014/main" id="{086B57E9-AFEA-4144-94F7-84900EA5F6E6}"/>
+              </a:ext>
+            </a:extLst>
+          </p:cNvPr>
           <p:cNvSpPr>
             <a:spLocks noGrp="1"/>
           </p:cNvSpPr>
@@ -2133,31 +2492,36 @@
         </p:nvSpPr>
         <p:spPr>
           <a:xfrm>
-            <a:off x="629841" y="342900"/>
-            <a:ext cx="2949178" cy="1200150"/>
+            <a:off x="839788" y="457200"/>
+            <a:ext cx="3932237" cy="1600200"/>
           </a:xfrm>
         </p:spPr>
         <p:txBody>
           <a:bodyPr anchor="b"/>
           <a:lstStyle>
             <a:lvl1pPr>
-              <a:defRPr sz="2400"/>
+              <a:defRPr sz="3200"/>
             </a:lvl1pPr>
           </a:lstStyle>
           <a:p>
             <a:r>
-              <a:rPr lang="en-US" smtClean="0"/>
+              <a:rPr lang="en-US"/>
               <a:t>Click to edit Master title style</a:t>
             </a:r>
-            <a:endParaRPr lang="en-US" dirty="0"/>
-          </a:p>
-        </p:txBody>
-      </p:sp>
-      <p:sp>
-        <p:nvSpPr>
-          <p:cNvPr id="3" name="Picture Placeholder 2"/>
-          <p:cNvSpPr>
-            <a:spLocks noGrp="1" noChangeAspect="1"/>
+          </a:p>
+        </p:txBody>
+      </p:sp>
+      <p:sp>
+        <p:nvSpPr>
+          <p:cNvPr id="3" name="Picture Placeholder 2">
+            <a:extLst>
+              <a:ext uri="{FF2B5EF4-FFF2-40B4-BE49-F238E27FC236}">
+                <a16:creationId xmlns:a16="http://schemas.microsoft.com/office/drawing/2014/main" id="{92BF3A13-1CE9-47B6-85F9-C590A2B7D099}"/>
+              </a:ext>
+            </a:extLst>
+          </p:cNvPr>
+          <p:cNvSpPr>
+            <a:spLocks noGrp="1"/>
           </p:cNvSpPr>
           <p:nvPr>
             <p:ph type="pic" idx="1"/>
@@ -2165,62 +2529,64 @@
         </p:nvSpPr>
         <p:spPr>
           <a:xfrm>
-            <a:off x="3887391" y="740569"/>
-            <a:ext cx="4629150" cy="3655219"/>
+            <a:off x="5183188" y="987425"/>
+            <a:ext cx="6172200" cy="4873625"/>
           </a:xfrm>
         </p:spPr>
         <p:txBody>
-          <a:bodyPr anchor="t"/>
+          <a:bodyPr/>
           <a:lstStyle>
             <a:lvl1pPr marL="0" indent="0">
               <a:buNone/>
+              <a:defRPr sz="3200"/>
+            </a:lvl1pPr>
+            <a:lvl2pPr marL="457200" indent="0">
+              <a:buNone/>
+              <a:defRPr sz="2800"/>
+            </a:lvl2pPr>
+            <a:lvl3pPr marL="914400" indent="0">
+              <a:buNone/>
               <a:defRPr sz="2400"/>
-            </a:lvl1pPr>
-            <a:lvl2pPr marL="342900" indent="0">
-              <a:buNone/>
-              <a:defRPr sz="2100"/>
-            </a:lvl2pPr>
-            <a:lvl3pPr marL="685800" indent="0">
-              <a:buNone/>
-              <a:defRPr sz="1800"/>
             </a:lvl3pPr>
-            <a:lvl4pPr marL="1028700" indent="0">
-              <a:buNone/>
-              <a:defRPr sz="1500"/>
+            <a:lvl4pPr marL="1371600" indent="0">
+              <a:buNone/>
+              <a:defRPr sz="2000"/>
             </a:lvl4pPr>
-            <a:lvl5pPr marL="1371600" indent="0">
-              <a:buNone/>
-              <a:defRPr sz="1500"/>
+            <a:lvl5pPr marL="1828800" indent="0">
+              <a:buNone/>
+              <a:defRPr sz="2000"/>
             </a:lvl5pPr>
-            <a:lvl6pPr marL="1714500" indent="0">
-              <a:buNone/>
-              <a:defRPr sz="1500"/>
+            <a:lvl6pPr marL="2286000" indent="0">
+              <a:buNone/>
+              <a:defRPr sz="2000"/>
             </a:lvl6pPr>
-            <a:lvl7pPr marL="2057400" indent="0">
-              <a:buNone/>
-              <a:defRPr sz="1500"/>
+            <a:lvl7pPr marL="2743200" indent="0">
+              <a:buNone/>
+              <a:defRPr sz="2000"/>
             </a:lvl7pPr>
-            <a:lvl8pPr marL="2400300" indent="0">
-              <a:buNone/>
-              <a:defRPr sz="1500"/>
+            <a:lvl8pPr marL="3200400" indent="0">
+              <a:buNone/>
+              <a:defRPr sz="2000"/>
             </a:lvl8pPr>
-            <a:lvl9pPr marL="2743200" indent="0">
-              <a:buNone/>
-              <a:defRPr sz="1500"/>
+            <a:lvl9pPr marL="3657600" indent="0">
+              <a:buNone/>
+              <a:defRPr sz="2000"/>
             </a:lvl9pPr>
           </a:lstStyle>
           <a:p>
-            <a:r>
-              <a:rPr lang="en-US" smtClean="0"/>
-              <a:t>Drag picture to placeholder or click icon to add</a:t>
-            </a:r>
-            <a:endParaRPr lang="en-US" dirty="0"/>
-          </a:p>
-        </p:txBody>
-      </p:sp>
-      <p:sp>
-        <p:nvSpPr>
-          <p:cNvPr id="4" name="Text Placeholder 3"/>
+            <a:endParaRPr lang="en-US"/>
+          </a:p>
+        </p:txBody>
+      </p:sp>
+      <p:sp>
+        <p:nvSpPr>
+          <p:cNvPr id="4" name="Text Placeholder 3">
+            <a:extLst>
+              <a:ext uri="{FF2B5EF4-FFF2-40B4-BE49-F238E27FC236}">
+                <a16:creationId xmlns:a16="http://schemas.microsoft.com/office/drawing/2014/main" id="{533DDE27-CA1A-4469-891E-901B6B677FC0}"/>
+              </a:ext>
+            </a:extLst>
+          </p:cNvPr>
           <p:cNvSpPr>
             <a:spLocks noGrp="1"/>
           </p:cNvSpPr>
@@ -2230,8 +2596,8 @@
         </p:nvSpPr>
         <p:spPr>
           <a:xfrm>
-            <a:off x="629841" y="1543050"/>
-            <a:ext cx="2949178" cy="2858691"/>
+            <a:off x="839788" y="2057400"/>
+            <a:ext cx="3932237" cy="3811588"/>
           </a:xfrm>
         </p:spPr>
         <p:txBody>
@@ -2239,68 +2605,74 @@
           <a:lstStyle>
             <a:lvl1pPr marL="0" indent="0">
               <a:buNone/>
+              <a:defRPr sz="1600"/>
+            </a:lvl1pPr>
+            <a:lvl2pPr marL="457200" indent="0">
+              <a:buNone/>
+              <a:defRPr sz="1400"/>
+            </a:lvl2pPr>
+            <a:lvl3pPr marL="914400" indent="0">
+              <a:buNone/>
               <a:defRPr sz="1200"/>
-            </a:lvl1pPr>
-            <a:lvl2pPr marL="342900" indent="0">
-              <a:buNone/>
-              <a:defRPr sz="1050"/>
-            </a:lvl2pPr>
-            <a:lvl3pPr marL="685800" indent="0">
-              <a:buNone/>
-              <a:defRPr sz="900"/>
             </a:lvl3pPr>
-            <a:lvl4pPr marL="1028700" indent="0">
-              <a:buNone/>
-              <a:defRPr sz="750"/>
+            <a:lvl4pPr marL="1371600" indent="0">
+              <a:buNone/>
+              <a:defRPr sz="1000"/>
             </a:lvl4pPr>
-            <a:lvl5pPr marL="1371600" indent="0">
-              <a:buNone/>
-              <a:defRPr sz="750"/>
+            <a:lvl5pPr marL="1828800" indent="0">
+              <a:buNone/>
+              <a:defRPr sz="1000"/>
             </a:lvl5pPr>
-            <a:lvl6pPr marL="1714500" indent="0">
-              <a:buNone/>
-              <a:defRPr sz="750"/>
+            <a:lvl6pPr marL="2286000" indent="0">
+              <a:buNone/>
+              <a:defRPr sz="1000"/>
             </a:lvl6pPr>
-            <a:lvl7pPr marL="2057400" indent="0">
-              <a:buNone/>
-              <a:defRPr sz="750"/>
+            <a:lvl7pPr marL="2743200" indent="0">
+              <a:buNone/>
+              <a:defRPr sz="1000"/>
             </a:lvl7pPr>
-            <a:lvl8pPr marL="2400300" indent="0">
-              <a:buNone/>
-              <a:defRPr sz="750"/>
+            <a:lvl8pPr marL="3200400" indent="0">
+              <a:buNone/>
+              <a:defRPr sz="1000"/>
             </a:lvl8pPr>
-            <a:lvl9pPr marL="2743200" indent="0">
-              <a:buNone/>
-              <a:defRPr sz="750"/>
+            <a:lvl9pPr marL="3657600" indent="0">
+              <a:buNone/>
+              <a:defRPr sz="1000"/>
             </a:lvl9pPr>
           </a:lstStyle>
           <a:p>
             <a:pPr lvl="0"/>
             <a:r>
+              <a:rPr lang="en-US"/>
+              <a:t>Edit Master text styles</a:t>
+            </a:r>
+          </a:p>
+        </p:txBody>
+      </p:sp>
+      <p:sp>
+        <p:nvSpPr>
+          <p:cNvPr id="5" name="Date Placeholder 4">
+            <a:extLst>
+              <a:ext uri="{FF2B5EF4-FFF2-40B4-BE49-F238E27FC236}">
+                <a16:creationId xmlns:a16="http://schemas.microsoft.com/office/drawing/2014/main" id="{3C05ACCD-D12B-4EED-8384-4CC2D540AF3F}"/>
+              </a:ext>
+            </a:extLst>
+          </p:cNvPr>
+          <p:cNvSpPr>
+            <a:spLocks noGrp="1"/>
+          </p:cNvSpPr>
+          <p:nvPr>
+            <p:ph type="dt" sz="half" idx="10"/>
+          </p:nvPr>
+        </p:nvSpPr>
+        <p:spPr/>
+        <p:txBody>
+          <a:bodyPr/>
+          <a:lstStyle/>
+          <a:p>
+            <a:fld id="{2DE90497-CD8E-43F8-91E6-3FAD70B3C54F}" type="datetimeFigureOut">
               <a:rPr lang="en-US" smtClean="0"/>
-              <a:t>Click to edit Master text styles</a:t>
-            </a:r>
-          </a:p>
-        </p:txBody>
-      </p:sp>
-      <p:sp>
-        <p:nvSpPr>
-          <p:cNvPr id="5" name="Date Placeholder 4"/>
-          <p:cNvSpPr>
-            <a:spLocks noGrp="1"/>
-          </p:cNvSpPr>
-          <p:nvPr>
-            <p:ph type="dt" sz="half" idx="10"/>
-          </p:nvPr>
-        </p:nvSpPr>
-        <p:spPr/>
-        <p:txBody>
-          <a:bodyPr/>
-          <a:lstStyle/>
-          <a:p>
-            <a:fld id="{902DD7BD-5F42-A94C-A331-9E17F7E7AD9D}" type="datetimeFigureOut">
-              <a:rPr lang="en-US" smtClean="0"/>
-              <a:t>2/23/18</a:t>
+              <a:t>2/23/2018</a:t>
             </a:fld>
             <a:endParaRPr lang="en-US"/>
           </a:p>
@@ -2308,7 +2680,13 @@
       </p:sp>
       <p:sp>
         <p:nvSpPr>
-          <p:cNvPr id="6" name="Footer Placeholder 5"/>
+          <p:cNvPr id="6" name="Footer Placeholder 5">
+            <a:extLst>
+              <a:ext uri="{FF2B5EF4-FFF2-40B4-BE49-F238E27FC236}">
+                <a16:creationId xmlns:a16="http://schemas.microsoft.com/office/drawing/2014/main" id="{D5A845A1-BFF8-4735-AC54-1EBD95FCD3C3}"/>
+              </a:ext>
+            </a:extLst>
+          </p:cNvPr>
           <p:cNvSpPr>
             <a:spLocks noGrp="1"/>
           </p:cNvSpPr>
@@ -2327,7 +2705,13 @@
       </p:sp>
       <p:sp>
         <p:nvSpPr>
-          <p:cNvPr id="7" name="Slide Number Placeholder 6"/>
+          <p:cNvPr id="7" name="Slide Number Placeholder 6">
+            <a:extLst>
+              <a:ext uri="{FF2B5EF4-FFF2-40B4-BE49-F238E27FC236}">
+                <a16:creationId xmlns:a16="http://schemas.microsoft.com/office/drawing/2014/main" id="{3E8E7361-1037-4B82-BAB1-10E71577D211}"/>
+              </a:ext>
+            </a:extLst>
+          </p:cNvPr>
           <p:cNvSpPr>
             <a:spLocks noGrp="1"/>
           </p:cNvSpPr>
@@ -2340,7 +2724,7 @@
           <a:bodyPr/>
           <a:lstStyle/>
           <a:p>
-            <a:fld id="{5725059B-3A21-284D-AE2F-49D6616662D1}" type="slidenum">
+            <a:fld id="{9364A989-5472-48DC-A478-5EFAF045A946}" type="slidenum">
               <a:rPr lang="en-US" smtClean="0"/>
               <a:t>‹#›</a:t>
             </a:fld>
@@ -2349,6 +2733,11 @@
         </p:txBody>
       </p:sp>
     </p:spTree>
+    <p:extLst>
+      <p:ext uri="{BB962C8B-B14F-4D97-AF65-F5344CB8AC3E}">
+        <p14:creationId xmlns:p14="http://schemas.microsoft.com/office/powerpoint/2010/main" val="183575416"/>
+      </p:ext>
+    </p:extLst>
   </p:cSld>
   <p:clrMapOvr>
     <a:masterClrMapping/>
@@ -2380,7 +2769,13 @@
       </p:grpSpPr>
       <p:sp>
         <p:nvSpPr>
-          <p:cNvPr id="2" name="Title Placeholder 1"/>
+          <p:cNvPr id="2" name="Title Placeholder 1">
+            <a:extLst>
+              <a:ext uri="{FF2B5EF4-FFF2-40B4-BE49-F238E27FC236}">
+                <a16:creationId xmlns:a16="http://schemas.microsoft.com/office/drawing/2014/main" id="{1B8D5E81-2809-4C6B-AF77-E5A3992E124E}"/>
+              </a:ext>
+            </a:extLst>
+          </p:cNvPr>
           <p:cNvSpPr>
             <a:spLocks noGrp="1"/>
           </p:cNvSpPr>
@@ -2390,8 +2785,8 @@
         </p:nvSpPr>
         <p:spPr>
           <a:xfrm>
-            <a:off x="628650" y="273844"/>
-            <a:ext cx="7886700" cy="994172"/>
+            <a:off x="838200" y="365125"/>
+            <a:ext cx="10515600" cy="1325563"/>
           </a:xfrm>
           <a:prstGeom prst="rect">
             <a:avLst/>
@@ -2404,16 +2799,21 @@
           <a:lstStyle/>
           <a:p>
             <a:r>
-              <a:rPr lang="en-US" smtClean="0"/>
+              <a:rPr lang="en-US"/>
               <a:t>Click to edit Master title style</a:t>
             </a:r>
-            <a:endParaRPr lang="en-US" dirty="0"/>
-          </a:p>
-        </p:txBody>
-      </p:sp>
-      <p:sp>
-        <p:nvSpPr>
-          <p:cNvPr id="3" name="Text Placeholder 2"/>
+          </a:p>
+        </p:txBody>
+      </p:sp>
+      <p:sp>
+        <p:nvSpPr>
+          <p:cNvPr id="3" name="Text Placeholder 2">
+            <a:extLst>
+              <a:ext uri="{FF2B5EF4-FFF2-40B4-BE49-F238E27FC236}">
+                <a16:creationId xmlns:a16="http://schemas.microsoft.com/office/drawing/2014/main" id="{FF1B0AF4-5EEB-46AB-A2D6-E05FF1D236AE}"/>
+              </a:ext>
+            </a:extLst>
+          </p:cNvPr>
           <p:cNvSpPr>
             <a:spLocks noGrp="1"/>
           </p:cNvSpPr>
@@ -2423,8 +2823,8 @@
         </p:nvSpPr>
         <p:spPr>
           <a:xfrm>
-            <a:off x="628650" y="1369219"/>
-            <a:ext cx="7886700" cy="3263504"/>
+            <a:off x="838200" y="1825625"/>
+            <a:ext cx="10515600" cy="4351338"/>
           </a:xfrm>
           <a:prstGeom prst="rect">
             <a:avLst/>
@@ -2438,44 +2838,49 @@
           <a:p>
             <a:pPr lvl="0"/>
             <a:r>
-              <a:rPr lang="en-US" smtClean="0"/>
-              <a:t>Click to edit Master text styles</a:t>
+              <a:rPr lang="en-US"/>
+              <a:t>Edit Master text styles</a:t>
             </a:r>
           </a:p>
           <a:p>
             <a:pPr lvl="1"/>
             <a:r>
-              <a:rPr lang="en-US" smtClean="0"/>
+              <a:rPr lang="en-US"/>
               <a:t>Second level</a:t>
             </a:r>
           </a:p>
           <a:p>
             <a:pPr lvl="2"/>
             <a:r>
-              <a:rPr lang="en-US" smtClean="0"/>
+              <a:rPr lang="en-US"/>
               <a:t>Third level</a:t>
             </a:r>
           </a:p>
           <a:p>
             <a:pPr lvl="3"/>
             <a:r>
-              <a:rPr lang="en-US" smtClean="0"/>
+              <a:rPr lang="en-US"/>
               <a:t>Fourth level</a:t>
             </a:r>
           </a:p>
           <a:p>
             <a:pPr lvl="4"/>
             <a:r>
-              <a:rPr lang="en-US" smtClean="0"/>
+              <a:rPr lang="en-US"/>
               <a:t>Fifth level</a:t>
             </a:r>
-            <a:endParaRPr lang="en-US" dirty="0"/>
-          </a:p>
-        </p:txBody>
-      </p:sp>
-      <p:sp>
-        <p:nvSpPr>
-          <p:cNvPr id="4" name="Date Placeholder 3"/>
+          </a:p>
+        </p:txBody>
+      </p:sp>
+      <p:sp>
+        <p:nvSpPr>
+          <p:cNvPr id="4" name="Date Placeholder 3">
+            <a:extLst>
+              <a:ext uri="{FF2B5EF4-FFF2-40B4-BE49-F238E27FC236}">
+                <a16:creationId xmlns:a16="http://schemas.microsoft.com/office/drawing/2014/main" id="{DB1C5B40-90F5-45B6-8361-AB221E5B48BE}"/>
+              </a:ext>
+            </a:extLst>
+          </p:cNvPr>
           <p:cNvSpPr>
             <a:spLocks noGrp="1"/>
           </p:cNvSpPr>
@@ -2485,8 +2890,8 @@
         </p:nvSpPr>
         <p:spPr>
           <a:xfrm>
-            <a:off x="628650" y="4767263"/>
-            <a:ext cx="2057400" cy="273844"/>
+            <a:off x="838200" y="6356350"/>
+            <a:ext cx="2743200" cy="365125"/>
           </a:xfrm>
           <a:prstGeom prst="rect">
             <a:avLst/>
@@ -2496,7 +2901,7 @@
           <a:bodyPr vert="horz" lIns="91440" tIns="45720" rIns="91440" bIns="45720" rtlCol="0" anchor="ctr"/>
           <a:lstStyle>
             <a:lvl1pPr algn="l">
-              <a:defRPr sz="900">
+              <a:defRPr sz="1200">
                 <a:solidFill>
                   <a:schemeClr val="tx1">
                     <a:tint val="75000"/>
@@ -2506,9 +2911,9 @@
             </a:lvl1pPr>
           </a:lstStyle>
           <a:p>
-            <a:fld id="{902DD7BD-5F42-A94C-A331-9E17F7E7AD9D}" type="datetimeFigureOut">
+            <a:fld id="{2DE90497-CD8E-43F8-91E6-3FAD70B3C54F}" type="datetimeFigureOut">
               <a:rPr lang="en-US" smtClean="0"/>
-              <a:t>2/23/18</a:t>
+              <a:t>2/23/2018</a:t>
             </a:fld>
             <a:endParaRPr lang="en-US"/>
           </a:p>
@@ -2516,7 +2921,13 @@
       </p:sp>
       <p:sp>
         <p:nvSpPr>
-          <p:cNvPr id="5" name="Footer Placeholder 4"/>
+          <p:cNvPr id="5" name="Footer Placeholder 4">
+            <a:extLst>
+              <a:ext uri="{FF2B5EF4-FFF2-40B4-BE49-F238E27FC236}">
+                <a16:creationId xmlns:a16="http://schemas.microsoft.com/office/drawing/2014/main" id="{E4E502FB-82A7-40F0-A597-89FD9A4A4322}"/>
+              </a:ext>
+            </a:extLst>
+          </p:cNvPr>
           <p:cNvSpPr>
             <a:spLocks noGrp="1"/>
           </p:cNvSpPr>
@@ -2526,8 +2937,8 @@
         </p:nvSpPr>
         <p:spPr>
           <a:xfrm>
-            <a:off x="3028950" y="4767263"/>
-            <a:ext cx="3086100" cy="273844"/>
+            <a:off x="4038600" y="6356350"/>
+            <a:ext cx="4114800" cy="365125"/>
           </a:xfrm>
           <a:prstGeom prst="rect">
             <a:avLst/>
@@ -2537,7 +2948,7 @@
           <a:bodyPr vert="horz" lIns="91440" tIns="45720" rIns="91440" bIns="45720" rtlCol="0" anchor="ctr"/>
           <a:lstStyle>
             <a:lvl1pPr algn="ctr">
-              <a:defRPr sz="900">
+              <a:defRPr sz="1200">
                 <a:solidFill>
                   <a:schemeClr val="tx1">
                     <a:tint val="75000"/>
@@ -2553,7 +2964,13 @@
       </p:sp>
       <p:sp>
         <p:nvSpPr>
-          <p:cNvPr id="6" name="Slide Number Placeholder 5"/>
+          <p:cNvPr id="6" name="Slide Number Placeholder 5">
+            <a:extLst>
+              <a:ext uri="{FF2B5EF4-FFF2-40B4-BE49-F238E27FC236}">
+                <a16:creationId xmlns:a16="http://schemas.microsoft.com/office/drawing/2014/main" id="{71771287-EB87-4B5B-8A13-E5BC96C2785B}"/>
+              </a:ext>
+            </a:extLst>
+          </p:cNvPr>
           <p:cNvSpPr>
             <a:spLocks noGrp="1"/>
           </p:cNvSpPr>
@@ -2563,8 +2980,8 @@
         </p:nvSpPr>
         <p:spPr>
           <a:xfrm>
-            <a:off x="6457950" y="4767263"/>
-            <a:ext cx="2057400" cy="273844"/>
+            <a:off x="8610600" y="6356350"/>
+            <a:ext cx="2743200" cy="365125"/>
           </a:xfrm>
           <a:prstGeom prst="rect">
             <a:avLst/>
@@ -2574,7 +2991,7 @@
           <a:bodyPr vert="horz" lIns="91440" tIns="45720" rIns="91440" bIns="45720" rtlCol="0" anchor="ctr"/>
           <a:lstStyle>
             <a:lvl1pPr algn="r">
-              <a:defRPr sz="900">
+              <a:defRPr sz="1200">
                 <a:solidFill>
                   <a:schemeClr val="tx1">
                     <a:tint val="75000"/>
@@ -2584,7 +3001,7 @@
             </a:lvl1pPr>
           </a:lstStyle>
           <a:p>
-            <a:fld id="{5725059B-3A21-284D-AE2F-49D6616662D1}" type="slidenum">
+            <a:fld id="{9364A989-5472-48DC-A478-5EFAF045A946}" type="slidenum">
               <a:rPr lang="en-US" smtClean="0"/>
               <a:t>‹#›</a:t>
             </a:fld>
@@ -2595,27 +3012,27 @@
     </p:spTree>
     <p:extLst>
       <p:ext uri="{BB962C8B-B14F-4D97-AF65-F5344CB8AC3E}">
-        <p14:creationId xmlns:p14="http://schemas.microsoft.com/office/powerpoint/2010/main" val="1634695868"/>
+        <p14:creationId xmlns:p14="http://schemas.microsoft.com/office/powerpoint/2010/main" val="4077100179"/>
       </p:ext>
     </p:extLst>
   </p:cSld>
   <p:clrMap bg1="lt1" tx1="dk1" bg2="lt2" tx2="dk2" accent1="accent1" accent2="accent2" accent3="accent3" accent4="accent4" accent5="accent5" accent6="accent6" hlink="hlink" folHlink="folHlink"/>
   <p:sldLayoutIdLst>
-    <p:sldLayoutId id="2147483661" r:id="rId1"/>
-    <p:sldLayoutId id="2147483662" r:id="rId2"/>
-    <p:sldLayoutId id="2147483663" r:id="rId3"/>
-    <p:sldLayoutId id="2147483664" r:id="rId4"/>
-    <p:sldLayoutId id="2147483665" r:id="rId5"/>
-    <p:sldLayoutId id="2147483666" r:id="rId6"/>
-    <p:sldLayoutId id="2147483667" r:id="rId7"/>
-    <p:sldLayoutId id="2147483668" r:id="rId8"/>
-    <p:sldLayoutId id="2147483669" r:id="rId9"/>
-    <p:sldLayoutId id="2147483670" r:id="rId10"/>
-    <p:sldLayoutId id="2147483671" r:id="rId11"/>
+    <p:sldLayoutId id="2147483649" r:id="rId1"/>
+    <p:sldLayoutId id="2147483650" r:id="rId2"/>
+    <p:sldLayoutId id="2147483651" r:id="rId3"/>
+    <p:sldLayoutId id="2147483652" r:id="rId4"/>
+    <p:sldLayoutId id="2147483653" r:id="rId5"/>
+    <p:sldLayoutId id="2147483654" r:id="rId6"/>
+    <p:sldLayoutId id="2147483655" r:id="rId7"/>
+    <p:sldLayoutId id="2147483656" r:id="rId8"/>
+    <p:sldLayoutId id="2147483657" r:id="rId9"/>
+    <p:sldLayoutId id="2147483658" r:id="rId10"/>
+    <p:sldLayoutId id="2147483659" r:id="rId11"/>
   </p:sldLayoutIdLst>
   <p:txStyles>
     <p:titleStyle>
-      <a:lvl1pPr algn="l" defTabSz="685800" rtl="0" eaLnBrk="1" latinLnBrk="0" hangingPunct="1">
+      <a:lvl1pPr algn="l" defTabSz="914400" rtl="0" eaLnBrk="1" latinLnBrk="0" hangingPunct="1">
         <a:lnSpc>
           <a:spcPct val="90000"/>
         </a:lnSpc>
@@ -2623,7 +3040,7 @@
           <a:spcPct val="0"/>
         </a:spcBef>
         <a:buNone/>
-        <a:defRPr sz="3300" kern="1200">
+        <a:defRPr sz="4400" kern="1200">
           <a:solidFill>
             <a:schemeClr val="tx1"/>
           </a:solidFill>
@@ -2634,16 +3051,16 @@
       </a:lvl1pPr>
     </p:titleStyle>
     <p:bodyStyle>
-      <a:lvl1pPr marL="171450" indent="-171450" algn="l" defTabSz="685800" rtl="0" eaLnBrk="1" latinLnBrk="0" hangingPunct="1">
+      <a:lvl1pPr marL="228600" indent="-228600" algn="l" defTabSz="914400" rtl="0" eaLnBrk="1" latinLnBrk="0" hangingPunct="1">
         <a:lnSpc>
           <a:spcPct val="90000"/>
         </a:lnSpc>
         <a:spcBef>
-          <a:spcPts val="750"/>
+          <a:spcPts val="1000"/>
         </a:spcBef>
         <a:buFont typeface="Arial" panose="020B0604020202020204" pitchFamily="34" charset="0"/>
         <a:buChar char="•"/>
-        <a:defRPr sz="2100" kern="1200">
+        <a:defRPr sz="2800" kern="1200">
           <a:solidFill>
             <a:schemeClr val="tx1"/>
           </a:solidFill>
@@ -2652,12 +3069,48 @@
           <a:cs typeface="+mn-cs"/>
         </a:defRPr>
       </a:lvl1pPr>
-      <a:lvl2pPr marL="514350" indent="-171450" algn="l" defTabSz="685800" rtl="0" eaLnBrk="1" latinLnBrk="0" hangingPunct="1">
+      <a:lvl2pPr marL="685800" indent="-228600" algn="l" defTabSz="914400" rtl="0" eaLnBrk="1" latinLnBrk="0" hangingPunct="1">
         <a:lnSpc>
           <a:spcPct val="90000"/>
         </a:lnSpc>
         <a:spcBef>
-          <a:spcPts val="375"/>
+          <a:spcPts val="500"/>
+        </a:spcBef>
+        <a:buFont typeface="Arial" panose="020B0604020202020204" pitchFamily="34" charset="0"/>
+        <a:buChar char="•"/>
+        <a:defRPr sz="2400" kern="1200">
+          <a:solidFill>
+            <a:schemeClr val="tx1"/>
+          </a:solidFill>
+          <a:latin typeface="+mn-lt"/>
+          <a:ea typeface="+mn-ea"/>
+          <a:cs typeface="+mn-cs"/>
+        </a:defRPr>
+      </a:lvl2pPr>
+      <a:lvl3pPr marL="1143000" indent="-228600" algn="l" defTabSz="914400" rtl="0" eaLnBrk="1" latinLnBrk="0" hangingPunct="1">
+        <a:lnSpc>
+          <a:spcPct val="90000"/>
+        </a:lnSpc>
+        <a:spcBef>
+          <a:spcPts val="500"/>
+        </a:spcBef>
+        <a:buFont typeface="Arial" panose="020B0604020202020204" pitchFamily="34" charset="0"/>
+        <a:buChar char="•"/>
+        <a:defRPr sz="2000" kern="1200">
+          <a:solidFill>
+            <a:schemeClr val="tx1"/>
+          </a:solidFill>
+          <a:latin typeface="+mn-lt"/>
+          <a:ea typeface="+mn-ea"/>
+          <a:cs typeface="+mn-cs"/>
+        </a:defRPr>
+      </a:lvl3pPr>
+      <a:lvl4pPr marL="1600200" indent="-228600" algn="l" defTabSz="914400" rtl="0" eaLnBrk="1" latinLnBrk="0" hangingPunct="1">
+        <a:lnSpc>
+          <a:spcPct val="90000"/>
+        </a:lnSpc>
+        <a:spcBef>
+          <a:spcPts val="500"/>
         </a:spcBef>
         <a:buFont typeface="Arial" panose="020B0604020202020204" pitchFamily="34" charset="0"/>
         <a:buChar char="•"/>
@@ -2669,53 +3122,17 @@
           <a:ea typeface="+mn-ea"/>
           <a:cs typeface="+mn-cs"/>
         </a:defRPr>
-      </a:lvl2pPr>
-      <a:lvl3pPr marL="857250" indent="-171450" algn="l" defTabSz="685800" rtl="0" eaLnBrk="1" latinLnBrk="0" hangingPunct="1">
+      </a:lvl4pPr>
+      <a:lvl5pPr marL="2057400" indent="-228600" algn="l" defTabSz="914400" rtl="0" eaLnBrk="1" latinLnBrk="0" hangingPunct="1">
         <a:lnSpc>
           <a:spcPct val="90000"/>
         </a:lnSpc>
         <a:spcBef>
-          <a:spcPts val="375"/>
+          <a:spcPts val="500"/>
         </a:spcBef>
         <a:buFont typeface="Arial" panose="020B0604020202020204" pitchFamily="34" charset="0"/>
         <a:buChar char="•"/>
-        <a:defRPr sz="1500" kern="1200">
-          <a:solidFill>
-            <a:schemeClr val="tx1"/>
-          </a:solidFill>
-          <a:latin typeface="+mn-lt"/>
-          <a:ea typeface="+mn-ea"/>
-          <a:cs typeface="+mn-cs"/>
-        </a:defRPr>
-      </a:lvl3pPr>
-      <a:lvl4pPr marL="1200150" indent="-171450" algn="l" defTabSz="685800" rtl="0" eaLnBrk="1" latinLnBrk="0" hangingPunct="1">
-        <a:lnSpc>
-          <a:spcPct val="90000"/>
-        </a:lnSpc>
-        <a:spcBef>
-          <a:spcPts val="375"/>
-        </a:spcBef>
-        <a:buFont typeface="Arial" panose="020B0604020202020204" pitchFamily="34" charset="0"/>
-        <a:buChar char="•"/>
-        <a:defRPr sz="1350" kern="1200">
-          <a:solidFill>
-            <a:schemeClr val="tx1"/>
-          </a:solidFill>
-          <a:latin typeface="+mn-lt"/>
-          <a:ea typeface="+mn-ea"/>
-          <a:cs typeface="+mn-cs"/>
-        </a:defRPr>
-      </a:lvl4pPr>
-      <a:lvl5pPr marL="1543050" indent="-171450" algn="l" defTabSz="685800" rtl="0" eaLnBrk="1" latinLnBrk="0" hangingPunct="1">
-        <a:lnSpc>
-          <a:spcPct val="90000"/>
-        </a:lnSpc>
-        <a:spcBef>
-          <a:spcPts val="375"/>
-        </a:spcBef>
-        <a:buFont typeface="Arial" panose="020B0604020202020204" pitchFamily="34" charset="0"/>
-        <a:buChar char="•"/>
-        <a:defRPr sz="1350" kern="1200">
+        <a:defRPr sz="1800" kern="1200">
           <a:solidFill>
             <a:schemeClr val="tx1"/>
           </a:solidFill>
@@ -2724,16 +3141,16 @@
           <a:cs typeface="+mn-cs"/>
         </a:defRPr>
       </a:lvl5pPr>
-      <a:lvl6pPr marL="1885950" indent="-171450" algn="l" defTabSz="685800" rtl="0" eaLnBrk="1" latinLnBrk="0" hangingPunct="1">
+      <a:lvl6pPr marL="2514600" indent="-228600" algn="l" defTabSz="914400" rtl="0" eaLnBrk="1" latinLnBrk="0" hangingPunct="1">
         <a:lnSpc>
           <a:spcPct val="90000"/>
         </a:lnSpc>
         <a:spcBef>
-          <a:spcPts val="375"/>
+          <a:spcPts val="500"/>
         </a:spcBef>
         <a:buFont typeface="Arial" panose="020B0604020202020204" pitchFamily="34" charset="0"/>
         <a:buChar char="•"/>
-        <a:defRPr sz="1350" kern="1200">
+        <a:defRPr sz="1800" kern="1200">
           <a:solidFill>
             <a:schemeClr val="tx1"/>
           </a:solidFill>
@@ -2742,16 +3159,16 @@
           <a:cs typeface="+mn-cs"/>
         </a:defRPr>
       </a:lvl6pPr>
-      <a:lvl7pPr marL="2228850" indent="-171450" algn="l" defTabSz="685800" rtl="0" eaLnBrk="1" latinLnBrk="0" hangingPunct="1">
+      <a:lvl7pPr marL="2971800" indent="-228600" algn="l" defTabSz="914400" rtl="0" eaLnBrk="1" latinLnBrk="0" hangingPunct="1">
         <a:lnSpc>
           <a:spcPct val="90000"/>
         </a:lnSpc>
         <a:spcBef>
-          <a:spcPts val="375"/>
+          <a:spcPts val="500"/>
         </a:spcBef>
         <a:buFont typeface="Arial" panose="020B0604020202020204" pitchFamily="34" charset="0"/>
         <a:buChar char="•"/>
-        <a:defRPr sz="1350" kern="1200">
+        <a:defRPr sz="1800" kern="1200">
           <a:solidFill>
             <a:schemeClr val="tx1"/>
           </a:solidFill>
@@ -2760,16 +3177,16 @@
           <a:cs typeface="+mn-cs"/>
         </a:defRPr>
       </a:lvl7pPr>
-      <a:lvl8pPr marL="2571750" indent="-171450" algn="l" defTabSz="685800" rtl="0" eaLnBrk="1" latinLnBrk="0" hangingPunct="1">
+      <a:lvl8pPr marL="3429000" indent="-228600" algn="l" defTabSz="914400" rtl="0" eaLnBrk="1" latinLnBrk="0" hangingPunct="1">
         <a:lnSpc>
           <a:spcPct val="90000"/>
         </a:lnSpc>
         <a:spcBef>
-          <a:spcPts val="375"/>
+          <a:spcPts val="500"/>
         </a:spcBef>
         <a:buFont typeface="Arial" panose="020B0604020202020204" pitchFamily="34" charset="0"/>
         <a:buChar char="•"/>
-        <a:defRPr sz="1350" kern="1200">
+        <a:defRPr sz="1800" kern="1200">
           <a:solidFill>
             <a:schemeClr val="tx1"/>
           </a:solidFill>
@@ -2778,16 +3195,16 @@
           <a:cs typeface="+mn-cs"/>
         </a:defRPr>
       </a:lvl8pPr>
-      <a:lvl9pPr marL="2914650" indent="-171450" algn="l" defTabSz="685800" rtl="0" eaLnBrk="1" latinLnBrk="0" hangingPunct="1">
+      <a:lvl9pPr marL="3886200" indent="-228600" algn="l" defTabSz="914400" rtl="0" eaLnBrk="1" latinLnBrk="0" hangingPunct="1">
         <a:lnSpc>
           <a:spcPct val="90000"/>
         </a:lnSpc>
         <a:spcBef>
-          <a:spcPts val="375"/>
+          <a:spcPts val="500"/>
         </a:spcBef>
         <a:buFont typeface="Arial" panose="020B0604020202020204" pitchFamily="34" charset="0"/>
         <a:buChar char="•"/>
-        <a:defRPr sz="1350" kern="1200">
+        <a:defRPr sz="1800" kern="1200">
           <a:solidFill>
             <a:schemeClr val="tx1"/>
           </a:solidFill>
@@ -2801,8 +3218,8 @@
       <a:defPPr>
         <a:defRPr lang="en-US"/>
       </a:defPPr>
-      <a:lvl1pPr marL="0" algn="l" defTabSz="685800" rtl="0" eaLnBrk="1" latinLnBrk="0" hangingPunct="1">
-        <a:defRPr sz="1350" kern="1200">
+      <a:lvl1pPr marL="0" algn="l" defTabSz="914400" rtl="0" eaLnBrk="1" latinLnBrk="0" hangingPunct="1">
+        <a:defRPr sz="1800" kern="1200">
           <a:solidFill>
             <a:schemeClr val="tx1"/>
           </a:solidFill>
@@ -2811,8 +3228,8 @@
           <a:cs typeface="+mn-cs"/>
         </a:defRPr>
       </a:lvl1pPr>
-      <a:lvl2pPr marL="342900" algn="l" defTabSz="685800" rtl="0" eaLnBrk="1" latinLnBrk="0" hangingPunct="1">
-        <a:defRPr sz="1350" kern="1200">
+      <a:lvl2pPr marL="457200" algn="l" defTabSz="914400" rtl="0" eaLnBrk="1" latinLnBrk="0" hangingPunct="1">
+        <a:defRPr sz="1800" kern="1200">
           <a:solidFill>
             <a:schemeClr val="tx1"/>
           </a:solidFill>
@@ -2821,8 +3238,8 @@
           <a:cs typeface="+mn-cs"/>
         </a:defRPr>
       </a:lvl2pPr>
-      <a:lvl3pPr marL="685800" algn="l" defTabSz="685800" rtl="0" eaLnBrk="1" latinLnBrk="0" hangingPunct="1">
-        <a:defRPr sz="1350" kern="1200">
+      <a:lvl3pPr marL="914400" algn="l" defTabSz="914400" rtl="0" eaLnBrk="1" latinLnBrk="0" hangingPunct="1">
+        <a:defRPr sz="1800" kern="1200">
           <a:solidFill>
             <a:schemeClr val="tx1"/>
           </a:solidFill>
@@ -2831,8 +3248,8 @@
           <a:cs typeface="+mn-cs"/>
         </a:defRPr>
       </a:lvl3pPr>
-      <a:lvl4pPr marL="1028700" algn="l" defTabSz="685800" rtl="0" eaLnBrk="1" latinLnBrk="0" hangingPunct="1">
-        <a:defRPr sz="1350" kern="1200">
+      <a:lvl4pPr marL="1371600" algn="l" defTabSz="914400" rtl="0" eaLnBrk="1" latinLnBrk="0" hangingPunct="1">
+        <a:defRPr sz="1800" kern="1200">
           <a:solidFill>
             <a:schemeClr val="tx1"/>
           </a:solidFill>
@@ -2841,8 +3258,8 @@
           <a:cs typeface="+mn-cs"/>
         </a:defRPr>
       </a:lvl4pPr>
-      <a:lvl5pPr marL="1371600" algn="l" defTabSz="685800" rtl="0" eaLnBrk="1" latinLnBrk="0" hangingPunct="1">
-        <a:defRPr sz="1350" kern="1200">
+      <a:lvl5pPr marL="1828800" algn="l" defTabSz="914400" rtl="0" eaLnBrk="1" latinLnBrk="0" hangingPunct="1">
+        <a:defRPr sz="1800" kern="1200">
           <a:solidFill>
             <a:schemeClr val="tx1"/>
           </a:solidFill>
@@ -2851,8 +3268,8 @@
           <a:cs typeface="+mn-cs"/>
         </a:defRPr>
       </a:lvl5pPr>
-      <a:lvl6pPr marL="1714500" algn="l" defTabSz="685800" rtl="0" eaLnBrk="1" latinLnBrk="0" hangingPunct="1">
-        <a:defRPr sz="1350" kern="1200">
+      <a:lvl6pPr marL="2286000" algn="l" defTabSz="914400" rtl="0" eaLnBrk="1" latinLnBrk="0" hangingPunct="1">
+        <a:defRPr sz="1800" kern="1200">
           <a:solidFill>
             <a:schemeClr val="tx1"/>
           </a:solidFill>
@@ -2861,8 +3278,8 @@
           <a:cs typeface="+mn-cs"/>
         </a:defRPr>
       </a:lvl6pPr>
-      <a:lvl7pPr marL="2057400" algn="l" defTabSz="685800" rtl="0" eaLnBrk="1" latinLnBrk="0" hangingPunct="1">
-        <a:defRPr sz="1350" kern="1200">
+      <a:lvl7pPr marL="2743200" algn="l" defTabSz="914400" rtl="0" eaLnBrk="1" latinLnBrk="0" hangingPunct="1">
+        <a:defRPr sz="1800" kern="1200">
           <a:solidFill>
             <a:schemeClr val="tx1"/>
           </a:solidFill>
@@ -2871,8 +3288,8 @@
           <a:cs typeface="+mn-cs"/>
         </a:defRPr>
       </a:lvl7pPr>
-      <a:lvl8pPr marL="2400300" algn="l" defTabSz="685800" rtl="0" eaLnBrk="1" latinLnBrk="0" hangingPunct="1">
-        <a:defRPr sz="1350" kern="1200">
+      <a:lvl8pPr marL="3200400" algn="l" defTabSz="914400" rtl="0" eaLnBrk="1" latinLnBrk="0" hangingPunct="1">
+        <a:defRPr sz="1800" kern="1200">
           <a:solidFill>
             <a:schemeClr val="tx1"/>
           </a:solidFill>
@@ -2881,8 +3298,8 @@
           <a:cs typeface="+mn-cs"/>
         </a:defRPr>
       </a:lvl8pPr>
-      <a:lvl9pPr marL="2743200" algn="l" defTabSz="685800" rtl="0" eaLnBrk="1" latinLnBrk="0" hangingPunct="1">
-        <a:defRPr sz="1350" kern="1200">
+      <a:lvl9pPr marL="3657600" algn="l" defTabSz="914400" rtl="0" eaLnBrk="1" latinLnBrk="0" hangingPunct="1">
+        <a:defRPr sz="1800" kern="1200">
           <a:solidFill>
             <a:schemeClr val="tx1"/>
           </a:solidFill>
@@ -2913,15 +3330,48 @@
           <a:chExt cx="0" cy="0"/>
         </a:xfrm>
       </p:grpSpPr>
+      <p:sp>
+        <p:nvSpPr>
+          <p:cNvPr id="2" name="Title 1">
+            <a:extLst>
+              <a:ext uri="{FF2B5EF4-FFF2-40B4-BE49-F238E27FC236}">
+                <a16:creationId xmlns:a16="http://schemas.microsoft.com/office/drawing/2014/main" id="{7FDFA57D-7A11-48D9-8564-95D393E8A4A2}"/>
+              </a:ext>
+            </a:extLst>
+          </p:cNvPr>
+          <p:cNvSpPr>
+            <a:spLocks noGrp="1"/>
+          </p:cNvSpPr>
+          <p:nvPr>
+            <p:ph type="title"/>
+          </p:nvPr>
+        </p:nvSpPr>
+        <p:spPr/>
+        <p:txBody>
+          <a:bodyPr/>
+          <a:lstStyle/>
+          <a:p>
+            <a:endParaRPr lang="en-US"/>
+          </a:p>
+        </p:txBody>
+      </p:sp>
       <p:pic>
         <p:nvPicPr>
-          <p:cNvPr id="4" name="Picture 3"/>
+          <p:cNvPr id="5" name="Content Placeholder 4">
+            <a:extLst>
+              <a:ext uri="{FF2B5EF4-FFF2-40B4-BE49-F238E27FC236}">
+                <a16:creationId xmlns:a16="http://schemas.microsoft.com/office/drawing/2014/main" id="{558FA3CC-226B-4E18-9934-9D420E1FAAE3}"/>
+              </a:ext>
+            </a:extLst>
+          </p:cNvPr>
           <p:cNvPicPr>
-            <a:picLocks noChangeAspect="1"/>
+            <a:picLocks noGrp="1" noChangeAspect="1"/>
           </p:cNvPicPr>
-          <p:nvPr/>
+          <p:nvPr>
+            <p:ph idx="1"/>
+          </p:nvPr>
         </p:nvPicPr>
-        <p:blipFill rotWithShape="1">
+        <p:blipFill>
           <a:blip r:embed="rId2">
             <a:extLst>
               <a:ext uri="{28A0092B-C50C-407E-A947-70E740481C1C}">
@@ -2929,29 +3379,33 @@
               </a:ext>
             </a:extLst>
           </a:blip>
-          <a:srcRect r="42555" b="42946"/>
-          <a:stretch/>
+          <a:stretch>
+            <a:fillRect/>
+          </a:stretch>
         </p:blipFill>
         <p:spPr>
           <a:xfrm>
-            <a:off x="1108807" y="0"/>
-            <a:ext cx="5793154" cy="4446115"/>
+            <a:off x="-225598" y="-923205"/>
+            <a:ext cx="16789301" cy="12670187"/>
           </a:xfrm>
-          <a:prstGeom prst="rect">
-            <a:avLst/>
-          </a:prstGeom>
         </p:spPr>
       </p:pic>
       <p:sp>
         <p:nvSpPr>
-          <p:cNvPr id="5" name="TextBox 4"/>
+          <p:cNvPr id="3" name="TextBox 2">
+            <a:extLst>
+              <a:ext uri="{FF2B5EF4-FFF2-40B4-BE49-F238E27FC236}">
+                <a16:creationId xmlns:a16="http://schemas.microsoft.com/office/drawing/2014/main" id="{C73C690A-87BC-4F4B-8576-FDFD1B7D51CC}"/>
+              </a:ext>
+            </a:extLst>
+          </p:cNvPr>
           <p:cNvSpPr txBox="1"/>
           <p:nvPr/>
         </p:nvSpPr>
         <p:spPr>
           <a:xfrm>
-            <a:off x="2181469" y="4446115"/>
-            <a:ext cx="5573347" cy="300082"/>
+            <a:off x="1931350" y="6255521"/>
+            <a:ext cx="7144284" cy="457200"/>
           </a:xfrm>
           <a:prstGeom prst="rect">
             <a:avLst/>
@@ -2965,17 +3419,16 @@
           <a:lstStyle/>
           <a:p>
             <a:r>
-              <a:rPr lang="en-US" smtClean="0"/>
-              <a:t>Jack Blanc, Dylan Collins, Andrew Leung, Nicola Licata</a:t>
-            </a:r>
-            <a:endParaRPr lang="en-US" dirty="0"/>
+              <a:rPr lang="en-US" dirty="0"/>
+              <a:t>Nicola Licata, Jack Blanc, Dylan Collins, Andrew Leung</a:t>
+            </a:r>
           </a:p>
         </p:txBody>
       </p:sp>
     </p:spTree>
     <p:extLst>
       <p:ext uri="{BB962C8B-B14F-4D97-AF65-F5344CB8AC3E}">
-        <p14:creationId xmlns:p14="http://schemas.microsoft.com/office/powerpoint/2010/main" val="1016709979"/>
+        <p14:creationId xmlns:p14="http://schemas.microsoft.com/office/powerpoint/2010/main" val="4157002730"/>
       </p:ext>
     </p:extLst>
   </p:cSld>
@@ -2988,7 +3441,7 @@
 <file path=ppt/theme/theme1.xml><?xml version="1.0" encoding="utf-8"?>
 <a:theme xmlns:a="http://schemas.openxmlformats.org/drawingml/2006/main" name="Office Theme">
   <a:themeElements>
-    <a:clrScheme name="Office Theme">
+    <a:clrScheme name="Office">
       <a:dk1>
         <a:sysClr val="windowText" lastClr="000000"/>
       </a:dk1>
@@ -3026,7 +3479,7 @@
         <a:srgbClr val="954F72"/>
       </a:folHlink>
     </a:clrScheme>
-    <a:fontScheme name="Office Theme">
+    <a:fontScheme name="Office">
       <a:majorFont>
         <a:latin typeface="Calibri Light" panose="020F0302020204030204"/>
         <a:ea typeface=""/>
@@ -3061,6 +3514,23 @@
         <a:font script="Viet" typeface="Times New Roman"/>
         <a:font script="Uigh" typeface="Microsoft Uighur"/>
         <a:font script="Geor" typeface="Sylfaen"/>
+        <a:font script="Armn" typeface="Arial"/>
+        <a:font script="Bugi" typeface="Leelawadee UI"/>
+        <a:font script="Bopo" typeface="Microsoft JhengHei"/>
+        <a:font script="Java" typeface="Javanese Text"/>
+        <a:font script="Lisu" typeface="Segoe UI"/>
+        <a:font script="Mymr" typeface="Myanmar Text"/>
+        <a:font script="Nkoo" typeface="Ebrima"/>
+        <a:font script="Olck" typeface="Nirmala UI"/>
+        <a:font script="Osma" typeface="Ebrima"/>
+        <a:font script="Phag" typeface="Phagspa"/>
+        <a:font script="Syrn" typeface="Estrangelo Edessa"/>
+        <a:font script="Syrj" typeface="Estrangelo Edessa"/>
+        <a:font script="Syre" typeface="Estrangelo Edessa"/>
+        <a:font script="Sora" typeface="Nirmala UI"/>
+        <a:font script="Tale" typeface="Microsoft Tai Le"/>
+        <a:font script="Talu" typeface="Microsoft New Tai Lue"/>
+        <a:font script="Tfng" typeface="Ebrima"/>
       </a:majorFont>
       <a:minorFont>
         <a:latin typeface="Calibri" panose="020F0502020204030204"/>
@@ -3096,9 +3566,26 @@
         <a:font script="Viet" typeface="Arial"/>
         <a:font script="Uigh" typeface="Microsoft Uighur"/>
         <a:font script="Geor" typeface="Sylfaen"/>
+        <a:font script="Armn" typeface="Arial"/>
+        <a:font script="Bugi" typeface="Leelawadee UI"/>
+        <a:font script="Bopo" typeface="Microsoft JhengHei"/>
+        <a:font script="Java" typeface="Javanese Text"/>
+        <a:font script="Lisu" typeface="Segoe UI"/>
+        <a:font script="Mymr" typeface="Myanmar Text"/>
+        <a:font script="Nkoo" typeface="Ebrima"/>
+        <a:font script="Olck" typeface="Nirmala UI"/>
+        <a:font script="Osma" typeface="Ebrima"/>
+        <a:font script="Phag" typeface="Phagspa"/>
+        <a:font script="Syrn" typeface="Estrangelo Edessa"/>
+        <a:font script="Syrj" typeface="Estrangelo Edessa"/>
+        <a:font script="Syre" typeface="Estrangelo Edessa"/>
+        <a:font script="Sora" typeface="Nirmala UI"/>
+        <a:font script="Tale" typeface="Microsoft Tai Le"/>
+        <a:font script="Talu" typeface="Microsoft New Tai Lue"/>
+        <a:font script="Tfng" typeface="Ebrima"/>
       </a:minorFont>
     </a:fontScheme>
-    <a:fmtScheme name="Office Theme">
+    <a:fmtScheme name="Office">
       <a:fillStyleLst>
         <a:solidFill>
           <a:schemeClr val="phClr"/>

--- a/er.pptx
+++ b/er.pptx
@@ -5,7 +5,7 @@
     <p:sldMasterId id="2147483648" r:id="rId1"/>
   </p:sldMasterIdLst>
   <p:sldIdLst>
-    <p:sldId id="257" r:id="rId2"/>
+    <p:sldId id="256" r:id="rId2"/>
   </p:sldIdLst>
   <p:sldSz cx="12192000" cy="6858000"/>
   <p:notesSz cx="6858000" cy="9144000"/>
@@ -104,16 +104,7 @@
       </a:defRPr>
     </a:lvl9pPr>
   </p:defaultTextStyle>
-  <p:extLst>
-    <p:ext uri="{EFAFB233-063F-42B5-8137-9DF3F51BA10A}">
-      <p15:sldGuideLst xmlns:p15="http://schemas.microsoft.com/office/powerpoint/2012/main"/>
-    </p:ext>
-  </p:extLst>
 </p:presentation>
-</file>
-
-<file path=ppt/revisionInfo.xml><?xml version="1.0" encoding="utf-8"?>
-<p1510:revInfo xmlns:a="http://schemas.openxmlformats.org/drawingml/2006/main" xmlns:r="http://schemas.openxmlformats.org/officeDocument/2006/relationships" xmlns:p1510="http://schemas.microsoft.com/office/powerpoint/2015/10/main"/>
 </file>
 
 <file path=ppt/slideLayouts/slideLayout1.xml><?xml version="1.0" encoding="utf-8"?>
@@ -138,7 +129,7 @@
           <p:cNvPr id="2" name="Title 1">
             <a:extLst>
               <a:ext uri="{FF2B5EF4-FFF2-40B4-BE49-F238E27FC236}">
-                <a16:creationId xmlns:a16="http://schemas.microsoft.com/office/drawing/2014/main" id="{6C93C5E3-3F34-40A4-BDD8-9694FAD01902}"/>
+                <a16:creationId xmlns:a16="http://schemas.microsoft.com/office/drawing/2014/main" id="{6EE7A136-9534-4603-919E-06254D955BE2}"/>
               </a:ext>
             </a:extLst>
           </p:cNvPr>
@@ -175,7 +166,7 @@
           <p:cNvPr id="3" name="Subtitle 2">
             <a:extLst>
               <a:ext uri="{FF2B5EF4-FFF2-40B4-BE49-F238E27FC236}">
-                <a16:creationId xmlns:a16="http://schemas.microsoft.com/office/drawing/2014/main" id="{692BD4FB-055D-4998-9F6D-B2E041EF43C7}"/>
+                <a16:creationId xmlns:a16="http://schemas.microsoft.com/office/drawing/2014/main" id="{9DE9B203-EF8D-499E-A5E6-71F25A79BEB4}"/>
               </a:ext>
             </a:extLst>
           </p:cNvPr>
@@ -245,7 +236,7 @@
           <p:cNvPr id="4" name="Date Placeholder 3">
             <a:extLst>
               <a:ext uri="{FF2B5EF4-FFF2-40B4-BE49-F238E27FC236}">
-                <a16:creationId xmlns:a16="http://schemas.microsoft.com/office/drawing/2014/main" id="{F21A41DC-7F06-4F0D-A894-6F58FE4F26E9}"/>
+                <a16:creationId xmlns:a16="http://schemas.microsoft.com/office/drawing/2014/main" id="{F2EF21DC-8C92-45BA-8F79-BCDE8E0A803F}"/>
               </a:ext>
             </a:extLst>
           </p:cNvPr>
@@ -261,9 +252,9 @@
           <a:bodyPr/>
           <a:lstStyle/>
           <a:p>
-            <a:fld id="{2DE90497-CD8E-43F8-91E6-3FAD70B3C54F}" type="datetimeFigureOut">
+            <a:fld id="{6D8DF9DE-08FD-47B7-A7A7-012A47613FCB}" type="datetimeFigureOut">
               <a:rPr lang="en-US" smtClean="0"/>
-              <a:t>2/23/2018</a:t>
+              <a:t>4/5/2018</a:t>
             </a:fld>
             <a:endParaRPr lang="en-US"/>
           </a:p>
@@ -274,7 +265,7 @@
           <p:cNvPr id="5" name="Footer Placeholder 4">
             <a:extLst>
               <a:ext uri="{FF2B5EF4-FFF2-40B4-BE49-F238E27FC236}">
-                <a16:creationId xmlns:a16="http://schemas.microsoft.com/office/drawing/2014/main" id="{F81881FD-1797-4ACC-A57F-CA443BBF783C}"/>
+                <a16:creationId xmlns:a16="http://schemas.microsoft.com/office/drawing/2014/main" id="{AD8ED386-A939-4164-8EAE-5992E8E7D5F0}"/>
               </a:ext>
             </a:extLst>
           </p:cNvPr>
@@ -299,7 +290,7 @@
           <p:cNvPr id="6" name="Slide Number Placeholder 5">
             <a:extLst>
               <a:ext uri="{FF2B5EF4-FFF2-40B4-BE49-F238E27FC236}">
-                <a16:creationId xmlns:a16="http://schemas.microsoft.com/office/drawing/2014/main" id="{0EBE443A-E8EF-4CE3-A97D-95E72A60544A}"/>
+                <a16:creationId xmlns:a16="http://schemas.microsoft.com/office/drawing/2014/main" id="{4C536B6D-42BB-4EF4-911A-4E5D07293552}"/>
               </a:ext>
             </a:extLst>
           </p:cNvPr>
@@ -315,7 +306,7 @@
           <a:bodyPr/>
           <a:lstStyle/>
           <a:p>
-            <a:fld id="{9364A989-5472-48DC-A478-5EFAF045A946}" type="slidenum">
+            <a:fld id="{2A64B54A-9C63-4063-941B-1F0F50B38B01}" type="slidenum">
               <a:rPr lang="en-US" smtClean="0"/>
               <a:t>‹#›</a:t>
             </a:fld>
@@ -326,7 +317,7 @@
     </p:spTree>
     <p:extLst>
       <p:ext uri="{BB962C8B-B14F-4D97-AF65-F5344CB8AC3E}">
-        <p14:creationId xmlns:p14="http://schemas.microsoft.com/office/powerpoint/2010/main" val="1243027862"/>
+        <p14:creationId xmlns:p14="http://schemas.microsoft.com/office/powerpoint/2010/main" val="1225190894"/>
       </p:ext>
     </p:extLst>
   </p:cSld>
@@ -358,7 +349,7 @@
           <p:cNvPr id="2" name="Title 1">
             <a:extLst>
               <a:ext uri="{FF2B5EF4-FFF2-40B4-BE49-F238E27FC236}">
-                <a16:creationId xmlns:a16="http://schemas.microsoft.com/office/drawing/2014/main" id="{188362B1-F514-4B13-9C4E-646C15127130}"/>
+                <a16:creationId xmlns:a16="http://schemas.microsoft.com/office/drawing/2014/main" id="{23BD72B9-55BC-435D-BD21-904748B15C30}"/>
               </a:ext>
             </a:extLst>
           </p:cNvPr>
@@ -386,7 +377,7 @@
           <p:cNvPr id="3" name="Vertical Text Placeholder 2">
             <a:extLst>
               <a:ext uri="{FF2B5EF4-FFF2-40B4-BE49-F238E27FC236}">
-                <a16:creationId xmlns:a16="http://schemas.microsoft.com/office/drawing/2014/main" id="{7D01C5C5-C2CC-4630-8E61-5BECD4B8E6A3}"/>
+                <a16:creationId xmlns:a16="http://schemas.microsoft.com/office/drawing/2014/main" id="{2309E8C5-750C-4F04-995B-E212E3C27D2B}"/>
               </a:ext>
             </a:extLst>
           </p:cNvPr>
@@ -443,7 +434,7 @@
           <p:cNvPr id="4" name="Date Placeholder 3">
             <a:extLst>
               <a:ext uri="{FF2B5EF4-FFF2-40B4-BE49-F238E27FC236}">
-                <a16:creationId xmlns:a16="http://schemas.microsoft.com/office/drawing/2014/main" id="{9ABC7015-5C35-45C8-954F-930CA8C15929}"/>
+                <a16:creationId xmlns:a16="http://schemas.microsoft.com/office/drawing/2014/main" id="{A0EC184A-7900-45B6-B7E5-0A3424BC4C04}"/>
               </a:ext>
             </a:extLst>
           </p:cNvPr>
@@ -459,9 +450,9 @@
           <a:bodyPr/>
           <a:lstStyle/>
           <a:p>
-            <a:fld id="{2DE90497-CD8E-43F8-91E6-3FAD70B3C54F}" type="datetimeFigureOut">
+            <a:fld id="{6D8DF9DE-08FD-47B7-A7A7-012A47613FCB}" type="datetimeFigureOut">
               <a:rPr lang="en-US" smtClean="0"/>
-              <a:t>2/23/2018</a:t>
+              <a:t>4/5/2018</a:t>
             </a:fld>
             <a:endParaRPr lang="en-US"/>
           </a:p>
@@ -472,7 +463,7 @@
           <p:cNvPr id="5" name="Footer Placeholder 4">
             <a:extLst>
               <a:ext uri="{FF2B5EF4-FFF2-40B4-BE49-F238E27FC236}">
-                <a16:creationId xmlns:a16="http://schemas.microsoft.com/office/drawing/2014/main" id="{87A211BD-F9E2-4137-8DEF-F5A0450CBD65}"/>
+                <a16:creationId xmlns:a16="http://schemas.microsoft.com/office/drawing/2014/main" id="{64D679D8-1543-4522-A0C9-200C2D269124}"/>
               </a:ext>
             </a:extLst>
           </p:cNvPr>
@@ -497,7 +488,7 @@
           <p:cNvPr id="6" name="Slide Number Placeholder 5">
             <a:extLst>
               <a:ext uri="{FF2B5EF4-FFF2-40B4-BE49-F238E27FC236}">
-                <a16:creationId xmlns:a16="http://schemas.microsoft.com/office/drawing/2014/main" id="{F764CF67-5ED9-4252-87FE-5C2DA9D8E99A}"/>
+                <a16:creationId xmlns:a16="http://schemas.microsoft.com/office/drawing/2014/main" id="{0E0B0A61-9BC3-4A66-BFCF-11B158F03060}"/>
               </a:ext>
             </a:extLst>
           </p:cNvPr>
@@ -513,7 +504,7 @@
           <a:bodyPr/>
           <a:lstStyle/>
           <a:p>
-            <a:fld id="{9364A989-5472-48DC-A478-5EFAF045A946}" type="slidenum">
+            <a:fld id="{2A64B54A-9C63-4063-941B-1F0F50B38B01}" type="slidenum">
               <a:rPr lang="en-US" smtClean="0"/>
               <a:t>‹#›</a:t>
             </a:fld>
@@ -524,7 +515,7 @@
     </p:spTree>
     <p:extLst>
       <p:ext uri="{BB962C8B-B14F-4D97-AF65-F5344CB8AC3E}">
-        <p14:creationId xmlns:p14="http://schemas.microsoft.com/office/powerpoint/2010/main" val="2695704445"/>
+        <p14:creationId xmlns:p14="http://schemas.microsoft.com/office/powerpoint/2010/main" val="34716470"/>
       </p:ext>
     </p:extLst>
   </p:cSld>
@@ -556,7 +547,7 @@
           <p:cNvPr id="2" name="Vertical Title 1">
             <a:extLst>
               <a:ext uri="{FF2B5EF4-FFF2-40B4-BE49-F238E27FC236}">
-                <a16:creationId xmlns:a16="http://schemas.microsoft.com/office/drawing/2014/main" id="{1CA833FC-B72D-4EF2-A9A1-D550792E0620}"/>
+                <a16:creationId xmlns:a16="http://schemas.microsoft.com/office/drawing/2014/main" id="{B3ECD6DA-8C84-4FBD-89A5-C7AB074F3BD2}"/>
               </a:ext>
             </a:extLst>
           </p:cNvPr>
@@ -589,7 +580,7 @@
           <p:cNvPr id="3" name="Vertical Text Placeholder 2">
             <a:extLst>
               <a:ext uri="{FF2B5EF4-FFF2-40B4-BE49-F238E27FC236}">
-                <a16:creationId xmlns:a16="http://schemas.microsoft.com/office/drawing/2014/main" id="{D71DE1D9-9E05-4430-BC00-F06157EF74FF}"/>
+                <a16:creationId xmlns:a16="http://schemas.microsoft.com/office/drawing/2014/main" id="{7E6D2E58-BA5D-4CAA-AB74-6F6D9ED5D638}"/>
               </a:ext>
             </a:extLst>
           </p:cNvPr>
@@ -651,7 +642,7 @@
           <p:cNvPr id="4" name="Date Placeholder 3">
             <a:extLst>
               <a:ext uri="{FF2B5EF4-FFF2-40B4-BE49-F238E27FC236}">
-                <a16:creationId xmlns:a16="http://schemas.microsoft.com/office/drawing/2014/main" id="{606793B3-E729-41B4-8303-134CDC367AF3}"/>
+                <a16:creationId xmlns:a16="http://schemas.microsoft.com/office/drawing/2014/main" id="{18F91C5D-A211-4343-BCD1-189AF863AE58}"/>
               </a:ext>
             </a:extLst>
           </p:cNvPr>
@@ -667,9 +658,9 @@
           <a:bodyPr/>
           <a:lstStyle/>
           <a:p>
-            <a:fld id="{2DE90497-CD8E-43F8-91E6-3FAD70B3C54F}" type="datetimeFigureOut">
+            <a:fld id="{6D8DF9DE-08FD-47B7-A7A7-012A47613FCB}" type="datetimeFigureOut">
               <a:rPr lang="en-US" smtClean="0"/>
-              <a:t>2/23/2018</a:t>
+              <a:t>4/5/2018</a:t>
             </a:fld>
             <a:endParaRPr lang="en-US"/>
           </a:p>
@@ -680,7 +671,7 @@
           <p:cNvPr id="5" name="Footer Placeholder 4">
             <a:extLst>
               <a:ext uri="{FF2B5EF4-FFF2-40B4-BE49-F238E27FC236}">
-                <a16:creationId xmlns:a16="http://schemas.microsoft.com/office/drawing/2014/main" id="{174A5BEE-459E-433E-967F-5C24C8D8F719}"/>
+                <a16:creationId xmlns:a16="http://schemas.microsoft.com/office/drawing/2014/main" id="{C9398E56-3A6A-442B-984D-B65DFFF2ADDE}"/>
               </a:ext>
             </a:extLst>
           </p:cNvPr>
@@ -705,7 +696,7 @@
           <p:cNvPr id="6" name="Slide Number Placeholder 5">
             <a:extLst>
               <a:ext uri="{FF2B5EF4-FFF2-40B4-BE49-F238E27FC236}">
-                <a16:creationId xmlns:a16="http://schemas.microsoft.com/office/drawing/2014/main" id="{CD32F458-6B73-4C4B-B582-8C1FA378D58F}"/>
+                <a16:creationId xmlns:a16="http://schemas.microsoft.com/office/drawing/2014/main" id="{D062CEF8-9C32-42C5-844E-09E9E0FFAF81}"/>
               </a:ext>
             </a:extLst>
           </p:cNvPr>
@@ -721,7 +712,7 @@
           <a:bodyPr/>
           <a:lstStyle/>
           <a:p>
-            <a:fld id="{9364A989-5472-48DC-A478-5EFAF045A946}" type="slidenum">
+            <a:fld id="{2A64B54A-9C63-4063-941B-1F0F50B38B01}" type="slidenum">
               <a:rPr lang="en-US" smtClean="0"/>
               <a:t>‹#›</a:t>
             </a:fld>
@@ -732,7 +723,7 @@
     </p:spTree>
     <p:extLst>
       <p:ext uri="{BB962C8B-B14F-4D97-AF65-F5344CB8AC3E}">
-        <p14:creationId xmlns:p14="http://schemas.microsoft.com/office/powerpoint/2010/main" val="1131206208"/>
+        <p14:creationId xmlns:p14="http://schemas.microsoft.com/office/powerpoint/2010/main" val="3527008598"/>
       </p:ext>
     </p:extLst>
   </p:cSld>
@@ -764,7 +755,7 @@
           <p:cNvPr id="2" name="Title 1">
             <a:extLst>
               <a:ext uri="{FF2B5EF4-FFF2-40B4-BE49-F238E27FC236}">
-                <a16:creationId xmlns:a16="http://schemas.microsoft.com/office/drawing/2014/main" id="{2584E875-5B1E-4DA0-A688-2AD65D4FDBE6}"/>
+                <a16:creationId xmlns:a16="http://schemas.microsoft.com/office/drawing/2014/main" id="{45B79335-E33E-47CF-9EC4-0720EF405D26}"/>
               </a:ext>
             </a:extLst>
           </p:cNvPr>
@@ -792,7 +783,7 @@
           <p:cNvPr id="3" name="Content Placeholder 2">
             <a:extLst>
               <a:ext uri="{FF2B5EF4-FFF2-40B4-BE49-F238E27FC236}">
-                <a16:creationId xmlns:a16="http://schemas.microsoft.com/office/drawing/2014/main" id="{9CAB447E-3A0A-41C1-8418-8F0D9D55449C}"/>
+                <a16:creationId xmlns:a16="http://schemas.microsoft.com/office/drawing/2014/main" id="{BFE60F4A-8846-4586-A54B-E5F9575E2D5C}"/>
               </a:ext>
             </a:extLst>
           </p:cNvPr>
@@ -849,7 +840,7 @@
           <p:cNvPr id="4" name="Date Placeholder 3">
             <a:extLst>
               <a:ext uri="{FF2B5EF4-FFF2-40B4-BE49-F238E27FC236}">
-                <a16:creationId xmlns:a16="http://schemas.microsoft.com/office/drawing/2014/main" id="{BC1BB11B-C201-4EA7-A58A-14A46BDAC586}"/>
+                <a16:creationId xmlns:a16="http://schemas.microsoft.com/office/drawing/2014/main" id="{2F9376A3-973E-4C57-BF22-1B5881517B46}"/>
               </a:ext>
             </a:extLst>
           </p:cNvPr>
@@ -865,9 +856,9 @@
           <a:bodyPr/>
           <a:lstStyle/>
           <a:p>
-            <a:fld id="{2DE90497-CD8E-43F8-91E6-3FAD70B3C54F}" type="datetimeFigureOut">
+            <a:fld id="{6D8DF9DE-08FD-47B7-A7A7-012A47613FCB}" type="datetimeFigureOut">
               <a:rPr lang="en-US" smtClean="0"/>
-              <a:t>2/23/2018</a:t>
+              <a:t>4/5/2018</a:t>
             </a:fld>
             <a:endParaRPr lang="en-US"/>
           </a:p>
@@ -878,7 +869,7 @@
           <p:cNvPr id="5" name="Footer Placeholder 4">
             <a:extLst>
               <a:ext uri="{FF2B5EF4-FFF2-40B4-BE49-F238E27FC236}">
-                <a16:creationId xmlns:a16="http://schemas.microsoft.com/office/drawing/2014/main" id="{21136757-BD00-48D8-83C8-FB82CEE420CB}"/>
+                <a16:creationId xmlns:a16="http://schemas.microsoft.com/office/drawing/2014/main" id="{1074A0F4-0ACA-4CD1-8C5A-F73B251B9025}"/>
               </a:ext>
             </a:extLst>
           </p:cNvPr>
@@ -903,7 +894,7 @@
           <p:cNvPr id="6" name="Slide Number Placeholder 5">
             <a:extLst>
               <a:ext uri="{FF2B5EF4-FFF2-40B4-BE49-F238E27FC236}">
-                <a16:creationId xmlns:a16="http://schemas.microsoft.com/office/drawing/2014/main" id="{899DEBA3-BFF3-40FF-B4A7-987E35E4F3E3}"/>
+                <a16:creationId xmlns:a16="http://schemas.microsoft.com/office/drawing/2014/main" id="{25AE2778-874C-461B-BA96-5B10BB92308B}"/>
               </a:ext>
             </a:extLst>
           </p:cNvPr>
@@ -919,7 +910,7 @@
           <a:bodyPr/>
           <a:lstStyle/>
           <a:p>
-            <a:fld id="{9364A989-5472-48DC-A478-5EFAF045A946}" type="slidenum">
+            <a:fld id="{2A64B54A-9C63-4063-941B-1F0F50B38B01}" type="slidenum">
               <a:rPr lang="en-US" smtClean="0"/>
               <a:t>‹#›</a:t>
             </a:fld>
@@ -930,7 +921,7 @@
     </p:spTree>
     <p:extLst>
       <p:ext uri="{BB962C8B-B14F-4D97-AF65-F5344CB8AC3E}">
-        <p14:creationId xmlns:p14="http://schemas.microsoft.com/office/powerpoint/2010/main" val="558828011"/>
+        <p14:creationId xmlns:p14="http://schemas.microsoft.com/office/powerpoint/2010/main" val="258591749"/>
       </p:ext>
     </p:extLst>
   </p:cSld>
@@ -962,7 +953,7 @@
           <p:cNvPr id="2" name="Title 1">
             <a:extLst>
               <a:ext uri="{FF2B5EF4-FFF2-40B4-BE49-F238E27FC236}">
-                <a16:creationId xmlns:a16="http://schemas.microsoft.com/office/drawing/2014/main" id="{F467868D-3383-4538-822E-2FFE2144BAAE}"/>
+                <a16:creationId xmlns:a16="http://schemas.microsoft.com/office/drawing/2014/main" id="{31B4CBEF-7BE4-4D61-9237-5E0F6AAD09FA}"/>
               </a:ext>
             </a:extLst>
           </p:cNvPr>
@@ -999,7 +990,7 @@
           <p:cNvPr id="3" name="Text Placeholder 2">
             <a:extLst>
               <a:ext uri="{FF2B5EF4-FFF2-40B4-BE49-F238E27FC236}">
-                <a16:creationId xmlns:a16="http://schemas.microsoft.com/office/drawing/2014/main" id="{211E05B5-C492-4DB2-A07F-64DC8DC035B6}"/>
+                <a16:creationId xmlns:a16="http://schemas.microsoft.com/office/drawing/2014/main" id="{ADEB6445-F3D9-4829-81B5-61757308A5A6}"/>
               </a:ext>
             </a:extLst>
           </p:cNvPr>
@@ -1124,7 +1115,7 @@
           <p:cNvPr id="4" name="Date Placeholder 3">
             <a:extLst>
               <a:ext uri="{FF2B5EF4-FFF2-40B4-BE49-F238E27FC236}">
-                <a16:creationId xmlns:a16="http://schemas.microsoft.com/office/drawing/2014/main" id="{99022B65-816D-4A10-B314-BA2699331E55}"/>
+                <a16:creationId xmlns:a16="http://schemas.microsoft.com/office/drawing/2014/main" id="{E30ACD30-61BB-4B6E-8052-8F9952AAEC75}"/>
               </a:ext>
             </a:extLst>
           </p:cNvPr>
@@ -1140,9 +1131,9 @@
           <a:bodyPr/>
           <a:lstStyle/>
           <a:p>
-            <a:fld id="{2DE90497-CD8E-43F8-91E6-3FAD70B3C54F}" type="datetimeFigureOut">
+            <a:fld id="{6D8DF9DE-08FD-47B7-A7A7-012A47613FCB}" type="datetimeFigureOut">
               <a:rPr lang="en-US" smtClean="0"/>
-              <a:t>2/23/2018</a:t>
+              <a:t>4/5/2018</a:t>
             </a:fld>
             <a:endParaRPr lang="en-US"/>
           </a:p>
@@ -1153,7 +1144,7 @@
           <p:cNvPr id="5" name="Footer Placeholder 4">
             <a:extLst>
               <a:ext uri="{FF2B5EF4-FFF2-40B4-BE49-F238E27FC236}">
-                <a16:creationId xmlns:a16="http://schemas.microsoft.com/office/drawing/2014/main" id="{698599E5-6D09-464C-B18B-FF6694C74F49}"/>
+                <a16:creationId xmlns:a16="http://schemas.microsoft.com/office/drawing/2014/main" id="{F4C48AFA-6B4F-4FC9-8B8A-73E033AC60C6}"/>
               </a:ext>
             </a:extLst>
           </p:cNvPr>
@@ -1178,7 +1169,7 @@
           <p:cNvPr id="6" name="Slide Number Placeholder 5">
             <a:extLst>
               <a:ext uri="{FF2B5EF4-FFF2-40B4-BE49-F238E27FC236}">
-                <a16:creationId xmlns:a16="http://schemas.microsoft.com/office/drawing/2014/main" id="{16FFFDE3-DC13-42C5-8D3F-3C262E546B7E}"/>
+                <a16:creationId xmlns:a16="http://schemas.microsoft.com/office/drawing/2014/main" id="{194789A9-9CD1-4987-A3C2-CA972415880F}"/>
               </a:ext>
             </a:extLst>
           </p:cNvPr>
@@ -1194,7 +1185,7 @@
           <a:bodyPr/>
           <a:lstStyle/>
           <a:p>
-            <a:fld id="{9364A989-5472-48DC-A478-5EFAF045A946}" type="slidenum">
+            <a:fld id="{2A64B54A-9C63-4063-941B-1F0F50B38B01}" type="slidenum">
               <a:rPr lang="en-US" smtClean="0"/>
               <a:t>‹#›</a:t>
             </a:fld>
@@ -1205,7 +1196,7 @@
     </p:spTree>
     <p:extLst>
       <p:ext uri="{BB962C8B-B14F-4D97-AF65-F5344CB8AC3E}">
-        <p14:creationId xmlns:p14="http://schemas.microsoft.com/office/powerpoint/2010/main" val="2130453448"/>
+        <p14:creationId xmlns:p14="http://schemas.microsoft.com/office/powerpoint/2010/main" val="2345335963"/>
       </p:ext>
     </p:extLst>
   </p:cSld>
@@ -1237,7 +1228,7 @@
           <p:cNvPr id="2" name="Title 1">
             <a:extLst>
               <a:ext uri="{FF2B5EF4-FFF2-40B4-BE49-F238E27FC236}">
-                <a16:creationId xmlns:a16="http://schemas.microsoft.com/office/drawing/2014/main" id="{69B25FB2-B339-4DE6-A976-F99A4D8A8F8A}"/>
+                <a16:creationId xmlns:a16="http://schemas.microsoft.com/office/drawing/2014/main" id="{2D9B1411-F83A-4A29-825B-ADC0E40012A8}"/>
               </a:ext>
             </a:extLst>
           </p:cNvPr>
@@ -1265,7 +1256,7 @@
           <p:cNvPr id="3" name="Content Placeholder 2">
             <a:extLst>
               <a:ext uri="{FF2B5EF4-FFF2-40B4-BE49-F238E27FC236}">
-                <a16:creationId xmlns:a16="http://schemas.microsoft.com/office/drawing/2014/main" id="{70C7B1C3-1006-4AA6-A041-9E569B81D75C}"/>
+                <a16:creationId xmlns:a16="http://schemas.microsoft.com/office/drawing/2014/main" id="{BFCDE878-14DE-40BD-B968-66E11E4F5749}"/>
               </a:ext>
             </a:extLst>
           </p:cNvPr>
@@ -1327,7 +1318,7 @@
           <p:cNvPr id="4" name="Content Placeholder 3">
             <a:extLst>
               <a:ext uri="{FF2B5EF4-FFF2-40B4-BE49-F238E27FC236}">
-                <a16:creationId xmlns:a16="http://schemas.microsoft.com/office/drawing/2014/main" id="{59C9FE5A-6C04-4244-B238-21C5724A239F}"/>
+                <a16:creationId xmlns:a16="http://schemas.microsoft.com/office/drawing/2014/main" id="{E04330ED-4DB6-4AA2-9114-3F09E738CF5B}"/>
               </a:ext>
             </a:extLst>
           </p:cNvPr>
@@ -1389,7 +1380,7 @@
           <p:cNvPr id="5" name="Date Placeholder 4">
             <a:extLst>
               <a:ext uri="{FF2B5EF4-FFF2-40B4-BE49-F238E27FC236}">
-                <a16:creationId xmlns:a16="http://schemas.microsoft.com/office/drawing/2014/main" id="{B0411E9A-F05A-4179-8F37-E1B108EE0B93}"/>
+                <a16:creationId xmlns:a16="http://schemas.microsoft.com/office/drawing/2014/main" id="{FF43E78D-A917-434C-B37D-2C1EFFDAAA38}"/>
               </a:ext>
             </a:extLst>
           </p:cNvPr>
@@ -1405,9 +1396,9 @@
           <a:bodyPr/>
           <a:lstStyle/>
           <a:p>
-            <a:fld id="{2DE90497-CD8E-43F8-91E6-3FAD70B3C54F}" type="datetimeFigureOut">
+            <a:fld id="{6D8DF9DE-08FD-47B7-A7A7-012A47613FCB}" type="datetimeFigureOut">
               <a:rPr lang="en-US" smtClean="0"/>
-              <a:t>2/23/2018</a:t>
+              <a:t>4/5/2018</a:t>
             </a:fld>
             <a:endParaRPr lang="en-US"/>
           </a:p>
@@ -1418,7 +1409,7 @@
           <p:cNvPr id="6" name="Footer Placeholder 5">
             <a:extLst>
               <a:ext uri="{FF2B5EF4-FFF2-40B4-BE49-F238E27FC236}">
-                <a16:creationId xmlns:a16="http://schemas.microsoft.com/office/drawing/2014/main" id="{B6163E0B-3863-4CC7-8548-5E56DA62824A}"/>
+                <a16:creationId xmlns:a16="http://schemas.microsoft.com/office/drawing/2014/main" id="{70EDD738-FE0A-466F-9E83-CCA2C9A6765B}"/>
               </a:ext>
             </a:extLst>
           </p:cNvPr>
@@ -1443,7 +1434,7 @@
           <p:cNvPr id="7" name="Slide Number Placeholder 6">
             <a:extLst>
               <a:ext uri="{FF2B5EF4-FFF2-40B4-BE49-F238E27FC236}">
-                <a16:creationId xmlns:a16="http://schemas.microsoft.com/office/drawing/2014/main" id="{90D21141-D823-477C-BC38-A1F9C5172FC2}"/>
+                <a16:creationId xmlns:a16="http://schemas.microsoft.com/office/drawing/2014/main" id="{7B61BA2A-A69E-4A38-AF9D-22EA263FACA8}"/>
               </a:ext>
             </a:extLst>
           </p:cNvPr>
@@ -1459,7 +1450,7 @@
           <a:bodyPr/>
           <a:lstStyle/>
           <a:p>
-            <a:fld id="{9364A989-5472-48DC-A478-5EFAF045A946}" type="slidenum">
+            <a:fld id="{2A64B54A-9C63-4063-941B-1F0F50B38B01}" type="slidenum">
               <a:rPr lang="en-US" smtClean="0"/>
               <a:t>‹#›</a:t>
             </a:fld>
@@ -1470,7 +1461,7 @@
     </p:spTree>
     <p:extLst>
       <p:ext uri="{BB962C8B-B14F-4D97-AF65-F5344CB8AC3E}">
-        <p14:creationId xmlns:p14="http://schemas.microsoft.com/office/powerpoint/2010/main" val="285713975"/>
+        <p14:creationId xmlns:p14="http://schemas.microsoft.com/office/powerpoint/2010/main" val="3770913417"/>
       </p:ext>
     </p:extLst>
   </p:cSld>
@@ -1502,7 +1493,7 @@
           <p:cNvPr id="2" name="Title 1">
             <a:extLst>
               <a:ext uri="{FF2B5EF4-FFF2-40B4-BE49-F238E27FC236}">
-                <a16:creationId xmlns:a16="http://schemas.microsoft.com/office/drawing/2014/main" id="{FFDC6124-1559-41B8-B92B-93CEC41DAF7B}"/>
+                <a16:creationId xmlns:a16="http://schemas.microsoft.com/office/drawing/2014/main" id="{FA985E76-3AAA-4BA8-895B-7CEFA381610D}"/>
               </a:ext>
             </a:extLst>
           </p:cNvPr>
@@ -1535,7 +1526,7 @@
           <p:cNvPr id="3" name="Text Placeholder 2">
             <a:extLst>
               <a:ext uri="{FF2B5EF4-FFF2-40B4-BE49-F238E27FC236}">
-                <a16:creationId xmlns:a16="http://schemas.microsoft.com/office/drawing/2014/main" id="{8B567FE8-6905-4695-8A00-0731C73505DB}"/>
+                <a16:creationId xmlns:a16="http://schemas.microsoft.com/office/drawing/2014/main" id="{916576F2-5634-465B-ABA2-D9D15C5B667F}"/>
               </a:ext>
             </a:extLst>
           </p:cNvPr>
@@ -1606,7 +1597,7 @@
           <p:cNvPr id="4" name="Content Placeholder 3">
             <a:extLst>
               <a:ext uri="{FF2B5EF4-FFF2-40B4-BE49-F238E27FC236}">
-                <a16:creationId xmlns:a16="http://schemas.microsoft.com/office/drawing/2014/main" id="{DD20EFBA-8626-48CF-A2CB-2C6E575AFF32}"/>
+                <a16:creationId xmlns:a16="http://schemas.microsoft.com/office/drawing/2014/main" id="{705DDFB3-62D8-47DE-8A34-887C9F8C7E7D}"/>
               </a:ext>
             </a:extLst>
           </p:cNvPr>
@@ -1668,7 +1659,7 @@
           <p:cNvPr id="5" name="Text Placeholder 4">
             <a:extLst>
               <a:ext uri="{FF2B5EF4-FFF2-40B4-BE49-F238E27FC236}">
-                <a16:creationId xmlns:a16="http://schemas.microsoft.com/office/drawing/2014/main" id="{35937018-EE7D-40E7-A7DE-A930DC2E7DDC}"/>
+                <a16:creationId xmlns:a16="http://schemas.microsoft.com/office/drawing/2014/main" id="{9F3A8425-854E-4E15-A343-B549C96AD29C}"/>
               </a:ext>
             </a:extLst>
           </p:cNvPr>
@@ -1739,7 +1730,7 @@
           <p:cNvPr id="6" name="Content Placeholder 5">
             <a:extLst>
               <a:ext uri="{FF2B5EF4-FFF2-40B4-BE49-F238E27FC236}">
-                <a16:creationId xmlns:a16="http://schemas.microsoft.com/office/drawing/2014/main" id="{7FB7B870-59C1-4CA5-803B-04A841D23AF3}"/>
+                <a16:creationId xmlns:a16="http://schemas.microsoft.com/office/drawing/2014/main" id="{066277B5-687E-441C-9D53-D581C589CB83}"/>
               </a:ext>
             </a:extLst>
           </p:cNvPr>
@@ -1801,7 +1792,7 @@
           <p:cNvPr id="7" name="Date Placeholder 6">
             <a:extLst>
               <a:ext uri="{FF2B5EF4-FFF2-40B4-BE49-F238E27FC236}">
-                <a16:creationId xmlns:a16="http://schemas.microsoft.com/office/drawing/2014/main" id="{397D3E23-5B68-4067-A555-166431E42F20}"/>
+                <a16:creationId xmlns:a16="http://schemas.microsoft.com/office/drawing/2014/main" id="{494BCEDA-57E8-43E3-83D6-9C6BF3E99987}"/>
               </a:ext>
             </a:extLst>
           </p:cNvPr>
@@ -1817,9 +1808,9 @@
           <a:bodyPr/>
           <a:lstStyle/>
           <a:p>
-            <a:fld id="{2DE90497-CD8E-43F8-91E6-3FAD70B3C54F}" type="datetimeFigureOut">
+            <a:fld id="{6D8DF9DE-08FD-47B7-A7A7-012A47613FCB}" type="datetimeFigureOut">
               <a:rPr lang="en-US" smtClean="0"/>
-              <a:t>2/23/2018</a:t>
+              <a:t>4/5/2018</a:t>
             </a:fld>
             <a:endParaRPr lang="en-US"/>
           </a:p>
@@ -1830,7 +1821,7 @@
           <p:cNvPr id="8" name="Footer Placeholder 7">
             <a:extLst>
               <a:ext uri="{FF2B5EF4-FFF2-40B4-BE49-F238E27FC236}">
-                <a16:creationId xmlns:a16="http://schemas.microsoft.com/office/drawing/2014/main" id="{BD35ECA7-FD62-4DFF-9619-3D62E41AC11A}"/>
+                <a16:creationId xmlns:a16="http://schemas.microsoft.com/office/drawing/2014/main" id="{DAA61FDF-C697-43CC-82E5-9E3B343A54DF}"/>
               </a:ext>
             </a:extLst>
           </p:cNvPr>
@@ -1855,7 +1846,7 @@
           <p:cNvPr id="9" name="Slide Number Placeholder 8">
             <a:extLst>
               <a:ext uri="{FF2B5EF4-FFF2-40B4-BE49-F238E27FC236}">
-                <a16:creationId xmlns:a16="http://schemas.microsoft.com/office/drawing/2014/main" id="{4F7DD8E5-37EC-4ECB-9A8C-18919E3CC0CA}"/>
+                <a16:creationId xmlns:a16="http://schemas.microsoft.com/office/drawing/2014/main" id="{64693F7D-529C-47B3-986F-9B28F88ABAC5}"/>
               </a:ext>
             </a:extLst>
           </p:cNvPr>
@@ -1871,7 +1862,7 @@
           <a:bodyPr/>
           <a:lstStyle/>
           <a:p>
-            <a:fld id="{9364A989-5472-48DC-A478-5EFAF045A946}" type="slidenum">
+            <a:fld id="{2A64B54A-9C63-4063-941B-1F0F50B38B01}" type="slidenum">
               <a:rPr lang="en-US" smtClean="0"/>
               <a:t>‹#›</a:t>
             </a:fld>
@@ -1882,7 +1873,7 @@
     </p:spTree>
     <p:extLst>
       <p:ext uri="{BB962C8B-B14F-4D97-AF65-F5344CB8AC3E}">
-        <p14:creationId xmlns:p14="http://schemas.microsoft.com/office/powerpoint/2010/main" val="1730537190"/>
+        <p14:creationId xmlns:p14="http://schemas.microsoft.com/office/powerpoint/2010/main" val="3496095945"/>
       </p:ext>
     </p:extLst>
   </p:cSld>
@@ -1914,7 +1905,7 @@
           <p:cNvPr id="2" name="Title 1">
             <a:extLst>
               <a:ext uri="{FF2B5EF4-FFF2-40B4-BE49-F238E27FC236}">
-                <a16:creationId xmlns:a16="http://schemas.microsoft.com/office/drawing/2014/main" id="{6A0050C6-78F5-460E-9B87-B6A4293E5817}"/>
+                <a16:creationId xmlns:a16="http://schemas.microsoft.com/office/drawing/2014/main" id="{E23BE2A7-52C9-4434-AEA4-70C2FC933BAE}"/>
               </a:ext>
             </a:extLst>
           </p:cNvPr>
@@ -1942,7 +1933,7 @@
           <p:cNvPr id="3" name="Date Placeholder 2">
             <a:extLst>
               <a:ext uri="{FF2B5EF4-FFF2-40B4-BE49-F238E27FC236}">
-                <a16:creationId xmlns:a16="http://schemas.microsoft.com/office/drawing/2014/main" id="{1A3C7D38-E4CA-457E-8CFD-F2F0790B16D3}"/>
+                <a16:creationId xmlns:a16="http://schemas.microsoft.com/office/drawing/2014/main" id="{A4D04865-36B6-4C22-BC83-15AF459A1D68}"/>
               </a:ext>
             </a:extLst>
           </p:cNvPr>
@@ -1958,9 +1949,9 @@
           <a:bodyPr/>
           <a:lstStyle/>
           <a:p>
-            <a:fld id="{2DE90497-CD8E-43F8-91E6-3FAD70B3C54F}" type="datetimeFigureOut">
+            <a:fld id="{6D8DF9DE-08FD-47B7-A7A7-012A47613FCB}" type="datetimeFigureOut">
               <a:rPr lang="en-US" smtClean="0"/>
-              <a:t>2/23/2018</a:t>
+              <a:t>4/5/2018</a:t>
             </a:fld>
             <a:endParaRPr lang="en-US"/>
           </a:p>
@@ -1971,7 +1962,7 @@
           <p:cNvPr id="4" name="Footer Placeholder 3">
             <a:extLst>
               <a:ext uri="{FF2B5EF4-FFF2-40B4-BE49-F238E27FC236}">
-                <a16:creationId xmlns:a16="http://schemas.microsoft.com/office/drawing/2014/main" id="{88B706F0-6BC9-4566-859D-6EE842E68E64}"/>
+                <a16:creationId xmlns:a16="http://schemas.microsoft.com/office/drawing/2014/main" id="{BD5A71EE-A0AE-4800-8A83-20FAC479A951}"/>
               </a:ext>
             </a:extLst>
           </p:cNvPr>
@@ -1996,7 +1987,7 @@
           <p:cNvPr id="5" name="Slide Number Placeholder 4">
             <a:extLst>
               <a:ext uri="{FF2B5EF4-FFF2-40B4-BE49-F238E27FC236}">
-                <a16:creationId xmlns:a16="http://schemas.microsoft.com/office/drawing/2014/main" id="{912DCEE2-C59A-459B-8F61-5B7718D8EEE8}"/>
+                <a16:creationId xmlns:a16="http://schemas.microsoft.com/office/drawing/2014/main" id="{765E64C8-2811-40C1-A8B9-EA215E3017A0}"/>
               </a:ext>
             </a:extLst>
           </p:cNvPr>
@@ -2012,7 +2003,7 @@
           <a:bodyPr/>
           <a:lstStyle/>
           <a:p>
-            <a:fld id="{9364A989-5472-48DC-A478-5EFAF045A946}" type="slidenum">
+            <a:fld id="{2A64B54A-9C63-4063-941B-1F0F50B38B01}" type="slidenum">
               <a:rPr lang="en-US" smtClean="0"/>
               <a:t>‹#›</a:t>
             </a:fld>
@@ -2023,7 +2014,7 @@
     </p:spTree>
     <p:extLst>
       <p:ext uri="{BB962C8B-B14F-4D97-AF65-F5344CB8AC3E}">
-        <p14:creationId xmlns:p14="http://schemas.microsoft.com/office/powerpoint/2010/main" val="3801409858"/>
+        <p14:creationId xmlns:p14="http://schemas.microsoft.com/office/powerpoint/2010/main" val="250646119"/>
       </p:ext>
     </p:extLst>
   </p:cSld>
@@ -2055,7 +2046,7 @@
           <p:cNvPr id="2" name="Date Placeholder 1">
             <a:extLst>
               <a:ext uri="{FF2B5EF4-FFF2-40B4-BE49-F238E27FC236}">
-                <a16:creationId xmlns:a16="http://schemas.microsoft.com/office/drawing/2014/main" id="{AE160151-8AA9-4539-9162-2BBF94DE1139}"/>
+                <a16:creationId xmlns:a16="http://schemas.microsoft.com/office/drawing/2014/main" id="{59E13A5C-42CB-4008-9749-9D2176028A84}"/>
               </a:ext>
             </a:extLst>
           </p:cNvPr>
@@ -2071,9 +2062,9 @@
           <a:bodyPr/>
           <a:lstStyle/>
           <a:p>
-            <a:fld id="{2DE90497-CD8E-43F8-91E6-3FAD70B3C54F}" type="datetimeFigureOut">
+            <a:fld id="{6D8DF9DE-08FD-47B7-A7A7-012A47613FCB}" type="datetimeFigureOut">
               <a:rPr lang="en-US" smtClean="0"/>
-              <a:t>2/23/2018</a:t>
+              <a:t>4/5/2018</a:t>
             </a:fld>
             <a:endParaRPr lang="en-US"/>
           </a:p>
@@ -2084,7 +2075,7 @@
           <p:cNvPr id="3" name="Footer Placeholder 2">
             <a:extLst>
               <a:ext uri="{FF2B5EF4-FFF2-40B4-BE49-F238E27FC236}">
-                <a16:creationId xmlns:a16="http://schemas.microsoft.com/office/drawing/2014/main" id="{F052DE4D-1796-4C00-A1C8-E060F6203258}"/>
+                <a16:creationId xmlns:a16="http://schemas.microsoft.com/office/drawing/2014/main" id="{D081B088-1AA8-4A13-BEE2-D3B9A0FD7E59}"/>
               </a:ext>
             </a:extLst>
           </p:cNvPr>
@@ -2109,7 +2100,7 @@
           <p:cNvPr id="4" name="Slide Number Placeholder 3">
             <a:extLst>
               <a:ext uri="{FF2B5EF4-FFF2-40B4-BE49-F238E27FC236}">
-                <a16:creationId xmlns:a16="http://schemas.microsoft.com/office/drawing/2014/main" id="{A9581147-6276-4789-8EAF-BF506FC04ED1}"/>
+                <a16:creationId xmlns:a16="http://schemas.microsoft.com/office/drawing/2014/main" id="{D67E10E8-3C63-46D0-929C-EE7782FD22E2}"/>
               </a:ext>
             </a:extLst>
           </p:cNvPr>
@@ -2125,7 +2116,7 @@
           <a:bodyPr/>
           <a:lstStyle/>
           <a:p>
-            <a:fld id="{9364A989-5472-48DC-A478-5EFAF045A946}" type="slidenum">
+            <a:fld id="{2A64B54A-9C63-4063-941B-1F0F50B38B01}" type="slidenum">
               <a:rPr lang="en-US" smtClean="0"/>
               <a:t>‹#›</a:t>
             </a:fld>
@@ -2136,7 +2127,7 @@
     </p:spTree>
     <p:extLst>
       <p:ext uri="{BB962C8B-B14F-4D97-AF65-F5344CB8AC3E}">
-        <p14:creationId xmlns:p14="http://schemas.microsoft.com/office/powerpoint/2010/main" val="3431021564"/>
+        <p14:creationId xmlns:p14="http://schemas.microsoft.com/office/powerpoint/2010/main" val="1624251220"/>
       </p:ext>
     </p:extLst>
   </p:cSld>
@@ -2168,7 +2159,7 @@
           <p:cNvPr id="2" name="Title 1">
             <a:extLst>
               <a:ext uri="{FF2B5EF4-FFF2-40B4-BE49-F238E27FC236}">
-                <a16:creationId xmlns:a16="http://schemas.microsoft.com/office/drawing/2014/main" id="{C67E0E2D-A77D-47DA-A37A-EE25828065BE}"/>
+                <a16:creationId xmlns:a16="http://schemas.microsoft.com/office/drawing/2014/main" id="{9FD9F597-2DCB-4546-97DD-A9A2316B83EE}"/>
               </a:ext>
             </a:extLst>
           </p:cNvPr>
@@ -2205,7 +2196,7 @@
           <p:cNvPr id="3" name="Content Placeholder 2">
             <a:extLst>
               <a:ext uri="{FF2B5EF4-FFF2-40B4-BE49-F238E27FC236}">
-                <a16:creationId xmlns:a16="http://schemas.microsoft.com/office/drawing/2014/main" id="{C830C32B-1D53-4E99-ABD5-A7CF0B25D7A7}"/>
+                <a16:creationId xmlns:a16="http://schemas.microsoft.com/office/drawing/2014/main" id="{455799D2-1C47-4BBE-A8BD-CF9F5C3F35CB}"/>
               </a:ext>
             </a:extLst>
           </p:cNvPr>
@@ -2295,7 +2286,7 @@
           <p:cNvPr id="4" name="Text Placeholder 3">
             <a:extLst>
               <a:ext uri="{FF2B5EF4-FFF2-40B4-BE49-F238E27FC236}">
-                <a16:creationId xmlns:a16="http://schemas.microsoft.com/office/drawing/2014/main" id="{8A4CA7D5-290E-407A-9CFC-D74AED61B413}"/>
+                <a16:creationId xmlns:a16="http://schemas.microsoft.com/office/drawing/2014/main" id="{9CEDCB30-5475-4654-8E3B-DE4256946280}"/>
               </a:ext>
             </a:extLst>
           </p:cNvPr>
@@ -2366,7 +2357,7 @@
           <p:cNvPr id="5" name="Date Placeholder 4">
             <a:extLst>
               <a:ext uri="{FF2B5EF4-FFF2-40B4-BE49-F238E27FC236}">
-                <a16:creationId xmlns:a16="http://schemas.microsoft.com/office/drawing/2014/main" id="{76D69680-8B7A-43DA-9FCF-2BE3617B9BE6}"/>
+                <a16:creationId xmlns:a16="http://schemas.microsoft.com/office/drawing/2014/main" id="{404A6775-BA5C-464E-B670-C215A1EBAD28}"/>
               </a:ext>
             </a:extLst>
           </p:cNvPr>
@@ -2382,9 +2373,9 @@
           <a:bodyPr/>
           <a:lstStyle/>
           <a:p>
-            <a:fld id="{2DE90497-CD8E-43F8-91E6-3FAD70B3C54F}" type="datetimeFigureOut">
+            <a:fld id="{6D8DF9DE-08FD-47B7-A7A7-012A47613FCB}" type="datetimeFigureOut">
               <a:rPr lang="en-US" smtClean="0"/>
-              <a:t>2/23/2018</a:t>
+              <a:t>4/5/2018</a:t>
             </a:fld>
             <a:endParaRPr lang="en-US"/>
           </a:p>
@@ -2395,7 +2386,7 @@
           <p:cNvPr id="6" name="Footer Placeholder 5">
             <a:extLst>
               <a:ext uri="{FF2B5EF4-FFF2-40B4-BE49-F238E27FC236}">
-                <a16:creationId xmlns:a16="http://schemas.microsoft.com/office/drawing/2014/main" id="{67F29236-BBE2-497A-A342-7B12339C6756}"/>
+                <a16:creationId xmlns:a16="http://schemas.microsoft.com/office/drawing/2014/main" id="{543D262B-6F9A-4B35-BCEA-E87FBE30E9ED}"/>
               </a:ext>
             </a:extLst>
           </p:cNvPr>
@@ -2420,7 +2411,7 @@
           <p:cNvPr id="7" name="Slide Number Placeholder 6">
             <a:extLst>
               <a:ext uri="{FF2B5EF4-FFF2-40B4-BE49-F238E27FC236}">
-                <a16:creationId xmlns:a16="http://schemas.microsoft.com/office/drawing/2014/main" id="{87A83B41-F479-4D31-946B-5FC2B09491E4}"/>
+                <a16:creationId xmlns:a16="http://schemas.microsoft.com/office/drawing/2014/main" id="{E8DF0419-7464-4077-A975-A0B755294B1F}"/>
               </a:ext>
             </a:extLst>
           </p:cNvPr>
@@ -2436,7 +2427,7 @@
           <a:bodyPr/>
           <a:lstStyle/>
           <a:p>
-            <a:fld id="{9364A989-5472-48DC-A478-5EFAF045A946}" type="slidenum">
+            <a:fld id="{2A64B54A-9C63-4063-941B-1F0F50B38B01}" type="slidenum">
               <a:rPr lang="en-US" smtClean="0"/>
               <a:t>‹#›</a:t>
             </a:fld>
@@ -2447,7 +2438,7 @@
     </p:spTree>
     <p:extLst>
       <p:ext uri="{BB962C8B-B14F-4D97-AF65-F5344CB8AC3E}">
-        <p14:creationId xmlns:p14="http://schemas.microsoft.com/office/powerpoint/2010/main" val="1278097198"/>
+        <p14:creationId xmlns:p14="http://schemas.microsoft.com/office/powerpoint/2010/main" val="221104330"/>
       </p:ext>
     </p:extLst>
   </p:cSld>
@@ -2479,7 +2470,7 @@
           <p:cNvPr id="2" name="Title 1">
             <a:extLst>
               <a:ext uri="{FF2B5EF4-FFF2-40B4-BE49-F238E27FC236}">
-                <a16:creationId xmlns:a16="http://schemas.microsoft.com/office/drawing/2014/main" id="{086B57E9-AFEA-4144-94F7-84900EA5F6E6}"/>
+                <a16:creationId xmlns:a16="http://schemas.microsoft.com/office/drawing/2014/main" id="{CE10EC15-897F-47D9-8005-B77D12A2F898}"/>
               </a:ext>
             </a:extLst>
           </p:cNvPr>
@@ -2516,7 +2507,7 @@
           <p:cNvPr id="3" name="Picture Placeholder 2">
             <a:extLst>
               <a:ext uri="{FF2B5EF4-FFF2-40B4-BE49-F238E27FC236}">
-                <a16:creationId xmlns:a16="http://schemas.microsoft.com/office/drawing/2014/main" id="{92BF3A13-1CE9-47B6-85F9-C590A2B7D099}"/>
+                <a16:creationId xmlns:a16="http://schemas.microsoft.com/office/drawing/2014/main" id="{DEC84832-DD34-4C9B-86F5-BB46A250D110}"/>
               </a:ext>
             </a:extLst>
           </p:cNvPr>
@@ -2583,7 +2574,7 @@
           <p:cNvPr id="4" name="Text Placeholder 3">
             <a:extLst>
               <a:ext uri="{FF2B5EF4-FFF2-40B4-BE49-F238E27FC236}">
-                <a16:creationId xmlns:a16="http://schemas.microsoft.com/office/drawing/2014/main" id="{533DDE27-CA1A-4469-891E-901B6B677FC0}"/>
+                <a16:creationId xmlns:a16="http://schemas.microsoft.com/office/drawing/2014/main" id="{F3321BEB-C5BC-4A0E-8944-372D9A299FA4}"/>
               </a:ext>
             </a:extLst>
           </p:cNvPr>
@@ -2654,7 +2645,7 @@
           <p:cNvPr id="5" name="Date Placeholder 4">
             <a:extLst>
               <a:ext uri="{FF2B5EF4-FFF2-40B4-BE49-F238E27FC236}">
-                <a16:creationId xmlns:a16="http://schemas.microsoft.com/office/drawing/2014/main" id="{3C05ACCD-D12B-4EED-8384-4CC2D540AF3F}"/>
+                <a16:creationId xmlns:a16="http://schemas.microsoft.com/office/drawing/2014/main" id="{23130D14-B070-4FF1-8977-D22A4F0E4939}"/>
               </a:ext>
             </a:extLst>
           </p:cNvPr>
@@ -2670,9 +2661,9 @@
           <a:bodyPr/>
           <a:lstStyle/>
           <a:p>
-            <a:fld id="{2DE90497-CD8E-43F8-91E6-3FAD70B3C54F}" type="datetimeFigureOut">
+            <a:fld id="{6D8DF9DE-08FD-47B7-A7A7-012A47613FCB}" type="datetimeFigureOut">
               <a:rPr lang="en-US" smtClean="0"/>
-              <a:t>2/23/2018</a:t>
+              <a:t>4/5/2018</a:t>
             </a:fld>
             <a:endParaRPr lang="en-US"/>
           </a:p>
@@ -2683,7 +2674,7 @@
           <p:cNvPr id="6" name="Footer Placeholder 5">
             <a:extLst>
               <a:ext uri="{FF2B5EF4-FFF2-40B4-BE49-F238E27FC236}">
-                <a16:creationId xmlns:a16="http://schemas.microsoft.com/office/drawing/2014/main" id="{D5A845A1-BFF8-4735-AC54-1EBD95FCD3C3}"/>
+                <a16:creationId xmlns:a16="http://schemas.microsoft.com/office/drawing/2014/main" id="{CF562521-AAC8-4A2B-A714-EC9122925B7C}"/>
               </a:ext>
             </a:extLst>
           </p:cNvPr>
@@ -2708,7 +2699,7 @@
           <p:cNvPr id="7" name="Slide Number Placeholder 6">
             <a:extLst>
               <a:ext uri="{FF2B5EF4-FFF2-40B4-BE49-F238E27FC236}">
-                <a16:creationId xmlns:a16="http://schemas.microsoft.com/office/drawing/2014/main" id="{3E8E7361-1037-4B82-BAB1-10E71577D211}"/>
+                <a16:creationId xmlns:a16="http://schemas.microsoft.com/office/drawing/2014/main" id="{C337260A-70DB-4181-AACD-61D78D8DC3F3}"/>
               </a:ext>
             </a:extLst>
           </p:cNvPr>
@@ -2724,7 +2715,7 @@
           <a:bodyPr/>
           <a:lstStyle/>
           <a:p>
-            <a:fld id="{9364A989-5472-48DC-A478-5EFAF045A946}" type="slidenum">
+            <a:fld id="{2A64B54A-9C63-4063-941B-1F0F50B38B01}" type="slidenum">
               <a:rPr lang="en-US" smtClean="0"/>
               <a:t>‹#›</a:t>
             </a:fld>
@@ -2735,7 +2726,7 @@
     </p:spTree>
     <p:extLst>
       <p:ext uri="{BB962C8B-B14F-4D97-AF65-F5344CB8AC3E}">
-        <p14:creationId xmlns:p14="http://schemas.microsoft.com/office/powerpoint/2010/main" val="183575416"/>
+        <p14:creationId xmlns:p14="http://schemas.microsoft.com/office/powerpoint/2010/main" val="2182433430"/>
       </p:ext>
     </p:extLst>
   </p:cSld>
@@ -2772,7 +2763,7 @@
           <p:cNvPr id="2" name="Title Placeholder 1">
             <a:extLst>
               <a:ext uri="{FF2B5EF4-FFF2-40B4-BE49-F238E27FC236}">
-                <a16:creationId xmlns:a16="http://schemas.microsoft.com/office/drawing/2014/main" id="{1B8D5E81-2809-4C6B-AF77-E5A3992E124E}"/>
+                <a16:creationId xmlns:a16="http://schemas.microsoft.com/office/drawing/2014/main" id="{2A3B6654-8F11-461A-920D-E54D1CE8B6A3}"/>
               </a:ext>
             </a:extLst>
           </p:cNvPr>
@@ -2810,7 +2801,7 @@
           <p:cNvPr id="3" name="Text Placeholder 2">
             <a:extLst>
               <a:ext uri="{FF2B5EF4-FFF2-40B4-BE49-F238E27FC236}">
-                <a16:creationId xmlns:a16="http://schemas.microsoft.com/office/drawing/2014/main" id="{FF1B0AF4-5EEB-46AB-A2D6-E05FF1D236AE}"/>
+                <a16:creationId xmlns:a16="http://schemas.microsoft.com/office/drawing/2014/main" id="{603368EE-73B1-45FF-8901-32BCEA51B26B}"/>
               </a:ext>
             </a:extLst>
           </p:cNvPr>
@@ -2877,7 +2868,7 @@
           <p:cNvPr id="4" name="Date Placeholder 3">
             <a:extLst>
               <a:ext uri="{FF2B5EF4-FFF2-40B4-BE49-F238E27FC236}">
-                <a16:creationId xmlns:a16="http://schemas.microsoft.com/office/drawing/2014/main" id="{DB1C5B40-90F5-45B6-8361-AB221E5B48BE}"/>
+                <a16:creationId xmlns:a16="http://schemas.microsoft.com/office/drawing/2014/main" id="{528BB7A2-8CD2-40C9-966A-078B97E29C6A}"/>
               </a:ext>
             </a:extLst>
           </p:cNvPr>
@@ -2911,9 +2902,9 @@
             </a:lvl1pPr>
           </a:lstStyle>
           <a:p>
-            <a:fld id="{2DE90497-CD8E-43F8-91E6-3FAD70B3C54F}" type="datetimeFigureOut">
+            <a:fld id="{6D8DF9DE-08FD-47B7-A7A7-012A47613FCB}" type="datetimeFigureOut">
               <a:rPr lang="en-US" smtClean="0"/>
-              <a:t>2/23/2018</a:t>
+              <a:t>4/5/2018</a:t>
             </a:fld>
             <a:endParaRPr lang="en-US"/>
           </a:p>
@@ -2924,7 +2915,7 @@
           <p:cNvPr id="5" name="Footer Placeholder 4">
             <a:extLst>
               <a:ext uri="{FF2B5EF4-FFF2-40B4-BE49-F238E27FC236}">
-                <a16:creationId xmlns:a16="http://schemas.microsoft.com/office/drawing/2014/main" id="{E4E502FB-82A7-40F0-A597-89FD9A4A4322}"/>
+                <a16:creationId xmlns:a16="http://schemas.microsoft.com/office/drawing/2014/main" id="{F28ED82E-8697-41FE-8DDA-5D17733BC168}"/>
               </a:ext>
             </a:extLst>
           </p:cNvPr>
@@ -2967,7 +2958,7 @@
           <p:cNvPr id="6" name="Slide Number Placeholder 5">
             <a:extLst>
               <a:ext uri="{FF2B5EF4-FFF2-40B4-BE49-F238E27FC236}">
-                <a16:creationId xmlns:a16="http://schemas.microsoft.com/office/drawing/2014/main" id="{71771287-EB87-4B5B-8A13-E5BC96C2785B}"/>
+                <a16:creationId xmlns:a16="http://schemas.microsoft.com/office/drawing/2014/main" id="{1BED18CA-5003-49DA-B374-49F6774869B0}"/>
               </a:ext>
             </a:extLst>
           </p:cNvPr>
@@ -3001,7 +2992,7 @@
             </a:lvl1pPr>
           </a:lstStyle>
           <a:p>
-            <a:fld id="{9364A989-5472-48DC-A478-5EFAF045A946}" type="slidenum">
+            <a:fld id="{2A64B54A-9C63-4063-941B-1F0F50B38B01}" type="slidenum">
               <a:rPr lang="en-US" smtClean="0"/>
               <a:t>‹#›</a:t>
             </a:fld>
@@ -3012,7 +3003,7 @@
     </p:spTree>
     <p:extLst>
       <p:ext uri="{BB962C8B-B14F-4D97-AF65-F5344CB8AC3E}">
-        <p14:creationId xmlns:p14="http://schemas.microsoft.com/office/powerpoint/2010/main" val="4077100179"/>
+        <p14:creationId xmlns:p14="http://schemas.microsoft.com/office/powerpoint/2010/main" val="3051396633"/>
       </p:ext>
     </p:extLst>
   </p:cSld>
@@ -3330,46 +3321,19 @@
           <a:chExt cx="0" cy="0"/>
         </a:xfrm>
       </p:grpSpPr>
-      <p:sp>
-        <p:nvSpPr>
-          <p:cNvPr id="2" name="Title 1">
-            <a:extLst>
-              <a:ext uri="{FF2B5EF4-FFF2-40B4-BE49-F238E27FC236}">
-                <a16:creationId xmlns:a16="http://schemas.microsoft.com/office/drawing/2014/main" id="{7FDFA57D-7A11-48D9-8564-95D393E8A4A2}"/>
-              </a:ext>
-            </a:extLst>
-          </p:cNvPr>
-          <p:cNvSpPr>
-            <a:spLocks noGrp="1"/>
-          </p:cNvSpPr>
-          <p:nvPr>
-            <p:ph type="title"/>
-          </p:nvPr>
-        </p:nvSpPr>
-        <p:spPr/>
-        <p:txBody>
-          <a:bodyPr/>
-          <a:lstStyle/>
-          <a:p>
-            <a:endParaRPr lang="en-US"/>
-          </a:p>
-        </p:txBody>
-      </p:sp>
       <p:pic>
         <p:nvPicPr>
-          <p:cNvPr id="5" name="Content Placeholder 4">
-            <a:extLst>
-              <a:ext uri="{FF2B5EF4-FFF2-40B4-BE49-F238E27FC236}">
-                <a16:creationId xmlns:a16="http://schemas.microsoft.com/office/drawing/2014/main" id="{558FA3CC-226B-4E18-9934-9D420E1FAAE3}"/>
+          <p:cNvPr id="5" name="Picture 4">
+            <a:extLst>
+              <a:ext uri="{FF2B5EF4-FFF2-40B4-BE49-F238E27FC236}">
+                <a16:creationId xmlns:a16="http://schemas.microsoft.com/office/drawing/2014/main" id="{2A55446F-8136-4538-B451-2B18355FD4EA}"/>
               </a:ext>
             </a:extLst>
           </p:cNvPr>
           <p:cNvPicPr>
-            <a:picLocks noGrp="1" noChangeAspect="1"/>
+            <a:picLocks noChangeAspect="1"/>
           </p:cNvPicPr>
-          <p:nvPr>
-            <p:ph idx="1"/>
-          </p:nvPr>
+          <p:nvPr/>
         </p:nvPicPr>
         <p:blipFill>
           <a:blip r:embed="rId2">
@@ -3385,17 +3349,20 @@
         </p:blipFill>
         <p:spPr>
           <a:xfrm>
-            <a:off x="-225598" y="-923205"/>
-            <a:ext cx="16789301" cy="12670187"/>
+            <a:off x="2667000" y="377748"/>
+            <a:ext cx="6858000" cy="6057900"/>
           </a:xfrm>
+          <a:prstGeom prst="rect">
+            <a:avLst/>
+          </a:prstGeom>
         </p:spPr>
       </p:pic>
       <p:sp>
         <p:nvSpPr>
-          <p:cNvPr id="3" name="TextBox 2">
-            <a:extLst>
-              <a:ext uri="{FF2B5EF4-FFF2-40B4-BE49-F238E27FC236}">
-                <a16:creationId xmlns:a16="http://schemas.microsoft.com/office/drawing/2014/main" id="{C73C690A-87BC-4F4B-8576-FDFD1B7D51CC}"/>
+          <p:cNvPr id="6" name="TextBox 5">
+            <a:extLst>
+              <a:ext uri="{FF2B5EF4-FFF2-40B4-BE49-F238E27FC236}">
+                <a16:creationId xmlns:a16="http://schemas.microsoft.com/office/drawing/2014/main" id="{5C91FE3E-69F2-4EDB-8F4E-2872DF240CB1}"/>
               </a:ext>
             </a:extLst>
           </p:cNvPr>
@@ -3403,9 +3370,9 @@
           <p:nvPr/>
         </p:nvSpPr>
         <p:spPr>
-          <a:xfrm>
-            <a:off x="1931350" y="6255521"/>
-            <a:ext cx="7144284" cy="457200"/>
+          <a:xfrm flipH="1">
+            <a:off x="6096000" y="5688516"/>
+            <a:ext cx="5407228" cy="369332"/>
           </a:xfrm>
           <a:prstGeom prst="rect">
             <a:avLst/>
@@ -3428,7 +3395,7 @@
     </p:spTree>
     <p:extLst>
       <p:ext uri="{BB962C8B-B14F-4D97-AF65-F5344CB8AC3E}">
-        <p14:creationId xmlns:p14="http://schemas.microsoft.com/office/powerpoint/2010/main" val="4157002730"/>
+        <p14:creationId xmlns:p14="http://schemas.microsoft.com/office/powerpoint/2010/main" val="3000609032"/>
       </p:ext>
     </p:extLst>
   </p:cSld>
